--- a/rmarkdown_pres.pptx
+++ b/rmarkdown_pres.pptx
@@ -5,10 +5,10 @@
     <p:sldMasterId id="2147483684" r:id="rId1"/>
   </p:sldMasterIdLst>
   <p:notesMasterIdLst>
-    <p:notesMasterId r:id="rId15"/>
+    <p:notesMasterId r:id="rId16"/>
   </p:notesMasterIdLst>
   <p:handoutMasterIdLst>
-    <p:handoutMasterId r:id="rId16"/>
+    <p:handoutMasterId r:id="rId17"/>
   </p:handoutMasterIdLst>
   <p:sldIdLst>
     <p:sldId id="256" r:id="rId2"/>
@@ -24,6 +24,7 @@
     <p:sldId id="271" r:id="rId12"/>
     <p:sldId id="261" r:id="rId13"/>
     <p:sldId id="264" r:id="rId14"/>
+    <p:sldId id="272" r:id="rId15"/>
   </p:sldIdLst>
   <p:sldSz cx="12192000" cy="6858000"/>
   <p:notesSz cx="6858000" cy="9144000"/>
@@ -144,6 +145,7 @@
             <p14:sldId id="271"/>
             <p14:sldId id="261"/>
             <p14:sldId id="264"/>
+            <p14:sldId id="272"/>
           </p14:sldIdLst>
         </p14:section>
       </p14:sectionLst>
@@ -252,7 +254,7 @@
           <a:p>
             <a:fld id="{9AFFF6BE-A819-4CD0-B1B8-631E75667E3F}" type="datetimeFigureOut">
               <a:rPr lang="en-GB" smtClean="0"/>
-              <a:t>21/02/2021</a:t>
+              <a:t>22/02/2021</a:t>
             </a:fld>
             <a:endParaRPr lang="en-GB"/>
           </a:p>
@@ -429,7 +431,7 @@
           <a:p>
             <a:fld id="{A09D4936-6FA4-4161-9530-A643D9D48A5E}" type="datetimeFigureOut">
               <a:rPr lang="en-GB" smtClean="0"/>
-              <a:t>21/02/2021</a:t>
+              <a:t>22/02/2021</a:t>
             </a:fld>
             <a:endParaRPr lang="en-GB"/>
           </a:p>
@@ -2524,7 +2526,7 @@
             <a:fld id="{FE5EC8D0-1F95-481B-AC0C-2A92D5B0D2AD}" type="datetimeFigureOut">
               <a:rPr lang="en-GB" smtClean="0"/>
               <a:pPr/>
-              <a:t>21/02/2021</a:t>
+              <a:t>22/02/2021</a:t>
             </a:fld>
             <a:endParaRPr lang="en-GB"/>
           </a:p>
@@ -2711,7 +2713,7 @@
           <a:p>
             <a:fld id="{FE5EC8D0-1F95-481B-AC0C-2A92D5B0D2AD}" type="datetimeFigureOut">
               <a:rPr lang="en-GB" smtClean="0"/>
-              <a:t>21/02/2021</a:t>
+              <a:t>22/02/2021</a:t>
             </a:fld>
             <a:endParaRPr lang="en-GB"/>
           </a:p>
@@ -2891,7 +2893,7 @@
           <a:p>
             <a:fld id="{FE5EC8D0-1F95-481B-AC0C-2A92D5B0D2AD}" type="datetimeFigureOut">
               <a:rPr lang="en-GB" smtClean="0"/>
-              <a:t>21/02/2021</a:t>
+              <a:t>22/02/2021</a:t>
             </a:fld>
             <a:endParaRPr lang="en-GB"/>
           </a:p>
@@ -3071,7 +3073,7 @@
           <a:p>
             <a:fld id="{FE5EC8D0-1F95-481B-AC0C-2A92D5B0D2AD}" type="datetimeFigureOut">
               <a:rPr lang="en-GB" smtClean="0"/>
-              <a:t>21/02/2021</a:t>
+              <a:t>22/02/2021</a:t>
             </a:fld>
             <a:endParaRPr lang="en-GB"/>
           </a:p>
@@ -3321,7 +3323,7 @@
           <a:p>
             <a:fld id="{FE5EC8D0-1F95-481B-AC0C-2A92D5B0D2AD}" type="datetimeFigureOut">
               <a:rPr lang="en-GB" smtClean="0"/>
-              <a:t>21/02/2021</a:t>
+              <a:t>22/02/2021</a:t>
             </a:fld>
             <a:endParaRPr lang="en-GB"/>
           </a:p>
@@ -3561,7 +3563,7 @@
           <a:p>
             <a:fld id="{FE5EC8D0-1F95-481B-AC0C-2A92D5B0D2AD}" type="datetimeFigureOut">
               <a:rPr lang="en-GB" smtClean="0"/>
-              <a:t>21/02/2021</a:t>
+              <a:t>22/02/2021</a:t>
             </a:fld>
             <a:endParaRPr lang="en-GB"/>
           </a:p>
@@ -3944,7 +3946,7 @@
           <a:p>
             <a:fld id="{FE5EC8D0-1F95-481B-AC0C-2A92D5B0D2AD}" type="datetimeFigureOut">
               <a:rPr lang="en-GB" smtClean="0"/>
-              <a:t>21/02/2021</a:t>
+              <a:t>22/02/2021</a:t>
             </a:fld>
             <a:endParaRPr lang="en-GB"/>
           </a:p>
@@ -4070,7 +4072,7 @@
           <a:p>
             <a:fld id="{FE5EC8D0-1F95-481B-AC0C-2A92D5B0D2AD}" type="datetimeFigureOut">
               <a:rPr lang="en-GB" smtClean="0"/>
-              <a:t>21/02/2021</a:t>
+              <a:t>22/02/2021</a:t>
             </a:fld>
             <a:endParaRPr lang="en-GB"/>
           </a:p>
@@ -4165,7 +4167,7 @@
           <a:p>
             <a:fld id="{FE5EC8D0-1F95-481B-AC0C-2A92D5B0D2AD}" type="datetimeFigureOut">
               <a:rPr lang="en-GB" smtClean="0"/>
-              <a:t>21/02/2021</a:t>
+              <a:t>22/02/2021</a:t>
             </a:fld>
             <a:endParaRPr lang="en-GB"/>
           </a:p>
@@ -4442,7 +4444,7 @@
           <a:p>
             <a:fld id="{FE5EC8D0-1F95-481B-AC0C-2A92D5B0D2AD}" type="datetimeFigureOut">
               <a:rPr lang="en-GB" smtClean="0"/>
-              <a:t>21/02/2021</a:t>
+              <a:t>22/02/2021</a:t>
             </a:fld>
             <a:endParaRPr lang="en-GB"/>
           </a:p>
@@ -4699,7 +4701,7 @@
           <a:p>
             <a:fld id="{FE5EC8D0-1F95-481B-AC0C-2A92D5B0D2AD}" type="datetimeFigureOut">
               <a:rPr lang="en-GB" smtClean="0"/>
-              <a:t>21/02/2021</a:t>
+              <a:t>22/02/2021</a:t>
             </a:fld>
             <a:endParaRPr lang="en-GB"/>
           </a:p>
@@ -4912,7 +4914,7 @@
           <a:p>
             <a:fld id="{FE5EC8D0-1F95-481B-AC0C-2A92D5B0D2AD}" type="datetimeFigureOut">
               <a:rPr lang="en-GB" smtClean="0"/>
-              <a:t>21/02/2021</a:t>
+              <a:t>22/02/2021</a:t>
             </a:fld>
             <a:endParaRPr lang="en-GB"/>
           </a:p>
@@ -6407,29 +6409,96 @@
               <a:t>Plots</a:t>
             </a:r>
           </a:p>
-          <a:p>
-            <a:pPr lvl="1"/>
-            <a:r>
-              <a:rPr lang="en-GB" dirty="0"/>
-              <a:t>References</a:t>
-            </a:r>
-          </a:p>
-          <a:p>
-            <a:pPr lvl="1"/>
-            <a:endParaRPr lang="en-GB" dirty="0"/>
-          </a:p>
-          <a:p>
-            <a:r>
-              <a:rPr lang="en-GB" dirty="0"/>
-              <a:t>and produce a pdf from it</a:t>
-            </a:r>
-          </a:p>
         </p:txBody>
       </p:sp>
     </p:spTree>
     <p:extLst>
       <p:ext uri="{BB962C8B-B14F-4D97-AF65-F5344CB8AC3E}">
         <p14:creationId xmlns:p14="http://schemas.microsoft.com/office/powerpoint/2010/main" val="366696609"/>
+      </p:ext>
+    </p:extLst>
+  </p:cSld>
+  <p:clrMapOvr>
+    <a:masterClrMapping/>
+  </p:clrMapOvr>
+</p:sld>
+</file>
+
+<file path=ppt/slides/slide14.xml><?xml version="1.0" encoding="utf-8"?>
+<p:sld xmlns:a="http://schemas.openxmlformats.org/drawingml/2006/main" xmlns:r="http://schemas.openxmlformats.org/officeDocument/2006/relationships" xmlns:p="http://schemas.openxmlformats.org/presentationml/2006/main">
+  <p:cSld>
+    <p:spTree>
+      <p:nvGrpSpPr>
+        <p:cNvPr id="1" name=""/>
+        <p:cNvGrpSpPr/>
+        <p:nvPr/>
+      </p:nvGrpSpPr>
+      <p:grpSpPr>
+        <a:xfrm>
+          <a:off x="0" y="0"/>
+          <a:ext cx="0" cy="0"/>
+          <a:chOff x="0" y="0"/>
+          <a:chExt cx="0" cy="0"/>
+        </a:xfrm>
+      </p:grpSpPr>
+      <p:sp>
+        <p:nvSpPr>
+          <p:cNvPr id="2" name="Title 1">
+            <a:extLst>
+              <a:ext uri="{FF2B5EF4-FFF2-40B4-BE49-F238E27FC236}">
+                <a16:creationId xmlns:a16="http://schemas.microsoft.com/office/drawing/2014/main" id="{4C183C55-155A-4BEB-AE54-96A6F56B1372}"/>
+              </a:ext>
+            </a:extLst>
+          </p:cNvPr>
+          <p:cNvSpPr>
+            <a:spLocks noGrp="1"/>
+          </p:cNvSpPr>
+          <p:nvPr>
+            <p:ph type="title"/>
+          </p:nvPr>
+        </p:nvSpPr>
+        <p:spPr/>
+        <p:txBody>
+          <a:bodyPr/>
+          <a:lstStyle/>
+          <a:p>
+            <a:r>
+              <a:rPr lang="de-DE" dirty="0"/>
+              <a:t>Tables in R Markdown</a:t>
+            </a:r>
+            <a:endParaRPr lang="en-GB" dirty="0"/>
+          </a:p>
+        </p:txBody>
+      </p:sp>
+      <p:sp>
+        <p:nvSpPr>
+          <p:cNvPr id="3" name="Content Placeholder 2">
+            <a:extLst>
+              <a:ext uri="{FF2B5EF4-FFF2-40B4-BE49-F238E27FC236}">
+                <a16:creationId xmlns:a16="http://schemas.microsoft.com/office/drawing/2014/main" id="{C57D3E0F-5258-4BC3-9254-10E080907524}"/>
+              </a:ext>
+            </a:extLst>
+          </p:cNvPr>
+          <p:cNvSpPr>
+            <a:spLocks noGrp="1"/>
+          </p:cNvSpPr>
+          <p:nvPr>
+            <p:ph idx="1"/>
+          </p:nvPr>
+        </p:nvSpPr>
+        <p:spPr/>
+        <p:txBody>
+          <a:bodyPr/>
+          <a:lstStyle/>
+          <a:p>
+            <a:endParaRPr lang="en-GB" dirty="0"/>
+          </a:p>
+        </p:txBody>
+      </p:sp>
+    </p:spTree>
+    <p:extLst>
+      <p:ext uri="{BB962C8B-B14F-4D97-AF65-F5344CB8AC3E}">
+        <p14:creationId xmlns:p14="http://schemas.microsoft.com/office/powerpoint/2010/main" val="885069439"/>
       </p:ext>
     </p:extLst>
   </p:cSld>

--- a/rmarkdown_pres.pptx
+++ b/rmarkdown_pres.pptx
@@ -5,10 +5,10 @@
     <p:sldMasterId id="2147483684" r:id="rId1"/>
   </p:sldMasterIdLst>
   <p:notesMasterIdLst>
-    <p:notesMasterId r:id="rId16"/>
+    <p:notesMasterId r:id="rId22"/>
   </p:notesMasterIdLst>
   <p:handoutMasterIdLst>
-    <p:handoutMasterId r:id="rId17"/>
+    <p:handoutMasterId r:id="rId23"/>
   </p:handoutMasterIdLst>
   <p:sldIdLst>
     <p:sldId id="256" r:id="rId2"/>
@@ -24,7 +24,13 @@
     <p:sldId id="271" r:id="rId12"/>
     <p:sldId id="261" r:id="rId13"/>
     <p:sldId id="264" r:id="rId14"/>
-    <p:sldId id="272" r:id="rId15"/>
+    <p:sldId id="273" r:id="rId15"/>
+    <p:sldId id="274" r:id="rId16"/>
+    <p:sldId id="275" r:id="rId17"/>
+    <p:sldId id="278" r:id="rId18"/>
+    <p:sldId id="277" r:id="rId19"/>
+    <p:sldId id="279" r:id="rId20"/>
+    <p:sldId id="276" r:id="rId21"/>
   </p:sldIdLst>
   <p:sldSz cx="12192000" cy="6858000"/>
   <p:notesSz cx="6858000" cy="9144000"/>
@@ -145,7 +151,13 @@
             <p14:sldId id="271"/>
             <p14:sldId id="261"/>
             <p14:sldId id="264"/>
-            <p14:sldId id="272"/>
+            <p14:sldId id="273"/>
+            <p14:sldId id="274"/>
+            <p14:sldId id="275"/>
+            <p14:sldId id="278"/>
+            <p14:sldId id="277"/>
+            <p14:sldId id="279"/>
+            <p14:sldId id="276"/>
           </p14:sldIdLst>
         </p14:section>
       </p14:sectionLst>
@@ -1395,6 +1407,853 @@
     <p:extLst>
       <p:ext uri="{BB962C8B-B14F-4D97-AF65-F5344CB8AC3E}">
         <p14:creationId xmlns:p14="http://schemas.microsoft.com/office/powerpoint/2010/main" val="2014071929"/>
+      </p:ext>
+    </p:extLst>
+  </p:cSld>
+  <p:clrMapOvr>
+    <a:masterClrMapping/>
+  </p:clrMapOvr>
+</p:notes>
+</file>
+
+<file path=ppt/notesSlides/notesSlide14.xml><?xml version="1.0" encoding="utf-8"?>
+<p:notes xmlns:a="http://schemas.openxmlformats.org/drawingml/2006/main" xmlns:r="http://schemas.openxmlformats.org/officeDocument/2006/relationships" xmlns:p="http://schemas.openxmlformats.org/presentationml/2006/main">
+  <p:cSld>
+    <p:spTree>
+      <p:nvGrpSpPr>
+        <p:cNvPr id="1" name=""/>
+        <p:cNvGrpSpPr/>
+        <p:nvPr/>
+      </p:nvGrpSpPr>
+      <p:grpSpPr>
+        <a:xfrm>
+          <a:off x="0" y="0"/>
+          <a:ext cx="0" cy="0"/>
+          <a:chOff x="0" y="0"/>
+          <a:chExt cx="0" cy="0"/>
+        </a:xfrm>
+      </p:grpSpPr>
+      <p:sp>
+        <p:nvSpPr>
+          <p:cNvPr id="2" name="Slide Image Placeholder 1"/>
+          <p:cNvSpPr>
+            <a:spLocks noGrp="1" noRot="1" noChangeAspect="1"/>
+          </p:cNvSpPr>
+          <p:nvPr>
+            <p:ph type="sldImg"/>
+          </p:nvPr>
+        </p:nvSpPr>
+        <p:spPr/>
+      </p:sp>
+      <p:sp>
+        <p:nvSpPr>
+          <p:cNvPr id="3" name="Notes Placeholder 2"/>
+          <p:cNvSpPr>
+            <a:spLocks noGrp="1"/>
+          </p:cNvSpPr>
+          <p:nvPr>
+            <p:ph type="body" idx="1"/>
+          </p:nvPr>
+        </p:nvSpPr>
+        <p:spPr/>
+        <p:txBody>
+          <a:bodyPr/>
+          <a:lstStyle/>
+          <a:p>
+            <a:pPr algn="l"/>
+            <a:r>
+              <a:rPr lang="en-GB" b="0" i="0" dirty="0">
+                <a:solidFill>
+                  <a:srgbClr val="05192D"/>
+                </a:solidFill>
+                <a:effectLst/>
+                <a:latin typeface="Studio-Feixen-Sans"/>
+              </a:rPr>
+              <a:t>You can dd a table manually very easily using dashes to separate the heading row from the content ones, and pipes to separate columns.</a:t>
+            </a:r>
+          </a:p>
+          <a:p>
+            <a:pPr algn="l"/>
+            <a:r>
+              <a:rPr lang="en-GB" b="0" i="0" dirty="0">
+                <a:solidFill>
+                  <a:srgbClr val="05192D"/>
+                </a:solidFill>
+                <a:effectLst/>
+                <a:latin typeface="Studio-Feixen-Sans"/>
+              </a:rPr>
+              <a:t>With colons you can indicate the alignment of the content, and the width of the column can be modified “visually” by adding dashes to the separating line.</a:t>
+            </a:r>
+          </a:p>
+          <a:p>
+            <a:pPr algn="l"/>
+            <a:r>
+              <a:rPr lang="en-GB" b="0" i="0" dirty="0">
+                <a:solidFill>
+                  <a:srgbClr val="05192D"/>
+                </a:solidFill>
+                <a:effectLst/>
+                <a:latin typeface="Studio-Feixen-Sans"/>
+              </a:rPr>
+              <a:t>Writing a table manually allows you to write tables independently of the content of your data.</a:t>
+            </a:r>
+          </a:p>
+          <a:p>
+            <a:pPr algn="l"/>
+            <a:r>
+              <a:rPr lang="en-GB" b="0" i="0" dirty="0">
+                <a:solidFill>
+                  <a:srgbClr val="05192D"/>
+                </a:solidFill>
+                <a:effectLst/>
+                <a:latin typeface="Studio-Feixen-Sans"/>
+              </a:rPr>
+              <a:t>As you might notice from the picture, the editing can get confusing, especially if you have longer cell content.</a:t>
+            </a:r>
+          </a:p>
+          <a:p>
+            <a:pPr algn="l"/>
+            <a:r>
+              <a:rPr lang="en-GB" b="0" i="0" dirty="0">
+                <a:solidFill>
+                  <a:srgbClr val="05192D"/>
+                </a:solidFill>
+                <a:effectLst/>
+                <a:latin typeface="Studio-Feixen-Sans"/>
+              </a:rPr>
+              <a:t>It is important to remember that the structure is defined by the separating line, and that the content does not alter it.</a:t>
+            </a:r>
+          </a:p>
+        </p:txBody>
+      </p:sp>
+      <p:sp>
+        <p:nvSpPr>
+          <p:cNvPr id="4" name="Slide Number Placeholder 3"/>
+          <p:cNvSpPr>
+            <a:spLocks noGrp="1"/>
+          </p:cNvSpPr>
+          <p:nvPr>
+            <p:ph type="sldNum" sz="quarter" idx="5"/>
+          </p:nvPr>
+        </p:nvSpPr>
+        <p:spPr/>
+        <p:txBody>
+          <a:bodyPr/>
+          <a:lstStyle/>
+          <a:p>
+            <a:fld id="{4B57A0F3-40D9-41F5-93D3-4BB64EC0659B}" type="slidenum">
+              <a:rPr lang="en-GB" smtClean="0"/>
+              <a:t>14</a:t>
+            </a:fld>
+            <a:endParaRPr lang="en-GB"/>
+          </a:p>
+        </p:txBody>
+      </p:sp>
+    </p:spTree>
+    <p:extLst>
+      <p:ext uri="{BB962C8B-B14F-4D97-AF65-F5344CB8AC3E}">
+        <p14:creationId xmlns:p14="http://schemas.microsoft.com/office/powerpoint/2010/main" val="2207897705"/>
+      </p:ext>
+    </p:extLst>
+  </p:cSld>
+  <p:clrMapOvr>
+    <a:masterClrMapping/>
+  </p:clrMapOvr>
+</p:notes>
+</file>
+
+<file path=ppt/notesSlides/notesSlide15.xml><?xml version="1.0" encoding="utf-8"?>
+<p:notes xmlns:a="http://schemas.openxmlformats.org/drawingml/2006/main" xmlns:r="http://schemas.openxmlformats.org/officeDocument/2006/relationships" xmlns:p="http://schemas.openxmlformats.org/presentationml/2006/main">
+  <p:cSld>
+    <p:spTree>
+      <p:nvGrpSpPr>
+        <p:cNvPr id="1" name=""/>
+        <p:cNvGrpSpPr/>
+        <p:nvPr/>
+      </p:nvGrpSpPr>
+      <p:grpSpPr>
+        <a:xfrm>
+          <a:off x="0" y="0"/>
+          <a:ext cx="0" cy="0"/>
+          <a:chOff x="0" y="0"/>
+          <a:chExt cx="0" cy="0"/>
+        </a:xfrm>
+      </p:grpSpPr>
+      <p:sp>
+        <p:nvSpPr>
+          <p:cNvPr id="2" name="Slide Image Placeholder 1"/>
+          <p:cNvSpPr>
+            <a:spLocks noGrp="1" noRot="1" noChangeAspect="1"/>
+          </p:cNvSpPr>
+          <p:nvPr>
+            <p:ph type="sldImg"/>
+          </p:nvPr>
+        </p:nvSpPr>
+        <p:spPr/>
+      </p:sp>
+      <p:sp>
+        <p:nvSpPr>
+          <p:cNvPr id="3" name="Notes Placeholder 2"/>
+          <p:cNvSpPr>
+            <a:spLocks noGrp="1"/>
+          </p:cNvSpPr>
+          <p:nvPr>
+            <p:ph type="body" idx="1"/>
+          </p:nvPr>
+        </p:nvSpPr>
+        <p:spPr/>
+        <p:txBody>
+          <a:bodyPr/>
+          <a:lstStyle/>
+          <a:p>
+            <a:pPr algn="l"/>
+            <a:r>
+              <a:rPr lang="en-GB" b="0" i="0" dirty="0">
+                <a:solidFill>
+                  <a:srgbClr val="05192D"/>
+                </a:solidFill>
+                <a:effectLst/>
+                <a:latin typeface="Studio-Feixen-Sans"/>
+              </a:rPr>
+              <a:t>Alternatively you can add tables to the report using the </a:t>
+            </a:r>
+            <a:r>
+              <a:rPr lang="en-GB" b="0" i="0" dirty="0" err="1">
+                <a:solidFill>
+                  <a:srgbClr val="05192D"/>
+                </a:solidFill>
+                <a:effectLst/>
+                <a:latin typeface="Studio-Feixen-Sans"/>
+              </a:rPr>
+              <a:t>kable</a:t>
+            </a:r>
+            <a:r>
+              <a:rPr lang="en-GB" b="0" i="0" dirty="0">
+                <a:solidFill>
+                  <a:srgbClr val="05192D"/>
+                </a:solidFill>
+                <a:effectLst/>
+                <a:latin typeface="Studio-Feixen-Sans"/>
+              </a:rPr>
+              <a:t>() function from the </a:t>
+            </a:r>
+            <a:r>
+              <a:rPr lang="en-GB" b="0" i="0" dirty="0" err="1">
+                <a:solidFill>
+                  <a:srgbClr val="05192D"/>
+                </a:solidFill>
+                <a:effectLst/>
+                <a:latin typeface="Studio-Feixen-Sans"/>
+              </a:rPr>
+              <a:t>knitr</a:t>
+            </a:r>
+            <a:r>
+              <a:rPr lang="en-GB" b="0" i="0" dirty="0">
+                <a:solidFill>
+                  <a:srgbClr val="05192D"/>
+                </a:solidFill>
+                <a:effectLst/>
+                <a:latin typeface="Studio-Feixen-Sans"/>
+              </a:rPr>
+              <a:t> package.</a:t>
+            </a:r>
+          </a:p>
+          <a:p>
+            <a:pPr algn="l"/>
+            <a:r>
+              <a:rPr lang="en-GB" b="0" i="0" dirty="0">
+                <a:solidFill>
+                  <a:srgbClr val="05192D"/>
+                </a:solidFill>
+                <a:effectLst/>
+                <a:latin typeface="Studio-Feixen-Sans"/>
+              </a:rPr>
+              <a:t>The </a:t>
+            </a:r>
+            <a:r>
+              <a:rPr lang="en-GB" b="0" i="0" dirty="0" err="1">
+                <a:solidFill>
+                  <a:srgbClr val="05192D"/>
+                </a:solidFill>
+                <a:effectLst/>
+                <a:latin typeface="Studio-Feixen-Sans"/>
+              </a:rPr>
+              <a:t>knitr</a:t>
+            </a:r>
+            <a:r>
+              <a:rPr lang="en-GB" b="0" i="0" dirty="0">
+                <a:solidFill>
+                  <a:srgbClr val="05192D"/>
+                </a:solidFill>
+                <a:effectLst/>
+                <a:latin typeface="Studio-Feixen-Sans"/>
+              </a:rPr>
+              <a:t> package is what runs each code chunk and knits the document. There are a number of options to customize the table, but it isn't possible to format the data within the table to perform tasks like combining cells.</a:t>
+            </a:r>
+          </a:p>
+          <a:p>
+            <a:pPr algn="l"/>
+            <a:r>
+              <a:rPr lang="en-GB" b="0" i="0" dirty="0">
+                <a:solidFill>
+                  <a:srgbClr val="05192D"/>
+                </a:solidFill>
+                <a:effectLst/>
+                <a:latin typeface="Studio-Feixen-Sans"/>
+              </a:rPr>
+              <a:t>These data wrangling tasks should be done beforehand.</a:t>
+            </a:r>
+          </a:p>
+          <a:p>
+            <a:pPr algn="l"/>
+            <a:r>
+              <a:rPr lang="en-GB" b="0" i="0" dirty="0">
+                <a:solidFill>
+                  <a:srgbClr val="05192D"/>
+                </a:solidFill>
+                <a:effectLst/>
+                <a:latin typeface="Studio-Feixen-Sans"/>
+              </a:rPr>
+              <a:t>For example, we create here a summary table of the average scores in math and reading for female and male students, and then we render it as a table with </a:t>
+            </a:r>
+            <a:r>
+              <a:rPr lang="en-GB" b="0" i="0" dirty="0" err="1">
+                <a:solidFill>
+                  <a:srgbClr val="05192D"/>
+                </a:solidFill>
+                <a:effectLst/>
+                <a:latin typeface="Studio-Feixen-Sans"/>
+              </a:rPr>
+              <a:t>kable</a:t>
+            </a:r>
+            <a:r>
+              <a:rPr lang="en-GB" b="0" i="0" dirty="0">
+                <a:solidFill>
+                  <a:srgbClr val="05192D"/>
+                </a:solidFill>
+                <a:effectLst/>
+                <a:latin typeface="Studio-Feixen-Sans"/>
+              </a:rPr>
+              <a:t>.</a:t>
+            </a:r>
+          </a:p>
+          <a:p>
+            <a:pPr algn="l"/>
+            <a:r>
+              <a:rPr lang="en-GB" b="0" i="0" dirty="0">
+                <a:solidFill>
+                  <a:srgbClr val="05192D"/>
+                </a:solidFill>
+                <a:effectLst/>
+                <a:latin typeface="Studio-Feixen-Sans"/>
+              </a:rPr>
+              <a:t>Kable makes it easy to change column names and add captions.</a:t>
+            </a:r>
+          </a:p>
+          <a:p>
+            <a:pPr algn="l"/>
+            <a:endParaRPr lang="en-GB" b="0" i="0" dirty="0">
+              <a:solidFill>
+                <a:srgbClr val="05192D"/>
+              </a:solidFill>
+              <a:effectLst/>
+              <a:latin typeface="Studio-Feixen-Sans"/>
+            </a:endParaRPr>
+          </a:p>
+          <a:p>
+            <a:pPr algn="l"/>
+            <a:r>
+              <a:rPr lang="en-GB" b="0" i="0" dirty="0">
+                <a:solidFill>
+                  <a:srgbClr val="05192D"/>
+                </a:solidFill>
+                <a:effectLst/>
+                <a:latin typeface="Studio-Feixen-Sans"/>
+              </a:rPr>
+              <a:t>Don’t be </a:t>
+            </a:r>
+            <a:r>
+              <a:rPr lang="en-GB" b="0" i="0" dirty="0" err="1">
+                <a:solidFill>
+                  <a:srgbClr val="05192D"/>
+                </a:solidFill>
+                <a:effectLst/>
+                <a:latin typeface="Studio-Feixen-Sans"/>
+              </a:rPr>
+              <a:t>skeptical</a:t>
+            </a:r>
+            <a:r>
+              <a:rPr lang="en-GB" b="0" i="0" dirty="0">
+                <a:solidFill>
+                  <a:srgbClr val="05192D"/>
+                </a:solidFill>
+                <a:effectLst/>
+                <a:latin typeface="Studio-Feixen-Sans"/>
+              </a:rPr>
+              <a:t> about what you see in the preview, it will be rendered nicely when you knit.</a:t>
+            </a:r>
+          </a:p>
+          <a:p>
+            <a:pPr algn="l"/>
+            <a:endParaRPr lang="en-GB" b="0" i="0" dirty="0">
+              <a:solidFill>
+                <a:srgbClr val="05192D"/>
+              </a:solidFill>
+              <a:effectLst/>
+              <a:latin typeface="Studio-Feixen-Sans"/>
+            </a:endParaRPr>
+          </a:p>
+        </p:txBody>
+      </p:sp>
+      <p:sp>
+        <p:nvSpPr>
+          <p:cNvPr id="4" name="Slide Number Placeholder 3"/>
+          <p:cNvSpPr>
+            <a:spLocks noGrp="1"/>
+          </p:cNvSpPr>
+          <p:nvPr>
+            <p:ph type="sldNum" sz="quarter" idx="5"/>
+          </p:nvPr>
+        </p:nvSpPr>
+        <p:spPr/>
+        <p:txBody>
+          <a:bodyPr/>
+          <a:lstStyle/>
+          <a:p>
+            <a:fld id="{4B57A0F3-40D9-41F5-93D3-4BB64EC0659B}" type="slidenum">
+              <a:rPr lang="en-GB" smtClean="0"/>
+              <a:t>15</a:t>
+            </a:fld>
+            <a:endParaRPr lang="en-GB"/>
+          </a:p>
+        </p:txBody>
+      </p:sp>
+    </p:spTree>
+    <p:extLst>
+      <p:ext uri="{BB962C8B-B14F-4D97-AF65-F5344CB8AC3E}">
+        <p14:creationId xmlns:p14="http://schemas.microsoft.com/office/powerpoint/2010/main" val="718871641"/>
+      </p:ext>
+    </p:extLst>
+  </p:cSld>
+  <p:clrMapOvr>
+    <a:masterClrMapping/>
+  </p:clrMapOvr>
+</p:notes>
+</file>
+
+<file path=ppt/notesSlides/notesSlide16.xml><?xml version="1.0" encoding="utf-8"?>
+<p:notes xmlns:a="http://schemas.openxmlformats.org/drawingml/2006/main" xmlns:r="http://schemas.openxmlformats.org/officeDocument/2006/relationships" xmlns:p="http://schemas.openxmlformats.org/presentationml/2006/main">
+  <p:cSld>
+    <p:spTree>
+      <p:nvGrpSpPr>
+        <p:cNvPr id="1" name=""/>
+        <p:cNvGrpSpPr/>
+        <p:nvPr/>
+      </p:nvGrpSpPr>
+      <p:grpSpPr>
+        <a:xfrm>
+          <a:off x="0" y="0"/>
+          <a:ext cx="0" cy="0"/>
+          <a:chOff x="0" y="0"/>
+          <a:chExt cx="0" cy="0"/>
+        </a:xfrm>
+      </p:grpSpPr>
+      <p:sp>
+        <p:nvSpPr>
+          <p:cNvPr id="2" name="Slide Image Placeholder 1"/>
+          <p:cNvSpPr>
+            <a:spLocks noGrp="1" noRot="1" noChangeAspect="1"/>
+          </p:cNvSpPr>
+          <p:nvPr>
+            <p:ph type="sldImg"/>
+          </p:nvPr>
+        </p:nvSpPr>
+        <p:spPr/>
+      </p:sp>
+      <p:sp>
+        <p:nvSpPr>
+          <p:cNvPr id="3" name="Notes Placeholder 2"/>
+          <p:cNvSpPr>
+            <a:spLocks noGrp="1"/>
+          </p:cNvSpPr>
+          <p:nvPr>
+            <p:ph type="body" idx="1"/>
+          </p:nvPr>
+        </p:nvSpPr>
+        <p:spPr/>
+        <p:txBody>
+          <a:bodyPr/>
+          <a:lstStyle/>
+          <a:p>
+            <a:r>
+              <a:rPr lang="en-GB" dirty="0"/>
+              <a:t>As an academic, one of the most important feature for a report might the managing of references.</a:t>
+            </a:r>
+          </a:p>
+          <a:p>
+            <a:r>
+              <a:rPr lang="en-GB" dirty="0"/>
+              <a:t>If you want to add references to a </a:t>
+            </a:r>
+            <a:r>
+              <a:rPr lang="en-GB" dirty="0" err="1"/>
+              <a:t>rmarkdown</a:t>
+            </a:r>
+            <a:r>
+              <a:rPr lang="en-GB" dirty="0"/>
+              <a:t> document, the easiest way is to connect the document to a bib file containing your references, which can then be “called” in your document.</a:t>
+            </a:r>
+          </a:p>
+          <a:p>
+            <a:r>
+              <a:rPr lang="en-GB" dirty="0"/>
+              <a:t>You can easily produce bib files from almost any reference manager software, such as Mendeley and Zotero.</a:t>
+            </a:r>
+          </a:p>
+        </p:txBody>
+      </p:sp>
+      <p:sp>
+        <p:nvSpPr>
+          <p:cNvPr id="4" name="Slide Number Placeholder 3"/>
+          <p:cNvSpPr>
+            <a:spLocks noGrp="1"/>
+          </p:cNvSpPr>
+          <p:nvPr>
+            <p:ph type="sldNum" sz="quarter" idx="5"/>
+          </p:nvPr>
+        </p:nvSpPr>
+        <p:spPr/>
+        <p:txBody>
+          <a:bodyPr/>
+          <a:lstStyle/>
+          <a:p>
+            <a:fld id="{4B57A0F3-40D9-41F5-93D3-4BB64EC0659B}" type="slidenum">
+              <a:rPr lang="en-GB" smtClean="0"/>
+              <a:t>16</a:t>
+            </a:fld>
+            <a:endParaRPr lang="en-GB"/>
+          </a:p>
+        </p:txBody>
+      </p:sp>
+    </p:spTree>
+    <p:extLst>
+      <p:ext uri="{BB962C8B-B14F-4D97-AF65-F5344CB8AC3E}">
+        <p14:creationId xmlns:p14="http://schemas.microsoft.com/office/powerpoint/2010/main" val="1966791571"/>
+      </p:ext>
+    </p:extLst>
+  </p:cSld>
+  <p:clrMapOvr>
+    <a:masterClrMapping/>
+  </p:clrMapOvr>
+</p:notes>
+</file>
+
+<file path=ppt/notesSlides/notesSlide17.xml><?xml version="1.0" encoding="utf-8"?>
+<p:notes xmlns:a="http://schemas.openxmlformats.org/drawingml/2006/main" xmlns:r="http://schemas.openxmlformats.org/officeDocument/2006/relationships" xmlns:p="http://schemas.openxmlformats.org/presentationml/2006/main">
+  <p:cSld>
+    <p:spTree>
+      <p:nvGrpSpPr>
+        <p:cNvPr id="1" name=""/>
+        <p:cNvGrpSpPr/>
+        <p:nvPr/>
+      </p:nvGrpSpPr>
+      <p:grpSpPr>
+        <a:xfrm>
+          <a:off x="0" y="0"/>
+          <a:ext cx="0" cy="0"/>
+          <a:chOff x="0" y="0"/>
+          <a:chExt cx="0" cy="0"/>
+        </a:xfrm>
+      </p:grpSpPr>
+      <p:sp>
+        <p:nvSpPr>
+          <p:cNvPr id="2" name="Slide Image Placeholder 1"/>
+          <p:cNvSpPr>
+            <a:spLocks noGrp="1" noRot="1" noChangeAspect="1"/>
+          </p:cNvSpPr>
+          <p:nvPr>
+            <p:ph type="sldImg"/>
+          </p:nvPr>
+        </p:nvSpPr>
+        <p:spPr/>
+      </p:sp>
+      <p:sp>
+        <p:nvSpPr>
+          <p:cNvPr id="3" name="Notes Placeholder 2"/>
+          <p:cNvSpPr>
+            <a:spLocks noGrp="1"/>
+          </p:cNvSpPr>
+          <p:nvPr>
+            <p:ph type="body" idx="1"/>
+          </p:nvPr>
+        </p:nvSpPr>
+        <p:spPr/>
+        <p:txBody>
+          <a:bodyPr/>
+          <a:lstStyle/>
+          <a:p>
+            <a:r>
+              <a:rPr lang="en-GB" dirty="0"/>
+              <a:t>Once you have you “</a:t>
+            </a:r>
+            <a:r>
+              <a:rPr lang="en-GB" dirty="0" err="1"/>
+              <a:t>library.bib</a:t>
+            </a:r>
+            <a:r>
+              <a:rPr lang="en-GB" dirty="0"/>
+              <a:t>” file in the working directory,  you have to connect the bibliography to the </a:t>
+            </a:r>
+            <a:r>
+              <a:rPr lang="en-GB" dirty="0" err="1"/>
+              <a:t>rmarkdown</a:t>
+            </a:r>
+            <a:r>
+              <a:rPr lang="en-GB" dirty="0"/>
+              <a:t> by adding a line to the YAML.</a:t>
+            </a:r>
+          </a:p>
+          <a:p>
+            <a:r>
+              <a:rPr lang="en-GB" dirty="0"/>
+              <a:t>Notice that you can decide to have or not have links for the citations.</a:t>
+            </a:r>
+          </a:p>
+        </p:txBody>
+      </p:sp>
+      <p:sp>
+        <p:nvSpPr>
+          <p:cNvPr id="4" name="Slide Number Placeholder 3"/>
+          <p:cNvSpPr>
+            <a:spLocks noGrp="1"/>
+          </p:cNvSpPr>
+          <p:nvPr>
+            <p:ph type="sldNum" sz="quarter" idx="5"/>
+          </p:nvPr>
+        </p:nvSpPr>
+        <p:spPr/>
+        <p:txBody>
+          <a:bodyPr/>
+          <a:lstStyle/>
+          <a:p>
+            <a:fld id="{4B57A0F3-40D9-41F5-93D3-4BB64EC0659B}" type="slidenum">
+              <a:rPr lang="en-GB" smtClean="0"/>
+              <a:t>17</a:t>
+            </a:fld>
+            <a:endParaRPr lang="en-GB"/>
+          </a:p>
+        </p:txBody>
+      </p:sp>
+    </p:spTree>
+    <p:extLst>
+      <p:ext uri="{BB962C8B-B14F-4D97-AF65-F5344CB8AC3E}">
+        <p14:creationId xmlns:p14="http://schemas.microsoft.com/office/powerpoint/2010/main" val="3501534194"/>
+      </p:ext>
+    </p:extLst>
+  </p:cSld>
+  <p:clrMapOvr>
+    <a:masterClrMapping/>
+  </p:clrMapOvr>
+</p:notes>
+</file>
+
+<file path=ppt/notesSlides/notesSlide18.xml><?xml version="1.0" encoding="utf-8"?>
+<p:notes xmlns:a="http://schemas.openxmlformats.org/drawingml/2006/main" xmlns:r="http://schemas.openxmlformats.org/officeDocument/2006/relationships" xmlns:p="http://schemas.openxmlformats.org/presentationml/2006/main">
+  <p:cSld>
+    <p:spTree>
+      <p:nvGrpSpPr>
+        <p:cNvPr id="1" name=""/>
+        <p:cNvGrpSpPr/>
+        <p:nvPr/>
+      </p:nvGrpSpPr>
+      <p:grpSpPr>
+        <a:xfrm>
+          <a:off x="0" y="0"/>
+          <a:ext cx="0" cy="0"/>
+          <a:chOff x="0" y="0"/>
+          <a:chExt cx="0" cy="0"/>
+        </a:xfrm>
+      </p:grpSpPr>
+      <p:sp>
+        <p:nvSpPr>
+          <p:cNvPr id="2" name="Slide Image Placeholder 1"/>
+          <p:cNvSpPr>
+            <a:spLocks noGrp="1" noRot="1" noChangeAspect="1"/>
+          </p:cNvSpPr>
+          <p:nvPr>
+            <p:ph type="sldImg"/>
+          </p:nvPr>
+        </p:nvSpPr>
+        <p:spPr/>
+      </p:sp>
+      <p:sp>
+        <p:nvSpPr>
+          <p:cNvPr id="3" name="Notes Placeholder 2"/>
+          <p:cNvSpPr>
+            <a:spLocks noGrp="1"/>
+          </p:cNvSpPr>
+          <p:nvPr>
+            <p:ph type="body" idx="1"/>
+          </p:nvPr>
+        </p:nvSpPr>
+        <p:spPr/>
+        <p:txBody>
+          <a:bodyPr/>
+          <a:lstStyle/>
+          <a:p>
+            <a:r>
+              <a:rPr lang="en-GB" dirty="0"/>
+              <a:t>The knitting process with deal with the formatting, as well as with the creation of a lovely bibliography at the end.</a:t>
+            </a:r>
+          </a:p>
+          <a:p>
+            <a:r>
+              <a:rPr lang="en-GB" dirty="0"/>
+              <a:t>If you need a specific referencing system, there are ways to achieve it. They are not too complicated and there are plenty of instructions online.</a:t>
+            </a:r>
+          </a:p>
+          <a:p>
+            <a:r>
+              <a:rPr lang="en-GB" dirty="0"/>
+              <a:t>For this tutorial, we will stick to the basic one provided automatically by </a:t>
+            </a:r>
+            <a:r>
+              <a:rPr lang="en-GB" dirty="0" err="1"/>
+              <a:t>rmarkdown</a:t>
+            </a:r>
+            <a:r>
+              <a:rPr lang="en-GB" dirty="0"/>
+              <a:t>.</a:t>
+            </a:r>
+          </a:p>
+          <a:p>
+            <a:endParaRPr lang="en-GB" dirty="0"/>
+          </a:p>
+        </p:txBody>
+      </p:sp>
+      <p:sp>
+        <p:nvSpPr>
+          <p:cNvPr id="4" name="Slide Number Placeholder 3"/>
+          <p:cNvSpPr>
+            <a:spLocks noGrp="1"/>
+          </p:cNvSpPr>
+          <p:nvPr>
+            <p:ph type="sldNum" sz="quarter" idx="5"/>
+          </p:nvPr>
+        </p:nvSpPr>
+        <p:spPr/>
+        <p:txBody>
+          <a:bodyPr/>
+          <a:lstStyle/>
+          <a:p>
+            <a:fld id="{4B57A0F3-40D9-41F5-93D3-4BB64EC0659B}" type="slidenum">
+              <a:rPr lang="en-GB" smtClean="0"/>
+              <a:t>18</a:t>
+            </a:fld>
+            <a:endParaRPr lang="en-GB"/>
+          </a:p>
+        </p:txBody>
+      </p:sp>
+    </p:spTree>
+    <p:extLst>
+      <p:ext uri="{BB962C8B-B14F-4D97-AF65-F5344CB8AC3E}">
+        <p14:creationId xmlns:p14="http://schemas.microsoft.com/office/powerpoint/2010/main" val="2892800288"/>
+      </p:ext>
+    </p:extLst>
+  </p:cSld>
+  <p:clrMapOvr>
+    <a:masterClrMapping/>
+  </p:clrMapOvr>
+</p:notes>
+</file>
+
+<file path=ppt/notesSlides/notesSlide19.xml><?xml version="1.0" encoding="utf-8"?>
+<p:notes xmlns:a="http://schemas.openxmlformats.org/drawingml/2006/main" xmlns:r="http://schemas.openxmlformats.org/officeDocument/2006/relationships" xmlns:p="http://schemas.openxmlformats.org/presentationml/2006/main">
+  <p:cSld>
+    <p:spTree>
+      <p:nvGrpSpPr>
+        <p:cNvPr id="1" name=""/>
+        <p:cNvGrpSpPr/>
+        <p:nvPr/>
+      </p:nvGrpSpPr>
+      <p:grpSpPr>
+        <a:xfrm>
+          <a:off x="0" y="0"/>
+          <a:ext cx="0" cy="0"/>
+          <a:chOff x="0" y="0"/>
+          <a:chExt cx="0" cy="0"/>
+        </a:xfrm>
+      </p:grpSpPr>
+      <p:sp>
+        <p:nvSpPr>
+          <p:cNvPr id="2" name="Slide Image Placeholder 1"/>
+          <p:cNvSpPr>
+            <a:spLocks noGrp="1" noRot="1" noChangeAspect="1"/>
+          </p:cNvSpPr>
+          <p:nvPr>
+            <p:ph type="sldImg"/>
+          </p:nvPr>
+        </p:nvSpPr>
+        <p:spPr/>
+      </p:sp>
+      <p:sp>
+        <p:nvSpPr>
+          <p:cNvPr id="3" name="Notes Placeholder 2"/>
+          <p:cNvSpPr>
+            <a:spLocks noGrp="1"/>
+          </p:cNvSpPr>
+          <p:nvPr>
+            <p:ph type="body" idx="1"/>
+          </p:nvPr>
+        </p:nvSpPr>
+        <p:spPr/>
+        <p:txBody>
+          <a:bodyPr/>
+          <a:lstStyle/>
+          <a:p>
+            <a:r>
+              <a:rPr lang="en-GB" dirty="0"/>
+              <a:t>To add references to the text is really easy, just add the reference ID preceded by the sign @ </a:t>
+            </a:r>
+          </a:p>
+          <a:p>
+            <a:r>
+              <a:rPr lang="en-GB" dirty="0"/>
+              <a:t>You can find the IDs in the bib file.</a:t>
+            </a:r>
+          </a:p>
+          <a:p>
+            <a:endParaRPr lang="en-GB" dirty="0"/>
+          </a:p>
+        </p:txBody>
+      </p:sp>
+      <p:sp>
+        <p:nvSpPr>
+          <p:cNvPr id="4" name="Slide Number Placeholder 3"/>
+          <p:cNvSpPr>
+            <a:spLocks noGrp="1"/>
+          </p:cNvSpPr>
+          <p:nvPr>
+            <p:ph type="sldNum" sz="quarter" idx="5"/>
+          </p:nvPr>
+        </p:nvSpPr>
+        <p:spPr/>
+        <p:txBody>
+          <a:bodyPr/>
+          <a:lstStyle/>
+          <a:p>
+            <a:fld id="{4B57A0F3-40D9-41F5-93D3-4BB64EC0659B}" type="slidenum">
+              <a:rPr lang="en-GB" smtClean="0"/>
+              <a:t>19</a:t>
+            </a:fld>
+            <a:endParaRPr lang="en-GB"/>
+          </a:p>
+        </p:txBody>
+      </p:sp>
+    </p:spTree>
+    <p:extLst>
+      <p:ext uri="{BB962C8B-B14F-4D97-AF65-F5344CB8AC3E}">
+        <p14:creationId xmlns:p14="http://schemas.microsoft.com/office/powerpoint/2010/main" val="1894314735"/>
       </p:ext>
     </p:extLst>
   </p:cSld>
@@ -6446,7 +7305,7 @@
           <p:cNvPr id="2" name="Title 1">
             <a:extLst>
               <a:ext uri="{FF2B5EF4-FFF2-40B4-BE49-F238E27FC236}">
-                <a16:creationId xmlns:a16="http://schemas.microsoft.com/office/drawing/2014/main" id="{4C183C55-155A-4BEB-AE54-96A6F56B1372}"/>
+                <a16:creationId xmlns:a16="http://schemas.microsoft.com/office/drawing/2014/main" id="{F908565A-9FF5-4EE7-80C0-121E2650374C}"/>
               </a:ext>
             </a:extLst>
           </p:cNvPr>
@@ -6472,10 +7331,1213 @@
       </p:sp>
       <p:sp>
         <p:nvSpPr>
+          <p:cNvPr id="10" name="Title 1">
+            <a:extLst>
+              <a:ext uri="{FF2B5EF4-FFF2-40B4-BE49-F238E27FC236}">
+                <a16:creationId xmlns:a16="http://schemas.microsoft.com/office/drawing/2014/main" id="{F6A75FE8-5D6D-4665-8495-298C9B71F35B}"/>
+              </a:ext>
+            </a:extLst>
+          </p:cNvPr>
+          <p:cNvSpPr txBox="1">
+            <a:spLocks/>
+          </p:cNvSpPr>
+          <p:nvPr/>
+        </p:nvSpPr>
+        <p:spPr>
+          <a:xfrm>
+            <a:off x="838200" y="1690690"/>
+            <a:ext cx="10515600" cy="376440"/>
+          </a:xfrm>
+          <a:prstGeom prst="rect">
+            <a:avLst/>
+          </a:prstGeom>
+        </p:spPr>
+        <p:txBody>
+          <a:bodyPr vert="horz" lIns="91440" tIns="45720" rIns="91440" bIns="45720" rtlCol="0" anchor="ctr">
+            <a:normAutofit fontScale="70000" lnSpcReduction="20000"/>
+          </a:bodyPr>
+          <a:lstStyle>
+            <a:lvl1pPr algn="l" defTabSz="914400" rtl="0" eaLnBrk="1" latinLnBrk="0" hangingPunct="1">
+              <a:lnSpc>
+                <a:spcPct val="90000"/>
+              </a:lnSpc>
+              <a:spcBef>
+                <a:spcPct val="0"/>
+              </a:spcBef>
+              <a:buNone/>
+              <a:defRPr sz="3600" kern="1200">
+                <a:solidFill>
+                  <a:schemeClr val="tx2"/>
+                </a:solidFill>
+                <a:latin typeface="+mj-lt"/>
+                <a:ea typeface="+mj-ea"/>
+                <a:cs typeface="+mj-cs"/>
+              </a:defRPr>
+            </a:lvl1pPr>
+          </a:lstStyle>
+          <a:p>
+            <a:r>
+              <a:rPr lang="en-GB" dirty="0"/>
+              <a:t>Manual tables</a:t>
+            </a:r>
+          </a:p>
+        </p:txBody>
+      </p:sp>
+      <p:pic>
+        <p:nvPicPr>
+          <p:cNvPr id="7" name="Picture 6">
+            <a:extLst>
+              <a:ext uri="{FF2B5EF4-FFF2-40B4-BE49-F238E27FC236}">
+                <a16:creationId xmlns:a16="http://schemas.microsoft.com/office/drawing/2014/main" id="{FEDE369E-CC1C-41A5-9578-082A77D73D7D}"/>
+              </a:ext>
+            </a:extLst>
+          </p:cNvPr>
+          <p:cNvPicPr>
+            <a:picLocks noChangeAspect="1"/>
+          </p:cNvPicPr>
+          <p:nvPr/>
+        </p:nvPicPr>
+        <p:blipFill>
+          <a:blip r:embed="rId3"/>
+          <a:stretch>
+            <a:fillRect/>
+          </a:stretch>
+        </p:blipFill>
+        <p:spPr>
+          <a:xfrm>
+            <a:off x="838194" y="2067130"/>
+            <a:ext cx="9509704" cy="2052000"/>
+          </a:xfrm>
+          <a:prstGeom prst="rect">
+            <a:avLst/>
+          </a:prstGeom>
+        </p:spPr>
+      </p:pic>
+      <p:sp>
+        <p:nvSpPr>
+          <p:cNvPr id="11" name="Rectangle 10">
+            <a:extLst>
+              <a:ext uri="{FF2B5EF4-FFF2-40B4-BE49-F238E27FC236}">
+                <a16:creationId xmlns:a16="http://schemas.microsoft.com/office/drawing/2014/main" id="{EAE18AFE-4BE0-4176-B5DB-82DB6A724055}"/>
+              </a:ext>
+            </a:extLst>
+          </p:cNvPr>
+          <p:cNvSpPr/>
+          <p:nvPr/>
+        </p:nvSpPr>
+        <p:spPr>
+          <a:xfrm>
+            <a:off x="553452" y="2386872"/>
+            <a:ext cx="3585411" cy="445169"/>
+          </a:xfrm>
+          <a:prstGeom prst="rect">
+            <a:avLst/>
+          </a:prstGeom>
+          <a:noFill/>
+          <a:ln w="28575">
+            <a:solidFill>
+              <a:srgbClr val="00B050"/>
+            </a:solidFill>
+          </a:ln>
+        </p:spPr>
+        <p:style>
+          <a:lnRef idx="2">
+            <a:schemeClr val="accent1">
+              <a:shade val="50000"/>
+            </a:schemeClr>
+          </a:lnRef>
+          <a:fillRef idx="1">
+            <a:schemeClr val="accent1"/>
+          </a:fillRef>
+          <a:effectRef idx="0">
+            <a:schemeClr val="accent1"/>
+          </a:effectRef>
+          <a:fontRef idx="minor">
+            <a:schemeClr val="lt1"/>
+          </a:fontRef>
+        </p:style>
+        <p:txBody>
+          <a:bodyPr rtlCol="0" anchor="ctr"/>
+          <a:lstStyle/>
+          <a:p>
+            <a:pPr algn="ctr"/>
+            <a:endParaRPr lang="en-GB"/>
+          </a:p>
+        </p:txBody>
+      </p:sp>
+      <p:pic>
+        <p:nvPicPr>
+          <p:cNvPr id="18" name="Picture 17">
+            <a:extLst>
+              <a:ext uri="{FF2B5EF4-FFF2-40B4-BE49-F238E27FC236}">
+                <a16:creationId xmlns:a16="http://schemas.microsoft.com/office/drawing/2014/main" id="{F569187F-FB00-46D5-82D5-7622CBD44DB6}"/>
+              </a:ext>
+            </a:extLst>
+          </p:cNvPr>
+          <p:cNvPicPr>
+            <a:picLocks noChangeAspect="1"/>
+          </p:cNvPicPr>
+          <p:nvPr/>
+        </p:nvPicPr>
+        <p:blipFill rotWithShape="1">
+          <a:blip r:embed="rId3"/>
+          <a:srcRect t="18247" r="68177" b="60189"/>
+          <a:stretch/>
+        </p:blipFill>
+        <p:spPr>
+          <a:xfrm>
+            <a:off x="1232858" y="4495570"/>
+            <a:ext cx="5416735" cy="792000"/>
+          </a:xfrm>
+          <a:prstGeom prst="rect">
+            <a:avLst/>
+          </a:prstGeom>
+        </p:spPr>
+      </p:pic>
+      <p:sp>
+        <p:nvSpPr>
+          <p:cNvPr id="15" name="Right Brace 14">
+            <a:extLst>
+              <a:ext uri="{FF2B5EF4-FFF2-40B4-BE49-F238E27FC236}">
+                <a16:creationId xmlns:a16="http://schemas.microsoft.com/office/drawing/2014/main" id="{93D0E35B-F0FA-482E-8E34-04CBD57ACBEA}"/>
+              </a:ext>
+            </a:extLst>
+          </p:cNvPr>
+          <p:cNvSpPr/>
+          <p:nvPr/>
+        </p:nvSpPr>
+        <p:spPr>
+          <a:xfrm rot="5400000">
+            <a:off x="1141579" y="5559255"/>
+            <a:ext cx="392068" cy="209510"/>
+          </a:xfrm>
+          <a:prstGeom prst="rightBrace">
+            <a:avLst/>
+          </a:prstGeom>
+          <a:ln w="28575">
+            <a:solidFill>
+              <a:srgbClr val="00B050"/>
+            </a:solidFill>
+          </a:ln>
+        </p:spPr>
+        <p:style>
+          <a:lnRef idx="1">
+            <a:schemeClr val="accent1"/>
+          </a:lnRef>
+          <a:fillRef idx="0">
+            <a:schemeClr val="accent1"/>
+          </a:fillRef>
+          <a:effectRef idx="0">
+            <a:schemeClr val="accent1"/>
+          </a:effectRef>
+          <a:fontRef idx="minor">
+            <a:schemeClr val="tx1"/>
+          </a:fontRef>
+        </p:style>
+        <p:txBody>
+          <a:bodyPr rtlCol="0" anchor="ctr"/>
+          <a:lstStyle/>
+          <a:p>
+            <a:pPr algn="ctr"/>
+            <a:endParaRPr lang="en-GB"/>
+          </a:p>
+        </p:txBody>
+      </p:sp>
+      <p:sp>
+        <p:nvSpPr>
+          <p:cNvPr id="20" name="Right Brace 19">
+            <a:extLst>
+              <a:ext uri="{FF2B5EF4-FFF2-40B4-BE49-F238E27FC236}">
+                <a16:creationId xmlns:a16="http://schemas.microsoft.com/office/drawing/2014/main" id="{7B0C7B8F-D19D-4A7B-80C2-9AF54AFEAF01}"/>
+              </a:ext>
+            </a:extLst>
+          </p:cNvPr>
+          <p:cNvSpPr/>
+          <p:nvPr/>
+        </p:nvSpPr>
+        <p:spPr>
+          <a:xfrm rot="5400000">
+            <a:off x="3745191" y="4732376"/>
+            <a:ext cx="392068" cy="1863268"/>
+          </a:xfrm>
+          <a:prstGeom prst="rightBrace">
+            <a:avLst/>
+          </a:prstGeom>
+          <a:ln w="28575">
+            <a:solidFill>
+              <a:srgbClr val="00B050"/>
+            </a:solidFill>
+          </a:ln>
+        </p:spPr>
+        <p:style>
+          <a:lnRef idx="1">
+            <a:schemeClr val="accent1"/>
+          </a:lnRef>
+          <a:fillRef idx="0">
+            <a:schemeClr val="accent1"/>
+          </a:fillRef>
+          <a:effectRef idx="0">
+            <a:schemeClr val="accent1"/>
+          </a:effectRef>
+          <a:fontRef idx="minor">
+            <a:schemeClr val="tx1"/>
+          </a:fontRef>
+        </p:style>
+        <p:txBody>
+          <a:bodyPr rtlCol="0" anchor="ctr"/>
+          <a:lstStyle/>
+          <a:p>
+            <a:pPr algn="ctr"/>
+            <a:endParaRPr lang="en-GB"/>
+          </a:p>
+        </p:txBody>
+      </p:sp>
+      <p:sp>
+        <p:nvSpPr>
+          <p:cNvPr id="21" name="TextBox 20">
+            <a:extLst>
+              <a:ext uri="{FF2B5EF4-FFF2-40B4-BE49-F238E27FC236}">
+                <a16:creationId xmlns:a16="http://schemas.microsoft.com/office/drawing/2014/main" id="{BE1368FD-2B8B-4925-BC65-649BE87CFE73}"/>
+              </a:ext>
+            </a:extLst>
+          </p:cNvPr>
+          <p:cNvSpPr txBox="1"/>
+          <p:nvPr/>
+        </p:nvSpPr>
+        <p:spPr>
+          <a:xfrm>
+            <a:off x="801143" y="5940735"/>
+            <a:ext cx="1222248" cy="646331"/>
+          </a:xfrm>
+          <a:prstGeom prst="rect">
+            <a:avLst/>
+          </a:prstGeom>
+          <a:noFill/>
+        </p:spPr>
+        <p:txBody>
+          <a:bodyPr wrap="square" rtlCol="0">
+            <a:spAutoFit/>
+          </a:bodyPr>
+          <a:lstStyle/>
+          <a:p>
+            <a:r>
+              <a:rPr lang="en-GB" dirty="0"/>
+              <a:t>Alignment</a:t>
+            </a:r>
+          </a:p>
+          <a:p>
+            <a:r>
+              <a:rPr lang="en-GB" dirty="0"/>
+              <a:t>(left)</a:t>
+            </a:r>
+          </a:p>
+        </p:txBody>
+      </p:sp>
+      <p:sp>
+        <p:nvSpPr>
+          <p:cNvPr id="22" name="TextBox 21">
+            <a:extLst>
+              <a:ext uri="{FF2B5EF4-FFF2-40B4-BE49-F238E27FC236}">
+                <a16:creationId xmlns:a16="http://schemas.microsoft.com/office/drawing/2014/main" id="{2438B824-B215-479D-A77E-2FCC61B4F22A}"/>
+              </a:ext>
+            </a:extLst>
+          </p:cNvPr>
+          <p:cNvSpPr txBox="1"/>
+          <p:nvPr/>
+        </p:nvSpPr>
+        <p:spPr>
+          <a:xfrm>
+            <a:off x="3585411" y="6016387"/>
+            <a:ext cx="1528010" cy="369332"/>
+          </a:xfrm>
+          <a:prstGeom prst="rect">
+            <a:avLst/>
+          </a:prstGeom>
+          <a:noFill/>
+        </p:spPr>
+        <p:txBody>
+          <a:bodyPr wrap="square" rtlCol="0">
+            <a:spAutoFit/>
+          </a:bodyPr>
+          <a:lstStyle/>
+          <a:p>
+            <a:r>
+              <a:rPr lang="en-GB" dirty="0"/>
+              <a:t>width</a:t>
+            </a:r>
+          </a:p>
+        </p:txBody>
+      </p:sp>
+    </p:spTree>
+    <p:extLst>
+      <p:ext uri="{BB962C8B-B14F-4D97-AF65-F5344CB8AC3E}">
+        <p14:creationId xmlns:p14="http://schemas.microsoft.com/office/powerpoint/2010/main" val="4086470020"/>
+      </p:ext>
+    </p:extLst>
+  </p:cSld>
+  <p:clrMapOvr>
+    <a:masterClrMapping/>
+  </p:clrMapOvr>
+  <p:timing>
+    <p:tnLst>
+      <p:par>
+        <p:cTn id="1" dur="indefinite" restart="never" nodeType="tmRoot">
+          <p:childTnLst>
+            <p:seq concurrent="1" nextAc="seek">
+              <p:cTn id="2" dur="indefinite" nodeType="mainSeq">
+                <p:childTnLst>
+                  <p:par>
+                    <p:cTn id="3" fill="hold">
+                      <p:stCondLst>
+                        <p:cond delay="indefinite"/>
+                      </p:stCondLst>
+                      <p:childTnLst>
+                        <p:par>
+                          <p:cTn id="4" fill="hold">
+                            <p:stCondLst>
+                              <p:cond delay="0"/>
+                            </p:stCondLst>
+                            <p:childTnLst>
+                              <p:par>
+                                <p:cTn id="5" presetID="1" presetClass="entr" presetSubtype="0" fill="hold" grpId="0" nodeType="clickEffect">
+                                  <p:stCondLst>
+                                    <p:cond delay="0"/>
+                                  </p:stCondLst>
+                                  <p:childTnLst>
+                                    <p:set>
+                                      <p:cBhvr>
+                                        <p:cTn id="6" dur="1" fill="hold">
+                                          <p:stCondLst>
+                                            <p:cond delay="0"/>
+                                          </p:stCondLst>
+                                        </p:cTn>
+                                        <p:tgtEl>
+                                          <p:spTgt spid="10"/>
+                                        </p:tgtEl>
+                                        <p:attrNameLst>
+                                          <p:attrName>style.visibility</p:attrName>
+                                        </p:attrNameLst>
+                                      </p:cBhvr>
+                                      <p:to>
+                                        <p:strVal val="visible"/>
+                                      </p:to>
+                                    </p:set>
+                                  </p:childTnLst>
+                                </p:cTn>
+                              </p:par>
+                            </p:childTnLst>
+                          </p:cTn>
+                        </p:par>
+                      </p:childTnLst>
+                    </p:cTn>
+                  </p:par>
+                  <p:par>
+                    <p:cTn id="7" fill="hold">
+                      <p:stCondLst>
+                        <p:cond delay="indefinite"/>
+                      </p:stCondLst>
+                      <p:childTnLst>
+                        <p:par>
+                          <p:cTn id="8" fill="hold">
+                            <p:stCondLst>
+                              <p:cond delay="0"/>
+                            </p:stCondLst>
+                            <p:childTnLst>
+                              <p:par>
+                                <p:cTn id="9" presetID="1" presetClass="entr" presetSubtype="0" fill="hold" nodeType="clickEffect">
+                                  <p:stCondLst>
+                                    <p:cond delay="0"/>
+                                  </p:stCondLst>
+                                  <p:childTnLst>
+                                    <p:set>
+                                      <p:cBhvr>
+                                        <p:cTn id="10" dur="1" fill="hold">
+                                          <p:stCondLst>
+                                            <p:cond delay="0"/>
+                                          </p:stCondLst>
+                                        </p:cTn>
+                                        <p:tgtEl>
+                                          <p:spTgt spid="7"/>
+                                        </p:tgtEl>
+                                        <p:attrNameLst>
+                                          <p:attrName>style.visibility</p:attrName>
+                                        </p:attrNameLst>
+                                      </p:cBhvr>
+                                      <p:to>
+                                        <p:strVal val="visible"/>
+                                      </p:to>
+                                    </p:set>
+                                  </p:childTnLst>
+                                </p:cTn>
+                              </p:par>
+                            </p:childTnLst>
+                          </p:cTn>
+                        </p:par>
+                      </p:childTnLst>
+                    </p:cTn>
+                  </p:par>
+                  <p:par>
+                    <p:cTn id="11" fill="hold">
+                      <p:stCondLst>
+                        <p:cond delay="indefinite"/>
+                      </p:stCondLst>
+                      <p:childTnLst>
+                        <p:par>
+                          <p:cTn id="12" fill="hold">
+                            <p:stCondLst>
+                              <p:cond delay="0"/>
+                            </p:stCondLst>
+                            <p:childTnLst>
+                              <p:par>
+                                <p:cTn id="13" presetID="1" presetClass="entr" presetSubtype="0" fill="hold" grpId="0" nodeType="clickEffect">
+                                  <p:stCondLst>
+                                    <p:cond delay="0"/>
+                                  </p:stCondLst>
+                                  <p:childTnLst>
+                                    <p:set>
+                                      <p:cBhvr>
+                                        <p:cTn id="14" dur="1" fill="hold">
+                                          <p:stCondLst>
+                                            <p:cond delay="0"/>
+                                          </p:stCondLst>
+                                        </p:cTn>
+                                        <p:tgtEl>
+                                          <p:spTgt spid="11"/>
+                                        </p:tgtEl>
+                                        <p:attrNameLst>
+                                          <p:attrName>style.visibility</p:attrName>
+                                        </p:attrNameLst>
+                                      </p:cBhvr>
+                                      <p:to>
+                                        <p:strVal val="visible"/>
+                                      </p:to>
+                                    </p:set>
+                                  </p:childTnLst>
+                                </p:cTn>
+                              </p:par>
+                            </p:childTnLst>
+                          </p:cTn>
+                        </p:par>
+                      </p:childTnLst>
+                    </p:cTn>
+                  </p:par>
+                  <p:par>
+                    <p:cTn id="15" fill="hold">
+                      <p:stCondLst>
+                        <p:cond delay="indefinite"/>
+                      </p:stCondLst>
+                      <p:childTnLst>
+                        <p:par>
+                          <p:cTn id="16" fill="hold">
+                            <p:stCondLst>
+                              <p:cond delay="0"/>
+                            </p:stCondLst>
+                            <p:childTnLst>
+                              <p:par>
+                                <p:cTn id="17" presetID="1" presetClass="entr" presetSubtype="0" fill="hold" nodeType="clickEffect">
+                                  <p:stCondLst>
+                                    <p:cond delay="0"/>
+                                  </p:stCondLst>
+                                  <p:childTnLst>
+                                    <p:set>
+                                      <p:cBhvr>
+                                        <p:cTn id="18" dur="1" fill="hold">
+                                          <p:stCondLst>
+                                            <p:cond delay="0"/>
+                                          </p:stCondLst>
+                                        </p:cTn>
+                                        <p:tgtEl>
+                                          <p:spTgt spid="18"/>
+                                        </p:tgtEl>
+                                        <p:attrNameLst>
+                                          <p:attrName>style.visibility</p:attrName>
+                                        </p:attrNameLst>
+                                      </p:cBhvr>
+                                      <p:to>
+                                        <p:strVal val="visible"/>
+                                      </p:to>
+                                    </p:set>
+                                  </p:childTnLst>
+                                </p:cTn>
+                              </p:par>
+                            </p:childTnLst>
+                          </p:cTn>
+                        </p:par>
+                      </p:childTnLst>
+                    </p:cTn>
+                  </p:par>
+                  <p:par>
+                    <p:cTn id="19" fill="hold">
+                      <p:stCondLst>
+                        <p:cond delay="indefinite"/>
+                      </p:stCondLst>
+                      <p:childTnLst>
+                        <p:par>
+                          <p:cTn id="20" fill="hold">
+                            <p:stCondLst>
+                              <p:cond delay="0"/>
+                            </p:stCondLst>
+                            <p:childTnLst>
+                              <p:par>
+                                <p:cTn id="21" presetID="1" presetClass="entr" presetSubtype="0" fill="hold" grpId="0" nodeType="clickEffect">
+                                  <p:stCondLst>
+                                    <p:cond delay="0"/>
+                                  </p:stCondLst>
+                                  <p:childTnLst>
+                                    <p:set>
+                                      <p:cBhvr>
+                                        <p:cTn id="22" dur="1" fill="hold">
+                                          <p:stCondLst>
+                                            <p:cond delay="0"/>
+                                          </p:stCondLst>
+                                        </p:cTn>
+                                        <p:tgtEl>
+                                          <p:spTgt spid="15"/>
+                                        </p:tgtEl>
+                                        <p:attrNameLst>
+                                          <p:attrName>style.visibility</p:attrName>
+                                        </p:attrNameLst>
+                                      </p:cBhvr>
+                                      <p:to>
+                                        <p:strVal val="visible"/>
+                                      </p:to>
+                                    </p:set>
+                                  </p:childTnLst>
+                                </p:cTn>
+                              </p:par>
+                              <p:par>
+                                <p:cTn id="23" presetID="1" presetClass="entr" presetSubtype="0" fill="hold" grpId="0" nodeType="withEffect">
+                                  <p:stCondLst>
+                                    <p:cond delay="0"/>
+                                  </p:stCondLst>
+                                  <p:childTnLst>
+                                    <p:set>
+                                      <p:cBhvr>
+                                        <p:cTn id="24" dur="1" fill="hold">
+                                          <p:stCondLst>
+                                            <p:cond delay="0"/>
+                                          </p:stCondLst>
+                                        </p:cTn>
+                                        <p:tgtEl>
+                                          <p:spTgt spid="20"/>
+                                        </p:tgtEl>
+                                        <p:attrNameLst>
+                                          <p:attrName>style.visibility</p:attrName>
+                                        </p:attrNameLst>
+                                      </p:cBhvr>
+                                      <p:to>
+                                        <p:strVal val="visible"/>
+                                      </p:to>
+                                    </p:set>
+                                  </p:childTnLst>
+                                </p:cTn>
+                              </p:par>
+                              <p:par>
+                                <p:cTn id="25" presetID="1" presetClass="entr" presetSubtype="0" fill="hold" grpId="0" nodeType="withEffect">
+                                  <p:stCondLst>
+                                    <p:cond delay="0"/>
+                                  </p:stCondLst>
+                                  <p:childTnLst>
+                                    <p:set>
+                                      <p:cBhvr>
+                                        <p:cTn id="26" dur="1" fill="hold">
+                                          <p:stCondLst>
+                                            <p:cond delay="0"/>
+                                          </p:stCondLst>
+                                        </p:cTn>
+                                        <p:tgtEl>
+                                          <p:spTgt spid="21"/>
+                                        </p:tgtEl>
+                                        <p:attrNameLst>
+                                          <p:attrName>style.visibility</p:attrName>
+                                        </p:attrNameLst>
+                                      </p:cBhvr>
+                                      <p:to>
+                                        <p:strVal val="visible"/>
+                                      </p:to>
+                                    </p:set>
+                                  </p:childTnLst>
+                                </p:cTn>
+                              </p:par>
+                              <p:par>
+                                <p:cTn id="27" presetID="1" presetClass="entr" presetSubtype="0" fill="hold" grpId="0" nodeType="withEffect">
+                                  <p:stCondLst>
+                                    <p:cond delay="0"/>
+                                  </p:stCondLst>
+                                  <p:childTnLst>
+                                    <p:set>
+                                      <p:cBhvr>
+                                        <p:cTn id="28" dur="1" fill="hold">
+                                          <p:stCondLst>
+                                            <p:cond delay="0"/>
+                                          </p:stCondLst>
+                                        </p:cTn>
+                                        <p:tgtEl>
+                                          <p:spTgt spid="22"/>
+                                        </p:tgtEl>
+                                        <p:attrNameLst>
+                                          <p:attrName>style.visibility</p:attrName>
+                                        </p:attrNameLst>
+                                      </p:cBhvr>
+                                      <p:to>
+                                        <p:strVal val="visible"/>
+                                      </p:to>
+                                    </p:set>
+                                  </p:childTnLst>
+                                </p:cTn>
+                              </p:par>
+                            </p:childTnLst>
+                          </p:cTn>
+                        </p:par>
+                      </p:childTnLst>
+                    </p:cTn>
+                  </p:par>
+                </p:childTnLst>
+              </p:cTn>
+              <p:prevCondLst>
+                <p:cond evt="onPrev" delay="0">
+                  <p:tgtEl>
+                    <p:sldTgt/>
+                  </p:tgtEl>
+                </p:cond>
+              </p:prevCondLst>
+              <p:nextCondLst>
+                <p:cond evt="onNext" delay="0">
+                  <p:tgtEl>
+                    <p:sldTgt/>
+                  </p:tgtEl>
+                </p:cond>
+              </p:nextCondLst>
+            </p:seq>
+          </p:childTnLst>
+        </p:cTn>
+      </p:par>
+    </p:tnLst>
+    <p:bldLst>
+      <p:bldP spid="10" grpId="0"/>
+      <p:bldP spid="11" grpId="0" animBg="1"/>
+      <p:bldP spid="15" grpId="0" animBg="1"/>
+      <p:bldP spid="20" grpId="0" animBg="1"/>
+      <p:bldP spid="21" grpId="0"/>
+      <p:bldP spid="22" grpId="0"/>
+    </p:bldLst>
+  </p:timing>
+</p:sld>
+</file>
+
+<file path=ppt/slides/slide15.xml><?xml version="1.0" encoding="utf-8"?>
+<p:sld xmlns:a="http://schemas.openxmlformats.org/drawingml/2006/main" xmlns:r="http://schemas.openxmlformats.org/officeDocument/2006/relationships" xmlns:p="http://schemas.openxmlformats.org/presentationml/2006/main">
+  <p:cSld>
+    <p:spTree>
+      <p:nvGrpSpPr>
+        <p:cNvPr id="1" name=""/>
+        <p:cNvGrpSpPr/>
+        <p:nvPr/>
+      </p:nvGrpSpPr>
+      <p:grpSpPr>
+        <a:xfrm>
+          <a:off x="0" y="0"/>
+          <a:ext cx="0" cy="0"/>
+          <a:chOff x="0" y="0"/>
+          <a:chExt cx="0" cy="0"/>
+        </a:xfrm>
+      </p:grpSpPr>
+      <p:sp>
+        <p:nvSpPr>
+          <p:cNvPr id="2" name="Title 1">
+            <a:extLst>
+              <a:ext uri="{FF2B5EF4-FFF2-40B4-BE49-F238E27FC236}">
+                <a16:creationId xmlns:a16="http://schemas.microsoft.com/office/drawing/2014/main" id="{F908565A-9FF5-4EE7-80C0-121E2650374C}"/>
+              </a:ext>
+            </a:extLst>
+          </p:cNvPr>
+          <p:cNvSpPr>
+            <a:spLocks noGrp="1"/>
+          </p:cNvSpPr>
+          <p:nvPr>
+            <p:ph type="title"/>
+          </p:nvPr>
+        </p:nvSpPr>
+        <p:spPr/>
+        <p:txBody>
+          <a:bodyPr/>
+          <a:lstStyle/>
+          <a:p>
+            <a:r>
+              <a:rPr lang="de-DE" dirty="0"/>
+              <a:t>Tables in R Markdown</a:t>
+            </a:r>
+            <a:endParaRPr lang="en-GB" dirty="0"/>
+          </a:p>
+        </p:txBody>
+      </p:sp>
+      <p:sp>
+        <p:nvSpPr>
+          <p:cNvPr id="12" name="Title 1">
+            <a:extLst>
+              <a:ext uri="{FF2B5EF4-FFF2-40B4-BE49-F238E27FC236}">
+                <a16:creationId xmlns:a16="http://schemas.microsoft.com/office/drawing/2014/main" id="{C764F501-EE06-452C-B49F-C7829CDEBB44}"/>
+              </a:ext>
+            </a:extLst>
+          </p:cNvPr>
+          <p:cNvSpPr txBox="1">
+            <a:spLocks/>
+          </p:cNvSpPr>
+          <p:nvPr/>
+        </p:nvSpPr>
+        <p:spPr>
+          <a:xfrm>
+            <a:off x="838200" y="1486982"/>
+            <a:ext cx="10515600" cy="376440"/>
+          </a:xfrm>
+          <a:prstGeom prst="rect">
+            <a:avLst/>
+          </a:prstGeom>
+        </p:spPr>
+        <p:txBody>
+          <a:bodyPr vert="horz" lIns="91440" tIns="45720" rIns="91440" bIns="45720" rtlCol="0" anchor="ctr">
+            <a:normAutofit fontScale="70000" lnSpcReduction="20000"/>
+          </a:bodyPr>
+          <a:lstStyle>
+            <a:lvl1pPr algn="l" defTabSz="914400" rtl="0" eaLnBrk="1" latinLnBrk="0" hangingPunct="1">
+              <a:lnSpc>
+                <a:spcPct val="90000"/>
+              </a:lnSpc>
+              <a:spcBef>
+                <a:spcPct val="0"/>
+              </a:spcBef>
+              <a:buNone/>
+              <a:defRPr sz="3600" kern="1200">
+                <a:solidFill>
+                  <a:schemeClr val="tx2"/>
+                </a:solidFill>
+                <a:latin typeface="+mj-lt"/>
+                <a:ea typeface="+mj-ea"/>
+                <a:cs typeface="+mj-cs"/>
+              </a:defRPr>
+            </a:lvl1pPr>
+          </a:lstStyle>
+          <a:p>
+            <a:r>
+              <a:rPr lang="en-GB" dirty="0"/>
+              <a:t>Kable function</a:t>
+            </a:r>
+          </a:p>
+        </p:txBody>
+      </p:sp>
+      <p:pic>
+        <p:nvPicPr>
+          <p:cNvPr id="9" name="Picture 8">
+            <a:extLst>
+              <a:ext uri="{FF2B5EF4-FFF2-40B4-BE49-F238E27FC236}">
+                <a16:creationId xmlns:a16="http://schemas.microsoft.com/office/drawing/2014/main" id="{0F90E314-E382-45FC-BBC7-6CA783E905B7}"/>
+              </a:ext>
+            </a:extLst>
+          </p:cNvPr>
+          <p:cNvPicPr>
+            <a:picLocks noChangeAspect="1"/>
+          </p:cNvPicPr>
+          <p:nvPr/>
+        </p:nvPicPr>
+        <p:blipFill>
+          <a:blip r:embed="rId3"/>
+          <a:stretch>
+            <a:fillRect/>
+          </a:stretch>
+        </p:blipFill>
+        <p:spPr>
+          <a:xfrm>
+            <a:off x="838200" y="1852526"/>
+            <a:ext cx="10182577" cy="2808000"/>
+          </a:xfrm>
+          <a:prstGeom prst="rect">
+            <a:avLst/>
+          </a:prstGeom>
+        </p:spPr>
+      </p:pic>
+      <p:sp>
+        <p:nvSpPr>
+          <p:cNvPr id="3" name="Rectangle 2">
+            <a:extLst>
+              <a:ext uri="{FF2B5EF4-FFF2-40B4-BE49-F238E27FC236}">
+                <a16:creationId xmlns:a16="http://schemas.microsoft.com/office/drawing/2014/main" id="{D9297924-66B4-4F7D-990F-43AD20370EF3}"/>
+              </a:ext>
+            </a:extLst>
+          </p:cNvPr>
+          <p:cNvSpPr/>
+          <p:nvPr/>
+        </p:nvSpPr>
+        <p:spPr>
+          <a:xfrm>
+            <a:off x="938463" y="3645568"/>
+            <a:ext cx="4199021" cy="1564106"/>
+          </a:xfrm>
+          <a:prstGeom prst="rect">
+            <a:avLst/>
+          </a:prstGeom>
+          <a:noFill/>
+          <a:ln w="28575">
+            <a:solidFill>
+              <a:srgbClr val="00B050"/>
+            </a:solidFill>
+          </a:ln>
+        </p:spPr>
+        <p:style>
+          <a:lnRef idx="2">
+            <a:schemeClr val="accent1">
+              <a:shade val="50000"/>
+            </a:schemeClr>
+          </a:lnRef>
+          <a:fillRef idx="1">
+            <a:schemeClr val="accent1"/>
+          </a:fillRef>
+          <a:effectRef idx="0">
+            <a:schemeClr val="accent1"/>
+          </a:effectRef>
+          <a:fontRef idx="minor">
+            <a:schemeClr val="lt1"/>
+          </a:fontRef>
+        </p:style>
+        <p:txBody>
+          <a:bodyPr rtlCol="0" anchor="ctr"/>
+          <a:lstStyle/>
+          <a:p>
+            <a:pPr algn="ctr"/>
+            <a:endParaRPr lang="en-GB"/>
+          </a:p>
+        </p:txBody>
+      </p:sp>
+      <p:sp>
+        <p:nvSpPr>
+          <p:cNvPr id="8" name="Rectangle 7">
+            <a:extLst>
+              <a:ext uri="{FF2B5EF4-FFF2-40B4-BE49-F238E27FC236}">
+                <a16:creationId xmlns:a16="http://schemas.microsoft.com/office/drawing/2014/main" id="{B832B60B-822B-4E24-9912-9B18F56DACBD}"/>
+              </a:ext>
+            </a:extLst>
+          </p:cNvPr>
+          <p:cNvSpPr/>
+          <p:nvPr/>
+        </p:nvSpPr>
+        <p:spPr>
+          <a:xfrm>
+            <a:off x="6988267" y="1632005"/>
+            <a:ext cx="4199021" cy="4179247"/>
+          </a:xfrm>
+          <a:prstGeom prst="rect">
+            <a:avLst/>
+          </a:prstGeom>
+          <a:noFill/>
+          <a:ln w="28575">
+            <a:solidFill>
+              <a:srgbClr val="00B050"/>
+            </a:solidFill>
+          </a:ln>
+        </p:spPr>
+        <p:style>
+          <a:lnRef idx="2">
+            <a:schemeClr val="accent1">
+              <a:shade val="50000"/>
+            </a:schemeClr>
+          </a:lnRef>
+          <a:fillRef idx="1">
+            <a:schemeClr val="accent1"/>
+          </a:fillRef>
+          <a:effectRef idx="0">
+            <a:schemeClr val="accent1"/>
+          </a:effectRef>
+          <a:fontRef idx="minor">
+            <a:schemeClr val="lt1"/>
+          </a:fontRef>
+        </p:style>
+        <p:txBody>
+          <a:bodyPr rtlCol="0" anchor="ctr"/>
+          <a:lstStyle/>
+          <a:p>
+            <a:pPr algn="ctr"/>
+            <a:endParaRPr lang="en-GB"/>
+          </a:p>
+        </p:txBody>
+      </p:sp>
+    </p:spTree>
+    <p:extLst>
+      <p:ext uri="{BB962C8B-B14F-4D97-AF65-F5344CB8AC3E}">
+        <p14:creationId xmlns:p14="http://schemas.microsoft.com/office/powerpoint/2010/main" val="3477914683"/>
+      </p:ext>
+    </p:extLst>
+  </p:cSld>
+  <p:clrMapOvr>
+    <a:masterClrMapping/>
+  </p:clrMapOvr>
+  <p:timing>
+    <p:tnLst>
+      <p:par>
+        <p:cTn id="1" dur="indefinite" restart="never" nodeType="tmRoot">
+          <p:childTnLst>
+            <p:seq concurrent="1" nextAc="seek">
+              <p:cTn id="2" dur="indefinite" nodeType="mainSeq">
+                <p:childTnLst>
+                  <p:par>
+                    <p:cTn id="3" fill="hold">
+                      <p:stCondLst>
+                        <p:cond delay="indefinite"/>
+                      </p:stCondLst>
+                      <p:childTnLst>
+                        <p:par>
+                          <p:cTn id="4" fill="hold">
+                            <p:stCondLst>
+                              <p:cond delay="0"/>
+                            </p:stCondLst>
+                            <p:childTnLst>
+                              <p:par>
+                                <p:cTn id="5" presetID="1" presetClass="entr" presetSubtype="0" fill="hold" grpId="0" nodeType="clickEffect">
+                                  <p:stCondLst>
+                                    <p:cond delay="0"/>
+                                  </p:stCondLst>
+                                  <p:childTnLst>
+                                    <p:set>
+                                      <p:cBhvr>
+                                        <p:cTn id="6" dur="1" fill="hold">
+                                          <p:stCondLst>
+                                            <p:cond delay="0"/>
+                                          </p:stCondLst>
+                                        </p:cTn>
+                                        <p:tgtEl>
+                                          <p:spTgt spid="12"/>
+                                        </p:tgtEl>
+                                        <p:attrNameLst>
+                                          <p:attrName>style.visibility</p:attrName>
+                                        </p:attrNameLst>
+                                      </p:cBhvr>
+                                      <p:to>
+                                        <p:strVal val="visible"/>
+                                      </p:to>
+                                    </p:set>
+                                  </p:childTnLst>
+                                </p:cTn>
+                              </p:par>
+                            </p:childTnLst>
+                          </p:cTn>
+                        </p:par>
+                      </p:childTnLst>
+                    </p:cTn>
+                  </p:par>
+                  <p:par>
+                    <p:cTn id="7" fill="hold">
+                      <p:stCondLst>
+                        <p:cond delay="indefinite"/>
+                      </p:stCondLst>
+                      <p:childTnLst>
+                        <p:par>
+                          <p:cTn id="8" fill="hold">
+                            <p:stCondLst>
+                              <p:cond delay="0"/>
+                            </p:stCondLst>
+                            <p:childTnLst>
+                              <p:par>
+                                <p:cTn id="9" presetID="1" presetClass="entr" presetSubtype="0" fill="hold" nodeType="clickEffect">
+                                  <p:stCondLst>
+                                    <p:cond delay="0"/>
+                                  </p:stCondLst>
+                                  <p:childTnLst>
+                                    <p:set>
+                                      <p:cBhvr>
+                                        <p:cTn id="10" dur="1" fill="hold">
+                                          <p:stCondLst>
+                                            <p:cond delay="0"/>
+                                          </p:stCondLst>
+                                        </p:cTn>
+                                        <p:tgtEl>
+                                          <p:spTgt spid="9"/>
+                                        </p:tgtEl>
+                                        <p:attrNameLst>
+                                          <p:attrName>style.visibility</p:attrName>
+                                        </p:attrNameLst>
+                                      </p:cBhvr>
+                                      <p:to>
+                                        <p:strVal val="visible"/>
+                                      </p:to>
+                                    </p:set>
+                                  </p:childTnLst>
+                                </p:cTn>
+                              </p:par>
+                            </p:childTnLst>
+                          </p:cTn>
+                        </p:par>
+                      </p:childTnLst>
+                    </p:cTn>
+                  </p:par>
+                  <p:par>
+                    <p:cTn id="11" fill="hold">
+                      <p:stCondLst>
+                        <p:cond delay="indefinite"/>
+                      </p:stCondLst>
+                      <p:childTnLst>
+                        <p:par>
+                          <p:cTn id="12" fill="hold">
+                            <p:stCondLst>
+                              <p:cond delay="0"/>
+                            </p:stCondLst>
+                            <p:childTnLst>
+                              <p:par>
+                                <p:cTn id="13" presetID="1" presetClass="entr" presetSubtype="0" fill="hold" grpId="0" nodeType="clickEffect">
+                                  <p:stCondLst>
+                                    <p:cond delay="0"/>
+                                  </p:stCondLst>
+                                  <p:childTnLst>
+                                    <p:set>
+                                      <p:cBhvr>
+                                        <p:cTn id="14" dur="1" fill="hold">
+                                          <p:stCondLst>
+                                            <p:cond delay="0"/>
+                                          </p:stCondLst>
+                                        </p:cTn>
+                                        <p:tgtEl>
+                                          <p:spTgt spid="3"/>
+                                        </p:tgtEl>
+                                        <p:attrNameLst>
+                                          <p:attrName>style.visibility</p:attrName>
+                                        </p:attrNameLst>
+                                      </p:cBhvr>
+                                      <p:to>
+                                        <p:strVal val="visible"/>
+                                      </p:to>
+                                    </p:set>
+                                  </p:childTnLst>
+                                </p:cTn>
+                              </p:par>
+                            </p:childTnLst>
+                          </p:cTn>
+                        </p:par>
+                      </p:childTnLst>
+                    </p:cTn>
+                  </p:par>
+                  <p:par>
+                    <p:cTn id="15" fill="hold">
+                      <p:stCondLst>
+                        <p:cond delay="indefinite"/>
+                      </p:stCondLst>
+                      <p:childTnLst>
+                        <p:par>
+                          <p:cTn id="16" fill="hold">
+                            <p:stCondLst>
+                              <p:cond delay="0"/>
+                            </p:stCondLst>
+                            <p:childTnLst>
+                              <p:par>
+                                <p:cTn id="17" presetID="1" presetClass="entr" presetSubtype="0" fill="hold" grpId="0" nodeType="clickEffect">
+                                  <p:stCondLst>
+                                    <p:cond delay="0"/>
+                                  </p:stCondLst>
+                                  <p:childTnLst>
+                                    <p:set>
+                                      <p:cBhvr>
+                                        <p:cTn id="18" dur="1" fill="hold">
+                                          <p:stCondLst>
+                                            <p:cond delay="0"/>
+                                          </p:stCondLst>
+                                        </p:cTn>
+                                        <p:tgtEl>
+                                          <p:spTgt spid="8"/>
+                                        </p:tgtEl>
+                                        <p:attrNameLst>
+                                          <p:attrName>style.visibility</p:attrName>
+                                        </p:attrNameLst>
+                                      </p:cBhvr>
+                                      <p:to>
+                                        <p:strVal val="visible"/>
+                                      </p:to>
+                                    </p:set>
+                                  </p:childTnLst>
+                                </p:cTn>
+                              </p:par>
+                            </p:childTnLst>
+                          </p:cTn>
+                        </p:par>
+                      </p:childTnLst>
+                    </p:cTn>
+                  </p:par>
+                </p:childTnLst>
+              </p:cTn>
+              <p:prevCondLst>
+                <p:cond evt="onPrev" delay="0">
+                  <p:tgtEl>
+                    <p:sldTgt/>
+                  </p:tgtEl>
+                </p:cond>
+              </p:prevCondLst>
+              <p:nextCondLst>
+                <p:cond evt="onNext" delay="0">
+                  <p:tgtEl>
+                    <p:sldTgt/>
+                  </p:tgtEl>
+                </p:cond>
+              </p:nextCondLst>
+            </p:seq>
+          </p:childTnLst>
+        </p:cTn>
+      </p:par>
+    </p:tnLst>
+    <p:bldLst>
+      <p:bldP spid="12" grpId="0"/>
+      <p:bldP spid="3" grpId="0" animBg="1"/>
+      <p:bldP spid="8" grpId="0" animBg="1"/>
+    </p:bldLst>
+  </p:timing>
+</p:sld>
+</file>
+
+<file path=ppt/slides/slide16.xml><?xml version="1.0" encoding="utf-8"?>
+<p:sld xmlns:a="http://schemas.openxmlformats.org/drawingml/2006/main" xmlns:r="http://schemas.openxmlformats.org/officeDocument/2006/relationships" xmlns:p="http://schemas.openxmlformats.org/presentationml/2006/main">
+  <p:cSld>
+    <p:spTree>
+      <p:nvGrpSpPr>
+        <p:cNvPr id="1" name=""/>
+        <p:cNvGrpSpPr/>
+        <p:nvPr/>
+      </p:nvGrpSpPr>
+      <p:grpSpPr>
+        <a:xfrm>
+          <a:off x="0" y="0"/>
+          <a:ext cx="0" cy="0"/>
+          <a:chOff x="0" y="0"/>
+          <a:chExt cx="0" cy="0"/>
+        </a:xfrm>
+      </p:grpSpPr>
+      <p:sp>
+        <p:nvSpPr>
+          <p:cNvPr id="2" name="Title 1">
+            <a:extLst>
+              <a:ext uri="{FF2B5EF4-FFF2-40B4-BE49-F238E27FC236}">
+                <a16:creationId xmlns:a16="http://schemas.microsoft.com/office/drawing/2014/main" id="{A45104A0-6519-44CB-A616-1FD0857AA054}"/>
+              </a:ext>
+            </a:extLst>
+          </p:cNvPr>
+          <p:cNvSpPr>
+            <a:spLocks noGrp="1"/>
+          </p:cNvSpPr>
+          <p:nvPr>
+            <p:ph type="title"/>
+          </p:nvPr>
+        </p:nvSpPr>
+        <p:spPr/>
+        <p:txBody>
+          <a:bodyPr/>
+          <a:lstStyle/>
+          <a:p>
+            <a:r>
+              <a:rPr lang="en-GB" dirty="0"/>
+              <a:t>Adding and using references</a:t>
+            </a:r>
+          </a:p>
+        </p:txBody>
+      </p:sp>
+      <p:sp>
+        <p:nvSpPr>
           <p:cNvPr id="3" name="Content Placeholder 2">
             <a:extLst>
               <a:ext uri="{FF2B5EF4-FFF2-40B4-BE49-F238E27FC236}">
-                <a16:creationId xmlns:a16="http://schemas.microsoft.com/office/drawing/2014/main" id="{C57D3E0F-5258-4BC3-9254-10E080907524}"/>
+                <a16:creationId xmlns:a16="http://schemas.microsoft.com/office/drawing/2014/main" id="{3C5F5B91-3CD3-4DAD-A6C5-49F548C30406}"/>
               </a:ext>
             </a:extLst>
           </p:cNvPr>
@@ -6491,14 +8553,942 @@
           <a:bodyPr/>
           <a:lstStyle/>
           <a:p>
-            <a:endParaRPr lang="en-GB" dirty="0"/>
-          </a:p>
-        </p:txBody>
-      </p:sp>
+            <a:r>
+              <a:rPr lang="en-GB" dirty="0"/>
+              <a:t>BIB file for reference</a:t>
+            </a:r>
+          </a:p>
+        </p:txBody>
+      </p:sp>
+      <p:pic>
+        <p:nvPicPr>
+          <p:cNvPr id="5" name="Picture 4">
+            <a:extLst>
+              <a:ext uri="{FF2B5EF4-FFF2-40B4-BE49-F238E27FC236}">
+                <a16:creationId xmlns:a16="http://schemas.microsoft.com/office/drawing/2014/main" id="{B6069086-9850-4571-A198-29320A3407A4}"/>
+              </a:ext>
+            </a:extLst>
+          </p:cNvPr>
+          <p:cNvPicPr>
+            <a:picLocks noChangeAspect="1"/>
+          </p:cNvPicPr>
+          <p:nvPr/>
+        </p:nvPicPr>
+        <p:blipFill>
+          <a:blip r:embed="rId3"/>
+          <a:stretch>
+            <a:fillRect/>
+          </a:stretch>
+        </p:blipFill>
+        <p:spPr>
+          <a:xfrm>
+            <a:off x="1023920" y="2446302"/>
+            <a:ext cx="3863675" cy="4046571"/>
+          </a:xfrm>
+          <a:prstGeom prst="rect">
+            <a:avLst/>
+          </a:prstGeom>
+        </p:spPr>
+      </p:pic>
+      <p:pic>
+        <p:nvPicPr>
+          <p:cNvPr id="7" name="Picture 6">
+            <a:extLst>
+              <a:ext uri="{FF2B5EF4-FFF2-40B4-BE49-F238E27FC236}">
+                <a16:creationId xmlns:a16="http://schemas.microsoft.com/office/drawing/2014/main" id="{7389A4E7-B2AD-4132-887E-72AF834AD1DD}"/>
+              </a:ext>
+            </a:extLst>
+          </p:cNvPr>
+          <p:cNvPicPr>
+            <a:picLocks noChangeAspect="1"/>
+          </p:cNvPicPr>
+          <p:nvPr/>
+        </p:nvPicPr>
+        <p:blipFill>
+          <a:blip r:embed="rId4"/>
+          <a:stretch>
+            <a:fillRect/>
+          </a:stretch>
+        </p:blipFill>
+        <p:spPr>
+          <a:xfrm>
+            <a:off x="5907506" y="1878086"/>
+            <a:ext cx="4063462" cy="4614787"/>
+          </a:xfrm>
+          <a:prstGeom prst="rect">
+            <a:avLst/>
+          </a:prstGeom>
+        </p:spPr>
+      </p:pic>
     </p:spTree>
     <p:extLst>
       <p:ext uri="{BB962C8B-B14F-4D97-AF65-F5344CB8AC3E}">
-        <p14:creationId xmlns:p14="http://schemas.microsoft.com/office/powerpoint/2010/main" val="885069439"/>
+        <p14:creationId xmlns:p14="http://schemas.microsoft.com/office/powerpoint/2010/main" val="1860725977"/>
+      </p:ext>
+    </p:extLst>
+  </p:cSld>
+  <p:clrMapOvr>
+    <a:masterClrMapping/>
+  </p:clrMapOvr>
+  <p:timing>
+    <p:tnLst>
+      <p:par>
+        <p:cTn id="1" dur="indefinite" restart="never" nodeType="tmRoot">
+          <p:childTnLst>
+            <p:seq concurrent="1" nextAc="seek">
+              <p:cTn id="2" dur="indefinite" nodeType="mainSeq">
+                <p:childTnLst>
+                  <p:par>
+                    <p:cTn id="3" fill="hold">
+                      <p:stCondLst>
+                        <p:cond delay="indefinite"/>
+                      </p:stCondLst>
+                      <p:childTnLst>
+                        <p:par>
+                          <p:cTn id="4" fill="hold">
+                            <p:stCondLst>
+                              <p:cond delay="0"/>
+                            </p:stCondLst>
+                            <p:childTnLst>
+                              <p:par>
+                                <p:cTn id="5" presetID="1" presetClass="entr" presetSubtype="0" fill="hold" grpId="0" nodeType="clickEffect">
+                                  <p:stCondLst>
+                                    <p:cond delay="0"/>
+                                  </p:stCondLst>
+                                  <p:childTnLst>
+                                    <p:set>
+                                      <p:cBhvr>
+                                        <p:cTn id="6" dur="1" fill="hold">
+                                          <p:stCondLst>
+                                            <p:cond delay="0"/>
+                                          </p:stCondLst>
+                                        </p:cTn>
+                                        <p:tgtEl>
+                                          <p:spTgt spid="3">
+                                            <p:txEl>
+                                              <p:pRg st="0" end="0"/>
+                                            </p:txEl>
+                                          </p:spTgt>
+                                        </p:tgtEl>
+                                        <p:attrNameLst>
+                                          <p:attrName>style.visibility</p:attrName>
+                                        </p:attrNameLst>
+                                      </p:cBhvr>
+                                      <p:to>
+                                        <p:strVal val="visible"/>
+                                      </p:to>
+                                    </p:set>
+                                  </p:childTnLst>
+                                </p:cTn>
+                              </p:par>
+                            </p:childTnLst>
+                          </p:cTn>
+                        </p:par>
+                      </p:childTnLst>
+                    </p:cTn>
+                  </p:par>
+                  <p:par>
+                    <p:cTn id="7" fill="hold">
+                      <p:stCondLst>
+                        <p:cond delay="indefinite"/>
+                      </p:stCondLst>
+                      <p:childTnLst>
+                        <p:par>
+                          <p:cTn id="8" fill="hold">
+                            <p:stCondLst>
+                              <p:cond delay="0"/>
+                            </p:stCondLst>
+                            <p:childTnLst>
+                              <p:par>
+                                <p:cTn id="9" presetID="1" presetClass="entr" presetSubtype="0" fill="hold" nodeType="clickEffect">
+                                  <p:stCondLst>
+                                    <p:cond delay="0"/>
+                                  </p:stCondLst>
+                                  <p:childTnLst>
+                                    <p:set>
+                                      <p:cBhvr>
+                                        <p:cTn id="10" dur="1" fill="hold">
+                                          <p:stCondLst>
+                                            <p:cond delay="0"/>
+                                          </p:stCondLst>
+                                        </p:cTn>
+                                        <p:tgtEl>
+                                          <p:spTgt spid="5"/>
+                                        </p:tgtEl>
+                                        <p:attrNameLst>
+                                          <p:attrName>style.visibility</p:attrName>
+                                        </p:attrNameLst>
+                                      </p:cBhvr>
+                                      <p:to>
+                                        <p:strVal val="visible"/>
+                                      </p:to>
+                                    </p:set>
+                                  </p:childTnLst>
+                                </p:cTn>
+                              </p:par>
+                            </p:childTnLst>
+                          </p:cTn>
+                        </p:par>
+                      </p:childTnLst>
+                    </p:cTn>
+                  </p:par>
+                  <p:par>
+                    <p:cTn id="11" fill="hold">
+                      <p:stCondLst>
+                        <p:cond delay="indefinite"/>
+                      </p:stCondLst>
+                      <p:childTnLst>
+                        <p:par>
+                          <p:cTn id="12" fill="hold">
+                            <p:stCondLst>
+                              <p:cond delay="0"/>
+                            </p:stCondLst>
+                            <p:childTnLst>
+                              <p:par>
+                                <p:cTn id="13" presetID="1" presetClass="entr" presetSubtype="0" fill="hold" nodeType="clickEffect">
+                                  <p:stCondLst>
+                                    <p:cond delay="0"/>
+                                  </p:stCondLst>
+                                  <p:childTnLst>
+                                    <p:set>
+                                      <p:cBhvr>
+                                        <p:cTn id="14" dur="1" fill="hold">
+                                          <p:stCondLst>
+                                            <p:cond delay="0"/>
+                                          </p:stCondLst>
+                                        </p:cTn>
+                                        <p:tgtEl>
+                                          <p:spTgt spid="7"/>
+                                        </p:tgtEl>
+                                        <p:attrNameLst>
+                                          <p:attrName>style.visibility</p:attrName>
+                                        </p:attrNameLst>
+                                      </p:cBhvr>
+                                      <p:to>
+                                        <p:strVal val="visible"/>
+                                      </p:to>
+                                    </p:set>
+                                  </p:childTnLst>
+                                </p:cTn>
+                              </p:par>
+                            </p:childTnLst>
+                          </p:cTn>
+                        </p:par>
+                      </p:childTnLst>
+                    </p:cTn>
+                  </p:par>
+                </p:childTnLst>
+              </p:cTn>
+              <p:prevCondLst>
+                <p:cond evt="onPrev" delay="0">
+                  <p:tgtEl>
+                    <p:sldTgt/>
+                  </p:tgtEl>
+                </p:cond>
+              </p:prevCondLst>
+              <p:nextCondLst>
+                <p:cond evt="onNext" delay="0">
+                  <p:tgtEl>
+                    <p:sldTgt/>
+                  </p:tgtEl>
+                </p:cond>
+              </p:nextCondLst>
+            </p:seq>
+          </p:childTnLst>
+        </p:cTn>
+      </p:par>
+    </p:tnLst>
+    <p:bldLst>
+      <p:bldP spid="3" grpId="0" build="p"/>
+    </p:bldLst>
+  </p:timing>
+</p:sld>
+</file>
+
+<file path=ppt/slides/slide17.xml><?xml version="1.0" encoding="utf-8"?>
+<p:sld xmlns:a="http://schemas.openxmlformats.org/drawingml/2006/main" xmlns:r="http://schemas.openxmlformats.org/officeDocument/2006/relationships" xmlns:p="http://schemas.openxmlformats.org/presentationml/2006/main">
+  <p:cSld>
+    <p:spTree>
+      <p:nvGrpSpPr>
+        <p:cNvPr id="1" name=""/>
+        <p:cNvGrpSpPr/>
+        <p:nvPr/>
+      </p:nvGrpSpPr>
+      <p:grpSpPr>
+        <a:xfrm>
+          <a:off x="0" y="0"/>
+          <a:ext cx="0" cy="0"/>
+          <a:chOff x="0" y="0"/>
+          <a:chExt cx="0" cy="0"/>
+        </a:xfrm>
+      </p:grpSpPr>
+      <p:sp>
+        <p:nvSpPr>
+          <p:cNvPr id="2" name="Title 1">
+            <a:extLst>
+              <a:ext uri="{FF2B5EF4-FFF2-40B4-BE49-F238E27FC236}">
+                <a16:creationId xmlns:a16="http://schemas.microsoft.com/office/drawing/2014/main" id="{A45104A0-6519-44CB-A616-1FD0857AA054}"/>
+              </a:ext>
+            </a:extLst>
+          </p:cNvPr>
+          <p:cNvSpPr>
+            <a:spLocks noGrp="1"/>
+          </p:cNvSpPr>
+          <p:nvPr>
+            <p:ph type="title"/>
+          </p:nvPr>
+        </p:nvSpPr>
+        <p:spPr>
+          <a:xfrm>
+            <a:off x="838200" y="365127"/>
+            <a:ext cx="10515600" cy="717715"/>
+          </a:xfrm>
+        </p:spPr>
+        <p:txBody>
+          <a:bodyPr/>
+          <a:lstStyle/>
+          <a:p>
+            <a:r>
+              <a:rPr lang="en-GB" dirty="0"/>
+              <a:t>Adding and using references</a:t>
+            </a:r>
+          </a:p>
+        </p:txBody>
+      </p:sp>
+      <p:pic>
+        <p:nvPicPr>
+          <p:cNvPr id="6" name="Picture 5">
+            <a:extLst>
+              <a:ext uri="{FF2B5EF4-FFF2-40B4-BE49-F238E27FC236}">
+                <a16:creationId xmlns:a16="http://schemas.microsoft.com/office/drawing/2014/main" id="{D265F5F5-B31B-40F5-A259-13857A44458A}"/>
+              </a:ext>
+            </a:extLst>
+          </p:cNvPr>
+          <p:cNvPicPr>
+            <a:picLocks noChangeAspect="1"/>
+          </p:cNvPicPr>
+          <p:nvPr/>
+        </p:nvPicPr>
+        <p:blipFill rotWithShape="1">
+          <a:blip r:embed="rId3"/>
+          <a:srcRect l="1505" t="7017" r="67071" b="56610"/>
+          <a:stretch/>
+        </p:blipFill>
+        <p:spPr>
+          <a:xfrm>
+            <a:off x="838200" y="1630430"/>
+            <a:ext cx="4572000" cy="3597140"/>
+          </a:xfrm>
+          <a:prstGeom prst="rect">
+            <a:avLst/>
+          </a:prstGeom>
+        </p:spPr>
+      </p:pic>
+      <p:sp>
+        <p:nvSpPr>
+          <p:cNvPr id="3" name="Rectangle 2">
+            <a:extLst>
+              <a:ext uri="{FF2B5EF4-FFF2-40B4-BE49-F238E27FC236}">
+                <a16:creationId xmlns:a16="http://schemas.microsoft.com/office/drawing/2014/main" id="{84BC2F27-ED2E-410F-B870-B20A347F80A4}"/>
+              </a:ext>
+            </a:extLst>
+          </p:cNvPr>
+          <p:cNvSpPr/>
+          <p:nvPr/>
+        </p:nvSpPr>
+        <p:spPr>
+          <a:xfrm>
+            <a:off x="1263315" y="4439653"/>
+            <a:ext cx="5739063" cy="457200"/>
+          </a:xfrm>
+          <a:prstGeom prst="rect">
+            <a:avLst/>
+          </a:prstGeom>
+          <a:noFill/>
+          <a:ln w="38100">
+            <a:solidFill>
+              <a:srgbClr val="00B050"/>
+            </a:solidFill>
+          </a:ln>
+        </p:spPr>
+        <p:style>
+          <a:lnRef idx="2">
+            <a:schemeClr val="accent1">
+              <a:shade val="50000"/>
+            </a:schemeClr>
+          </a:lnRef>
+          <a:fillRef idx="1">
+            <a:schemeClr val="accent1"/>
+          </a:fillRef>
+          <a:effectRef idx="0">
+            <a:schemeClr val="accent1"/>
+          </a:effectRef>
+          <a:fontRef idx="minor">
+            <a:schemeClr val="lt1"/>
+          </a:fontRef>
+        </p:style>
+        <p:txBody>
+          <a:bodyPr rtlCol="0" anchor="ctr"/>
+          <a:lstStyle/>
+          <a:p>
+            <a:pPr algn="ctr"/>
+            <a:endParaRPr lang="en-GB"/>
+          </a:p>
+        </p:txBody>
+      </p:sp>
+    </p:spTree>
+    <p:extLst>
+      <p:ext uri="{BB962C8B-B14F-4D97-AF65-F5344CB8AC3E}">
+        <p14:creationId xmlns:p14="http://schemas.microsoft.com/office/powerpoint/2010/main" val="118982303"/>
+      </p:ext>
+    </p:extLst>
+  </p:cSld>
+  <p:clrMapOvr>
+    <a:masterClrMapping/>
+  </p:clrMapOvr>
+  <p:timing>
+    <p:tnLst>
+      <p:par>
+        <p:cTn id="1" dur="indefinite" restart="never" nodeType="tmRoot">
+          <p:childTnLst>
+            <p:seq concurrent="1" nextAc="seek">
+              <p:cTn id="2" dur="indefinite" nodeType="mainSeq">
+                <p:childTnLst>
+                  <p:par>
+                    <p:cTn id="3" fill="hold">
+                      <p:stCondLst>
+                        <p:cond delay="indefinite"/>
+                      </p:stCondLst>
+                      <p:childTnLst>
+                        <p:par>
+                          <p:cTn id="4" fill="hold">
+                            <p:stCondLst>
+                              <p:cond delay="0"/>
+                            </p:stCondLst>
+                            <p:childTnLst>
+                              <p:par>
+                                <p:cTn id="5" presetID="1" presetClass="entr" presetSubtype="0" fill="hold" nodeType="clickEffect">
+                                  <p:stCondLst>
+                                    <p:cond delay="0"/>
+                                  </p:stCondLst>
+                                  <p:childTnLst>
+                                    <p:set>
+                                      <p:cBhvr>
+                                        <p:cTn id="6" dur="1" fill="hold">
+                                          <p:stCondLst>
+                                            <p:cond delay="0"/>
+                                          </p:stCondLst>
+                                        </p:cTn>
+                                        <p:tgtEl>
+                                          <p:spTgt spid="6"/>
+                                        </p:tgtEl>
+                                        <p:attrNameLst>
+                                          <p:attrName>style.visibility</p:attrName>
+                                        </p:attrNameLst>
+                                      </p:cBhvr>
+                                      <p:to>
+                                        <p:strVal val="visible"/>
+                                      </p:to>
+                                    </p:set>
+                                  </p:childTnLst>
+                                </p:cTn>
+                              </p:par>
+                            </p:childTnLst>
+                          </p:cTn>
+                        </p:par>
+                      </p:childTnLst>
+                    </p:cTn>
+                  </p:par>
+                </p:childTnLst>
+              </p:cTn>
+              <p:prevCondLst>
+                <p:cond evt="onPrev" delay="0">
+                  <p:tgtEl>
+                    <p:sldTgt/>
+                  </p:tgtEl>
+                </p:cond>
+              </p:prevCondLst>
+              <p:nextCondLst>
+                <p:cond evt="onNext" delay="0">
+                  <p:tgtEl>
+                    <p:sldTgt/>
+                  </p:tgtEl>
+                </p:cond>
+              </p:nextCondLst>
+            </p:seq>
+          </p:childTnLst>
+        </p:cTn>
+      </p:par>
+    </p:tnLst>
+  </p:timing>
+</p:sld>
+</file>
+
+<file path=ppt/slides/slide18.xml><?xml version="1.0" encoding="utf-8"?>
+<p:sld xmlns:a="http://schemas.openxmlformats.org/drawingml/2006/main" xmlns:r="http://schemas.openxmlformats.org/officeDocument/2006/relationships" xmlns:p="http://schemas.openxmlformats.org/presentationml/2006/main">
+  <p:cSld>
+    <p:spTree>
+      <p:nvGrpSpPr>
+        <p:cNvPr id="1" name=""/>
+        <p:cNvGrpSpPr/>
+        <p:nvPr/>
+      </p:nvGrpSpPr>
+      <p:grpSpPr>
+        <a:xfrm>
+          <a:off x="0" y="0"/>
+          <a:ext cx="0" cy="0"/>
+          <a:chOff x="0" y="0"/>
+          <a:chExt cx="0" cy="0"/>
+        </a:xfrm>
+      </p:grpSpPr>
+      <p:sp>
+        <p:nvSpPr>
+          <p:cNvPr id="2" name="Title 1">
+            <a:extLst>
+              <a:ext uri="{FF2B5EF4-FFF2-40B4-BE49-F238E27FC236}">
+                <a16:creationId xmlns:a16="http://schemas.microsoft.com/office/drawing/2014/main" id="{A45104A0-6519-44CB-A616-1FD0857AA054}"/>
+              </a:ext>
+            </a:extLst>
+          </p:cNvPr>
+          <p:cNvSpPr>
+            <a:spLocks noGrp="1"/>
+          </p:cNvSpPr>
+          <p:nvPr>
+            <p:ph type="title"/>
+          </p:nvPr>
+        </p:nvSpPr>
+        <p:spPr>
+          <a:xfrm>
+            <a:off x="838200" y="365127"/>
+            <a:ext cx="10515600" cy="717715"/>
+          </a:xfrm>
+        </p:spPr>
+        <p:txBody>
+          <a:bodyPr/>
+          <a:lstStyle/>
+          <a:p>
+            <a:r>
+              <a:rPr lang="en-GB" dirty="0"/>
+              <a:t>Adding and using references</a:t>
+            </a:r>
+          </a:p>
+        </p:txBody>
+      </p:sp>
+      <p:pic>
+        <p:nvPicPr>
+          <p:cNvPr id="6" name="Picture 5">
+            <a:extLst>
+              <a:ext uri="{FF2B5EF4-FFF2-40B4-BE49-F238E27FC236}">
+                <a16:creationId xmlns:a16="http://schemas.microsoft.com/office/drawing/2014/main" id="{D265F5F5-B31B-40F5-A259-13857A44458A}"/>
+              </a:ext>
+            </a:extLst>
+          </p:cNvPr>
+          <p:cNvPicPr>
+            <a:picLocks noChangeAspect="1"/>
+          </p:cNvPicPr>
+          <p:nvPr/>
+        </p:nvPicPr>
+        <p:blipFill rotWithShape="1">
+          <a:blip r:embed="rId3"/>
+          <a:srcRect l="1505" t="7018" r="2500" b="6842"/>
+          <a:stretch/>
+        </p:blipFill>
+        <p:spPr>
+          <a:xfrm>
+            <a:off x="1578000" y="981478"/>
+            <a:ext cx="9036000" cy="5511395"/>
+          </a:xfrm>
+          <a:prstGeom prst="rect">
+            <a:avLst/>
+          </a:prstGeom>
+        </p:spPr>
+      </p:pic>
+    </p:spTree>
+    <p:extLst>
+      <p:ext uri="{BB962C8B-B14F-4D97-AF65-F5344CB8AC3E}">
+        <p14:creationId xmlns:p14="http://schemas.microsoft.com/office/powerpoint/2010/main" val="3765882111"/>
+      </p:ext>
+    </p:extLst>
+  </p:cSld>
+  <p:clrMapOvr>
+    <a:masterClrMapping/>
+  </p:clrMapOvr>
+  <p:timing>
+    <p:tnLst>
+      <p:par>
+        <p:cTn id="1" dur="indefinite" restart="never" nodeType="tmRoot">
+          <p:childTnLst>
+            <p:seq concurrent="1" nextAc="seek">
+              <p:cTn id="2" dur="indefinite" nodeType="mainSeq">
+                <p:childTnLst>
+                  <p:par>
+                    <p:cTn id="3" fill="hold">
+                      <p:stCondLst>
+                        <p:cond delay="indefinite"/>
+                      </p:stCondLst>
+                      <p:childTnLst>
+                        <p:par>
+                          <p:cTn id="4" fill="hold">
+                            <p:stCondLst>
+                              <p:cond delay="0"/>
+                            </p:stCondLst>
+                            <p:childTnLst>
+                              <p:par>
+                                <p:cTn id="5" presetID="1" presetClass="entr" presetSubtype="0" fill="hold" nodeType="clickEffect">
+                                  <p:stCondLst>
+                                    <p:cond delay="0"/>
+                                  </p:stCondLst>
+                                  <p:childTnLst>
+                                    <p:set>
+                                      <p:cBhvr>
+                                        <p:cTn id="6" dur="1" fill="hold">
+                                          <p:stCondLst>
+                                            <p:cond delay="0"/>
+                                          </p:stCondLst>
+                                        </p:cTn>
+                                        <p:tgtEl>
+                                          <p:spTgt spid="6"/>
+                                        </p:tgtEl>
+                                        <p:attrNameLst>
+                                          <p:attrName>style.visibility</p:attrName>
+                                        </p:attrNameLst>
+                                      </p:cBhvr>
+                                      <p:to>
+                                        <p:strVal val="visible"/>
+                                      </p:to>
+                                    </p:set>
+                                  </p:childTnLst>
+                                </p:cTn>
+                              </p:par>
+                            </p:childTnLst>
+                          </p:cTn>
+                        </p:par>
+                      </p:childTnLst>
+                    </p:cTn>
+                  </p:par>
+                </p:childTnLst>
+              </p:cTn>
+              <p:prevCondLst>
+                <p:cond evt="onPrev" delay="0">
+                  <p:tgtEl>
+                    <p:sldTgt/>
+                  </p:tgtEl>
+                </p:cond>
+              </p:prevCondLst>
+              <p:nextCondLst>
+                <p:cond evt="onNext" delay="0">
+                  <p:tgtEl>
+                    <p:sldTgt/>
+                  </p:tgtEl>
+                </p:cond>
+              </p:nextCondLst>
+            </p:seq>
+          </p:childTnLst>
+        </p:cTn>
+      </p:par>
+    </p:tnLst>
+  </p:timing>
+</p:sld>
+</file>
+
+<file path=ppt/slides/slide19.xml><?xml version="1.0" encoding="utf-8"?>
+<p:sld xmlns:a="http://schemas.openxmlformats.org/drawingml/2006/main" xmlns:r="http://schemas.openxmlformats.org/officeDocument/2006/relationships" xmlns:p="http://schemas.openxmlformats.org/presentationml/2006/main">
+  <p:cSld>
+    <p:spTree>
+      <p:nvGrpSpPr>
+        <p:cNvPr id="1" name=""/>
+        <p:cNvGrpSpPr/>
+        <p:nvPr/>
+      </p:nvGrpSpPr>
+      <p:grpSpPr>
+        <a:xfrm>
+          <a:off x="0" y="0"/>
+          <a:ext cx="0" cy="0"/>
+          <a:chOff x="0" y="0"/>
+          <a:chExt cx="0" cy="0"/>
+        </a:xfrm>
+      </p:grpSpPr>
+      <p:sp>
+        <p:nvSpPr>
+          <p:cNvPr id="2" name="Title 1">
+            <a:extLst>
+              <a:ext uri="{FF2B5EF4-FFF2-40B4-BE49-F238E27FC236}">
+                <a16:creationId xmlns:a16="http://schemas.microsoft.com/office/drawing/2014/main" id="{A45104A0-6519-44CB-A616-1FD0857AA054}"/>
+              </a:ext>
+            </a:extLst>
+          </p:cNvPr>
+          <p:cNvSpPr>
+            <a:spLocks noGrp="1"/>
+          </p:cNvSpPr>
+          <p:nvPr>
+            <p:ph type="title"/>
+          </p:nvPr>
+        </p:nvSpPr>
+        <p:spPr>
+          <a:xfrm>
+            <a:off x="838200" y="365127"/>
+            <a:ext cx="10515600" cy="717715"/>
+          </a:xfrm>
+        </p:spPr>
+        <p:txBody>
+          <a:bodyPr/>
+          <a:lstStyle/>
+          <a:p>
+            <a:r>
+              <a:rPr lang="en-GB" dirty="0"/>
+              <a:t>Adding and using references</a:t>
+            </a:r>
+          </a:p>
+        </p:txBody>
+      </p:sp>
+      <p:pic>
+        <p:nvPicPr>
+          <p:cNvPr id="5" name="Picture 4">
+            <a:extLst>
+              <a:ext uri="{FF2B5EF4-FFF2-40B4-BE49-F238E27FC236}">
+                <a16:creationId xmlns:a16="http://schemas.microsoft.com/office/drawing/2014/main" id="{A56D5E0D-0583-41CC-9718-428B90E8006F}"/>
+              </a:ext>
+            </a:extLst>
+          </p:cNvPr>
+          <p:cNvPicPr>
+            <a:picLocks noChangeAspect="1"/>
+          </p:cNvPicPr>
+          <p:nvPr/>
+        </p:nvPicPr>
+        <p:blipFill>
+          <a:blip r:embed="rId3"/>
+          <a:stretch>
+            <a:fillRect/>
+          </a:stretch>
+        </p:blipFill>
+        <p:spPr>
+          <a:xfrm>
+            <a:off x="548426" y="1427631"/>
+            <a:ext cx="10944000" cy="3047260"/>
+          </a:xfrm>
+          <a:prstGeom prst="rect">
+            <a:avLst/>
+          </a:prstGeom>
+        </p:spPr>
+      </p:pic>
+      <p:sp>
+        <p:nvSpPr>
+          <p:cNvPr id="3" name="Rectangle 2">
+            <a:extLst>
+              <a:ext uri="{FF2B5EF4-FFF2-40B4-BE49-F238E27FC236}">
+                <a16:creationId xmlns:a16="http://schemas.microsoft.com/office/drawing/2014/main" id="{84BC2F27-ED2E-410F-B870-B20A347F80A4}"/>
+              </a:ext>
+            </a:extLst>
+          </p:cNvPr>
+          <p:cNvSpPr/>
+          <p:nvPr/>
+        </p:nvSpPr>
+        <p:spPr>
+          <a:xfrm>
+            <a:off x="204538" y="2249906"/>
+            <a:ext cx="3717758" cy="457200"/>
+          </a:xfrm>
+          <a:prstGeom prst="rect">
+            <a:avLst/>
+          </a:prstGeom>
+          <a:noFill/>
+          <a:ln w="38100">
+            <a:solidFill>
+              <a:srgbClr val="00B050"/>
+            </a:solidFill>
+          </a:ln>
+        </p:spPr>
+        <p:style>
+          <a:lnRef idx="2">
+            <a:schemeClr val="accent1">
+              <a:shade val="50000"/>
+            </a:schemeClr>
+          </a:lnRef>
+          <a:fillRef idx="1">
+            <a:schemeClr val="accent1"/>
+          </a:fillRef>
+          <a:effectRef idx="0">
+            <a:schemeClr val="accent1"/>
+          </a:effectRef>
+          <a:fontRef idx="minor">
+            <a:schemeClr val="lt1"/>
+          </a:fontRef>
+        </p:style>
+        <p:txBody>
+          <a:bodyPr rtlCol="0" anchor="ctr"/>
+          <a:lstStyle/>
+          <a:p>
+            <a:pPr algn="ctr"/>
+            <a:endParaRPr lang="en-GB"/>
+          </a:p>
+        </p:txBody>
+      </p:sp>
+      <p:sp>
+        <p:nvSpPr>
+          <p:cNvPr id="7" name="Rectangle 6">
+            <a:extLst>
+              <a:ext uri="{FF2B5EF4-FFF2-40B4-BE49-F238E27FC236}">
+                <a16:creationId xmlns:a16="http://schemas.microsoft.com/office/drawing/2014/main" id="{0FEFADF4-C7E6-4F57-B80A-2EED1D14B695}"/>
+              </a:ext>
+            </a:extLst>
+          </p:cNvPr>
+          <p:cNvSpPr/>
+          <p:nvPr/>
+        </p:nvSpPr>
+        <p:spPr>
+          <a:xfrm>
+            <a:off x="204537" y="3529381"/>
+            <a:ext cx="3664605" cy="457200"/>
+          </a:xfrm>
+          <a:prstGeom prst="rect">
+            <a:avLst/>
+          </a:prstGeom>
+          <a:noFill/>
+          <a:ln w="38100">
+            <a:solidFill>
+              <a:srgbClr val="00B050"/>
+            </a:solidFill>
+          </a:ln>
+        </p:spPr>
+        <p:style>
+          <a:lnRef idx="2">
+            <a:schemeClr val="accent1">
+              <a:shade val="50000"/>
+            </a:schemeClr>
+          </a:lnRef>
+          <a:fillRef idx="1">
+            <a:schemeClr val="accent1"/>
+          </a:fillRef>
+          <a:effectRef idx="0">
+            <a:schemeClr val="accent1"/>
+          </a:effectRef>
+          <a:fontRef idx="minor">
+            <a:schemeClr val="lt1"/>
+          </a:fontRef>
+        </p:style>
+        <p:txBody>
+          <a:bodyPr rtlCol="0" anchor="ctr"/>
+          <a:lstStyle/>
+          <a:p>
+            <a:pPr algn="ctr"/>
+            <a:endParaRPr lang="en-GB"/>
+          </a:p>
+        </p:txBody>
+      </p:sp>
+      <p:sp>
+        <p:nvSpPr>
+          <p:cNvPr id="8" name="Rectangle 7">
+            <a:extLst>
+              <a:ext uri="{FF2B5EF4-FFF2-40B4-BE49-F238E27FC236}">
+                <a16:creationId xmlns:a16="http://schemas.microsoft.com/office/drawing/2014/main" id="{82391DC3-A3D8-4018-8CD7-B132EF4E9F69}"/>
+              </a:ext>
+            </a:extLst>
+          </p:cNvPr>
+          <p:cNvSpPr/>
+          <p:nvPr/>
+        </p:nvSpPr>
+        <p:spPr>
+          <a:xfrm>
+            <a:off x="4255168" y="3976613"/>
+            <a:ext cx="3922295" cy="457200"/>
+          </a:xfrm>
+          <a:prstGeom prst="rect">
+            <a:avLst/>
+          </a:prstGeom>
+          <a:noFill/>
+          <a:ln w="38100">
+            <a:solidFill>
+              <a:schemeClr val="accent2">
+                <a:lumMod val="60000"/>
+                <a:lumOff val="40000"/>
+              </a:schemeClr>
+            </a:solidFill>
+          </a:ln>
+        </p:spPr>
+        <p:style>
+          <a:lnRef idx="2">
+            <a:schemeClr val="accent1">
+              <a:shade val="50000"/>
+            </a:schemeClr>
+          </a:lnRef>
+          <a:fillRef idx="1">
+            <a:schemeClr val="accent1"/>
+          </a:fillRef>
+          <a:effectRef idx="0">
+            <a:schemeClr val="accent1"/>
+          </a:effectRef>
+          <a:fontRef idx="minor">
+            <a:schemeClr val="lt1"/>
+          </a:fontRef>
+        </p:style>
+        <p:txBody>
+          <a:bodyPr rtlCol="0" anchor="ctr"/>
+          <a:lstStyle/>
+          <a:p>
+            <a:pPr algn="ctr"/>
+            <a:endParaRPr lang="en-GB"/>
+          </a:p>
+        </p:txBody>
+      </p:sp>
+      <p:sp>
+        <p:nvSpPr>
+          <p:cNvPr id="9" name="Rectangle 8">
+            <a:extLst>
+              <a:ext uri="{FF2B5EF4-FFF2-40B4-BE49-F238E27FC236}">
+                <a16:creationId xmlns:a16="http://schemas.microsoft.com/office/drawing/2014/main" id="{591FABD1-D1D7-4F49-B6A1-F4E360542023}"/>
+              </a:ext>
+            </a:extLst>
+          </p:cNvPr>
+          <p:cNvSpPr/>
+          <p:nvPr/>
+        </p:nvSpPr>
+        <p:spPr>
+          <a:xfrm>
+            <a:off x="4569996" y="2249905"/>
+            <a:ext cx="7399421" cy="631481"/>
+          </a:xfrm>
+          <a:prstGeom prst="rect">
+            <a:avLst/>
+          </a:prstGeom>
+          <a:noFill/>
+          <a:ln w="38100">
+            <a:solidFill>
+              <a:schemeClr val="accent2">
+                <a:lumMod val="60000"/>
+                <a:lumOff val="40000"/>
+              </a:schemeClr>
+            </a:solidFill>
+          </a:ln>
+        </p:spPr>
+        <p:style>
+          <a:lnRef idx="2">
+            <a:schemeClr val="accent1">
+              <a:shade val="50000"/>
+            </a:schemeClr>
+          </a:lnRef>
+          <a:fillRef idx="1">
+            <a:schemeClr val="accent1"/>
+          </a:fillRef>
+          <a:effectRef idx="0">
+            <a:schemeClr val="accent1"/>
+          </a:effectRef>
+          <a:fontRef idx="minor">
+            <a:schemeClr val="lt1"/>
+          </a:fontRef>
+        </p:style>
+        <p:txBody>
+          <a:bodyPr rtlCol="0" anchor="ctr"/>
+          <a:lstStyle/>
+          <a:p>
+            <a:pPr algn="ctr"/>
+            <a:endParaRPr lang="en-GB"/>
+          </a:p>
+        </p:txBody>
+      </p:sp>
+    </p:spTree>
+    <p:extLst>
+      <p:ext uri="{BB962C8B-B14F-4D97-AF65-F5344CB8AC3E}">
+        <p14:creationId xmlns:p14="http://schemas.microsoft.com/office/powerpoint/2010/main" val="2889806157"/>
       </p:ext>
     </p:extLst>
   </p:cSld>
@@ -7144,6 +10134,89 @@
       <p:bldP spid="3" grpId="0" build="p"/>
     </p:bldLst>
   </p:timing>
+</p:sld>
+</file>
+
+<file path=ppt/slides/slide20.xml><?xml version="1.0" encoding="utf-8"?>
+<p:sld xmlns:a="http://schemas.openxmlformats.org/drawingml/2006/main" xmlns:r="http://schemas.openxmlformats.org/officeDocument/2006/relationships" xmlns:p="http://schemas.openxmlformats.org/presentationml/2006/main">
+  <p:cSld>
+    <p:spTree>
+      <p:nvGrpSpPr>
+        <p:cNvPr id="1" name=""/>
+        <p:cNvGrpSpPr/>
+        <p:nvPr/>
+      </p:nvGrpSpPr>
+      <p:grpSpPr>
+        <a:xfrm>
+          <a:off x="0" y="0"/>
+          <a:ext cx="0" cy="0"/>
+          <a:chOff x="0" y="0"/>
+          <a:chExt cx="0" cy="0"/>
+        </a:xfrm>
+      </p:grpSpPr>
+      <p:sp>
+        <p:nvSpPr>
+          <p:cNvPr id="2" name="Title 1">
+            <a:extLst>
+              <a:ext uri="{FF2B5EF4-FFF2-40B4-BE49-F238E27FC236}">
+                <a16:creationId xmlns:a16="http://schemas.microsoft.com/office/drawing/2014/main" id="{42E78F68-BDC6-43E1-9086-EE4441F071A5}"/>
+              </a:ext>
+            </a:extLst>
+          </p:cNvPr>
+          <p:cNvSpPr>
+            <a:spLocks noGrp="1"/>
+          </p:cNvSpPr>
+          <p:nvPr>
+            <p:ph type="title"/>
+          </p:nvPr>
+        </p:nvSpPr>
+        <p:spPr/>
+        <p:txBody>
+          <a:bodyPr/>
+          <a:lstStyle/>
+          <a:p>
+            <a:r>
+              <a:rPr lang="en-GB" dirty="0"/>
+              <a:t>Creating word and pdf documents</a:t>
+            </a:r>
+          </a:p>
+        </p:txBody>
+      </p:sp>
+      <p:sp>
+        <p:nvSpPr>
+          <p:cNvPr id="3" name="Content Placeholder 2">
+            <a:extLst>
+              <a:ext uri="{FF2B5EF4-FFF2-40B4-BE49-F238E27FC236}">
+                <a16:creationId xmlns:a16="http://schemas.microsoft.com/office/drawing/2014/main" id="{A3123E54-3392-4ECC-AE2A-3CD74A7D758F}"/>
+              </a:ext>
+            </a:extLst>
+          </p:cNvPr>
+          <p:cNvSpPr>
+            <a:spLocks noGrp="1"/>
+          </p:cNvSpPr>
+          <p:nvPr>
+            <p:ph idx="1"/>
+          </p:nvPr>
+        </p:nvSpPr>
+        <p:spPr/>
+        <p:txBody>
+          <a:bodyPr/>
+          <a:lstStyle/>
+          <a:p>
+            <a:endParaRPr lang="en-GB" dirty="0"/>
+          </a:p>
+        </p:txBody>
+      </p:sp>
+    </p:spTree>
+    <p:extLst>
+      <p:ext uri="{BB962C8B-B14F-4D97-AF65-F5344CB8AC3E}">
+        <p14:creationId xmlns:p14="http://schemas.microsoft.com/office/powerpoint/2010/main" val="3033371365"/>
+      </p:ext>
+    </p:extLst>
+  </p:cSld>
+  <p:clrMapOvr>
+    <a:masterClrMapping/>
+  </p:clrMapOvr>
 </p:sld>
 </file>
 

--- a/rmarkdown_pres.pptx
+++ b/rmarkdown_pres.pptx
@@ -762,7 +762,7 @@
           <a:p>
             <a:r>
               <a:rPr lang="en-GB" dirty="0"/>
-              <a:t>Hi and welcome to the first part of today's workshop. My name is Giulia and I will introduce you to R Markdown. I will then show you how to create reports, documents and presentations with it.</a:t>
+              <a:t>Hi and welcome to the first part of today's workshop. My name is Giulia and I will introduce you to R Markdown. I will then show you how to create reports and documents with it.</a:t>
             </a:r>
           </a:p>
         </p:txBody>
@@ -2329,7 +2329,7 @@
           <a:p>
             <a:r>
               <a:rPr lang="en-GB" dirty="0"/>
-              <a:t>With R Markdown, once you define the "rules" you just have to decide how you want to organise the hierarchies within your paper, and just write plain text. The output will come perfectly formatted.</a:t>
+              <a:t>With R Markdown, once you define the "rules" you just have to decide how you want to organise the hierarchies within your paper, and simply write plain text. The output will come perfectly formatted.</a:t>
             </a:r>
           </a:p>
           <a:p>
@@ -2338,7 +2338,7 @@
           <a:p>
             <a:r>
               <a:rPr lang="en-GB" dirty="0"/>
-              <a:t>With R Markdown, using only R code, you can create several kinds of documents, including HTML and PDFs.</a:t>
+              <a:t>With R Markdown, using only R code, you can create several kinds of documents, including HTML and PDFs, and even presentations.</a:t>
             </a:r>
           </a:p>
           <a:p>
@@ -2379,6 +2379,90 @@
     <p:extLst>
       <p:ext uri="{BB962C8B-B14F-4D97-AF65-F5344CB8AC3E}">
         <p14:creationId xmlns:p14="http://schemas.microsoft.com/office/powerpoint/2010/main" val="3933914639"/>
+      </p:ext>
+    </p:extLst>
+  </p:cSld>
+  <p:clrMapOvr>
+    <a:masterClrMapping/>
+  </p:clrMapOvr>
+</p:notes>
+</file>
+
+<file path=ppt/notesSlides/notesSlide20.xml><?xml version="1.0" encoding="utf-8"?>
+<p:notes xmlns:a="http://schemas.openxmlformats.org/drawingml/2006/main" xmlns:r="http://schemas.openxmlformats.org/officeDocument/2006/relationships" xmlns:p="http://schemas.openxmlformats.org/presentationml/2006/main">
+  <p:cSld>
+    <p:spTree>
+      <p:nvGrpSpPr>
+        <p:cNvPr id="1" name=""/>
+        <p:cNvGrpSpPr/>
+        <p:nvPr/>
+      </p:nvGrpSpPr>
+      <p:grpSpPr>
+        <a:xfrm>
+          <a:off x="0" y="0"/>
+          <a:ext cx="0" cy="0"/>
+          <a:chOff x="0" y="0"/>
+          <a:chExt cx="0" cy="0"/>
+        </a:xfrm>
+      </p:grpSpPr>
+      <p:sp>
+        <p:nvSpPr>
+          <p:cNvPr id="2" name="Slide Image Placeholder 1"/>
+          <p:cNvSpPr>
+            <a:spLocks noGrp="1" noRot="1" noChangeAspect="1"/>
+          </p:cNvSpPr>
+          <p:nvPr>
+            <p:ph type="sldImg"/>
+          </p:nvPr>
+        </p:nvSpPr>
+        <p:spPr/>
+      </p:sp>
+      <p:sp>
+        <p:nvSpPr>
+          <p:cNvPr id="3" name="Notes Placeholder 2"/>
+          <p:cNvSpPr>
+            <a:spLocks noGrp="1"/>
+          </p:cNvSpPr>
+          <p:nvPr>
+            <p:ph type="body" idx="1"/>
+          </p:nvPr>
+        </p:nvSpPr>
+        <p:spPr/>
+        <p:txBody>
+          <a:bodyPr/>
+          <a:lstStyle/>
+          <a:p>
+            <a:endParaRPr lang="en-GB"/>
+          </a:p>
+        </p:txBody>
+      </p:sp>
+      <p:sp>
+        <p:nvSpPr>
+          <p:cNvPr id="4" name="Slide Number Placeholder 3"/>
+          <p:cNvSpPr>
+            <a:spLocks noGrp="1"/>
+          </p:cNvSpPr>
+          <p:nvPr>
+            <p:ph type="sldNum" sz="quarter" idx="5"/>
+          </p:nvPr>
+        </p:nvSpPr>
+        <p:spPr/>
+        <p:txBody>
+          <a:bodyPr/>
+          <a:lstStyle/>
+          <a:p>
+            <a:fld id="{4B57A0F3-40D9-41F5-93D3-4BB64EC0659B}" type="slidenum">
+              <a:rPr lang="en-GB" smtClean="0"/>
+              <a:t>20</a:t>
+            </a:fld>
+            <a:endParaRPr lang="en-GB"/>
+          </a:p>
+        </p:txBody>
+      </p:sp>
+    </p:spTree>
+    <p:extLst>
+      <p:ext uri="{BB962C8B-B14F-4D97-AF65-F5344CB8AC3E}">
+        <p14:creationId xmlns:p14="http://schemas.microsoft.com/office/powerpoint/2010/main" val="2699895502"/>
       </p:ext>
     </p:extLst>
   </p:cSld>
@@ -2870,7 +2954,7 @@
           <a:p>
             <a:r>
               <a:rPr lang="en-GB" dirty="0"/>
-              <a:t>## The YAML is followed by the contents that make up your report, the actual body of your document.</a:t>
+              <a:t>## The YAML is followed by the content that make up your report, the actual body of your document.</a:t>
             </a:r>
           </a:p>
           <a:p>
@@ -9628,7 +9712,7 @@
             <a:pPr rtl="0" eaLnBrk="1" latinLnBrk="0" hangingPunct="1"/>
             <a:r>
               <a:rPr lang="en-GB" dirty="0"/>
-              <a:t>presentations (such as this one!)</a:t>
+              <a:t>presentations</a:t>
             </a:r>
           </a:p>
           <a:p>
@@ -9651,6 +9735,9 @@
         </p:txBody>
       </p:sp>
     </p:spTree>
+    <p:custDataLst>
+      <p:tags r:id="rId1"/>
+    </p:custDataLst>
     <p:extLst>
       <p:ext uri="{BB962C8B-B14F-4D97-AF65-F5344CB8AC3E}">
         <p14:creationId xmlns:p14="http://schemas.microsoft.com/office/powerpoint/2010/main" val="2817917736"/>
@@ -10254,7 +10341,7 @@
           </p:nvPr>
         </p:nvPicPr>
         <p:blipFill>
-          <a:blip r:embed="rId3">
+          <a:blip r:embed="rId4">
             <a:extLst>
               <a:ext uri="{28A0092B-C50C-407E-A947-70E740481C1C}">
                 <a14:useLocalDpi xmlns:a14="http://schemas.microsoft.com/office/drawing/2010/main" val="0"/>
@@ -10287,7 +10374,7 @@
           <p:nvPr/>
         </p:nvPicPr>
         <p:blipFill>
-          <a:blip r:embed="rId4">
+          <a:blip r:embed="rId5">
             <a:extLst>
               <a:ext uri="{28A0092B-C50C-407E-A947-70E740481C1C}">
                 <a14:useLocalDpi xmlns:a14="http://schemas.microsoft.com/office/drawing/2010/main" val="0"/>
@@ -10323,7 +10410,7 @@
           <p:nvPr/>
         </p:nvPicPr>
         <p:blipFill>
-          <a:blip r:embed="rId5">
+          <a:blip r:embed="rId6">
             <a:extLst>
               <a:ext uri="{28A0092B-C50C-407E-A947-70E740481C1C}">
                 <a14:useLocalDpi xmlns:a14="http://schemas.microsoft.com/office/drawing/2010/main" val="0"/>
@@ -10451,7 +10538,7 @@
           <p:nvPr/>
         </p:nvPicPr>
         <p:blipFill>
-          <a:blip r:embed="rId6">
+          <a:blip r:embed="rId7">
             <a:extLst>
               <a:ext uri="{28A0092B-C50C-407E-A947-70E740481C1C}">
                 <a14:useLocalDpi xmlns:a14="http://schemas.microsoft.com/office/drawing/2010/main" val="0"/>
@@ -10473,6 +10560,9 @@
         </p:spPr>
       </p:pic>
     </p:spTree>
+    <p:custDataLst>
+      <p:tags r:id="rId1"/>
+    </p:custDataLst>
     <p:extLst>
       <p:ext uri="{BB962C8B-B14F-4D97-AF65-F5344CB8AC3E}">
         <p14:creationId xmlns:p14="http://schemas.microsoft.com/office/powerpoint/2010/main" val="4268776593"/>
@@ -10823,7 +10913,7 @@
           </p:nvPr>
         </p:nvPicPr>
         <p:blipFill>
-          <a:blip r:embed="rId3">
+          <a:blip r:embed="rId4">
             <a:extLst>
               <a:ext uri="{28A0092B-C50C-407E-A947-70E740481C1C}">
                 <a14:useLocalDpi xmlns:a14="http://schemas.microsoft.com/office/drawing/2010/main" val="0"/>
@@ -10842,6 +10932,9 @@
         </p:spPr>
       </p:pic>
     </p:spTree>
+    <p:custDataLst>
+      <p:tags r:id="rId1"/>
+    </p:custDataLst>
     <p:extLst>
       <p:ext uri="{BB962C8B-B14F-4D97-AF65-F5344CB8AC3E}">
         <p14:creationId xmlns:p14="http://schemas.microsoft.com/office/powerpoint/2010/main" val="1176392885"/>
@@ -10992,7 +11085,7 @@
           <p:nvPr/>
         </p:nvPicPr>
         <p:blipFill>
-          <a:blip r:embed="rId3"/>
+          <a:blip r:embed="rId4"/>
           <a:stretch>
             <a:fillRect/>
           </a:stretch>
@@ -11836,6 +11929,9 @@
         </p:style>
       </p:cxnSp>
     </p:spTree>
+    <p:custDataLst>
+      <p:tags r:id="rId1"/>
+    </p:custDataLst>
     <p:extLst>
       <p:ext uri="{BB962C8B-B14F-4D97-AF65-F5344CB8AC3E}">
         <p14:creationId xmlns:p14="http://schemas.microsoft.com/office/powerpoint/2010/main" val="2166411632"/>
@@ -12511,7 +12607,7 @@
           <p:nvPr/>
         </p:nvPicPr>
         <p:blipFill rotWithShape="1">
-          <a:blip r:embed="rId3"/>
+          <a:blip r:embed="rId4"/>
           <a:srcRect r="61025" b="86730"/>
           <a:stretch/>
         </p:blipFill>
@@ -13062,6 +13158,9 @@
         </p:txBody>
       </p:sp>
     </p:spTree>
+    <p:custDataLst>
+      <p:tags r:id="rId1"/>
+    </p:custDataLst>
     <p:extLst>
       <p:ext uri="{BB962C8B-B14F-4D97-AF65-F5344CB8AC3E}">
         <p14:creationId xmlns:p14="http://schemas.microsoft.com/office/powerpoint/2010/main" val="1248169424"/>
@@ -13314,7 +13413,7 @@
           <p:nvPr/>
         </p:nvPicPr>
         <p:blipFill rotWithShape="1">
-          <a:blip r:embed="rId3"/>
+          <a:blip r:embed="rId4"/>
           <a:srcRect t="24497"/>
           <a:stretch/>
         </p:blipFill>
@@ -13924,6 +14023,9 @@
         </p:style>
       </p:cxnSp>
     </p:spTree>
+    <p:custDataLst>
+      <p:tags r:id="rId1"/>
+    </p:custDataLst>
     <p:extLst>
       <p:ext uri="{BB962C8B-B14F-4D97-AF65-F5344CB8AC3E}">
         <p14:creationId xmlns:p14="http://schemas.microsoft.com/office/powerpoint/2010/main" val="989574088"/>
@@ -14313,6 +14415,33 @@
                                   </p:childTnLst>
                                 </p:cTn>
                               </p:par>
+                              <p:par>
+                                <p:cTn id="33" presetID="1" presetClass="entr" presetSubtype="0" fill="hold" nodeType="withEffect">
+                                  <p:stCondLst>
+                                    <p:cond delay="0"/>
+                                  </p:stCondLst>
+                                  <p:childTnLst>
+                                    <p:set>
+                                      <p:cBhvr>
+                                        <p:cTn id="34" dur="1" fill="hold">
+                                          <p:stCondLst>
+                                            <p:cond delay="0"/>
+                                          </p:stCondLst>
+                                        </p:cTn>
+                                        <p:tgtEl>
+                                          <p:spTgt spid="17"/>
+                                        </p:tgtEl>
+                                        <p:attrNameLst>
+                                          <p:attrName>style.visibility</p:attrName>
+                                        </p:attrNameLst>
+                                      </p:cBhvr>
+                                      <p:to>
+                                        <p:strVal val="visible"/>
+                                      </p:to>
+                                    </p:set>
+                                  </p:childTnLst>
+                                </p:cTn>
+                              </p:par>
                             </p:childTnLst>
                           </p:cTn>
                         </p:par>
@@ -15408,6 +15537,42 @@
     </p:bldLst>
   </p:timing>
 </p:sld>
+</file>
+
+<file path=ppt/tags/tag1.xml><?xml version="1.0" encoding="utf-8"?>
+<p:tagLst xmlns:a="http://schemas.openxmlformats.org/drawingml/2006/main" xmlns:r="http://schemas.openxmlformats.org/officeDocument/2006/relationships" xmlns:p="http://schemas.openxmlformats.org/presentationml/2006/main">
+  <p:tag name="TIMING" val="|7.1|0.6|0.6|0.8|10.5|37.8|0.5|3|1.2"/>
+</p:tagLst>
+</file>
+
+<file path=ppt/tags/tag2.xml><?xml version="1.0" encoding="utf-8"?>
+<p:tagLst xmlns:a="http://schemas.openxmlformats.org/drawingml/2006/main" xmlns:r="http://schemas.openxmlformats.org/officeDocument/2006/relationships" xmlns:p="http://schemas.openxmlformats.org/presentationml/2006/main">
+  <p:tag name="TIMING" val="|6.4|7.6|4.6|6.7"/>
+</p:tagLst>
+</file>
+
+<file path=ppt/tags/tag3.xml><?xml version="1.0" encoding="utf-8"?>
+<p:tagLst xmlns:a="http://schemas.openxmlformats.org/drawingml/2006/main" xmlns:r="http://schemas.openxmlformats.org/officeDocument/2006/relationships" xmlns:p="http://schemas.openxmlformats.org/presentationml/2006/main">
+  <p:tag name="TIMING" val="|9.5"/>
+</p:tagLst>
+</file>
+
+<file path=ppt/tags/tag4.xml><?xml version="1.0" encoding="utf-8"?>
+<p:tagLst xmlns:a="http://schemas.openxmlformats.org/drawingml/2006/main" xmlns:r="http://schemas.openxmlformats.org/officeDocument/2006/relationships" xmlns:p="http://schemas.openxmlformats.org/presentationml/2006/main">
+  <p:tag name="TIMING" val="|5.9|2|0.9|1.4"/>
+</p:tagLst>
+</file>
+
+<file path=ppt/tags/tag5.xml><?xml version="1.0" encoding="utf-8"?>
+<p:tagLst xmlns:a="http://schemas.openxmlformats.org/drawingml/2006/main" xmlns:r="http://schemas.openxmlformats.org/officeDocument/2006/relationships" xmlns:p="http://schemas.openxmlformats.org/presentationml/2006/main">
+  <p:tag name="TIMING" val="|10.1|20.6|33.1"/>
+</p:tagLst>
+</file>
+
+<file path=ppt/tags/tag6.xml><?xml version="1.0" encoding="utf-8"?>
+<p:tagLst xmlns:a="http://schemas.openxmlformats.org/drawingml/2006/main" xmlns:r="http://schemas.openxmlformats.org/officeDocument/2006/relationships" xmlns:p="http://schemas.openxmlformats.org/presentationml/2006/main">
+  <p:tag name="TIMING" val="|17.6|1.6|1.8"/>
+</p:tagLst>
 </file>
 
 <file path=ppt/theme/theme1.xml><?xml version="1.0" encoding="utf-8"?>

--- a/rmarkdown_pres.pptx
+++ b/rmarkdown_pres.pptx
@@ -5,10 +5,10 @@
     <p:sldMasterId id="2147483684" r:id="rId1"/>
   </p:sldMasterIdLst>
   <p:notesMasterIdLst>
-    <p:notesMasterId r:id="rId22"/>
+    <p:notesMasterId r:id="rId23"/>
   </p:notesMasterIdLst>
   <p:handoutMasterIdLst>
-    <p:handoutMasterId r:id="rId23"/>
+    <p:handoutMasterId r:id="rId24"/>
   </p:handoutMasterIdLst>
   <p:sldIdLst>
     <p:sldId id="256" r:id="rId2"/>
@@ -31,6 +31,7 @@
     <p:sldId id="277" r:id="rId19"/>
     <p:sldId id="279" r:id="rId20"/>
     <p:sldId id="276" r:id="rId21"/>
+    <p:sldId id="280" r:id="rId22"/>
   </p:sldIdLst>
   <p:sldSz cx="12192000" cy="6858000"/>
   <p:notesSz cx="6858000" cy="9144000"/>
@@ -158,6 +159,7 @@
             <p14:sldId id="277"/>
             <p14:sldId id="279"/>
             <p14:sldId id="276"/>
+            <p14:sldId id="280"/>
           </p14:sldIdLst>
         </p14:section>
       </p14:sectionLst>
@@ -1370,13 +1372,8 @@
           <a:p>
             <a:r>
               <a:rPr lang="en-GB" dirty="0"/>
-              <a:t>We want to create a report to show to an audience whether gender, ethnical group and parental education have an effect on how the students perform in several subjects, and how these factors </a:t>
-            </a:r>
-            <a:r>
-              <a:rPr lang="en-GB"/>
-              <a:t>correlate.</a:t>
-            </a:r>
-            <a:endParaRPr lang="en-GB" dirty="0"/>
+              <a:t>We want to create a report to show to an audience whether gender has an effect on how the students perform in several subjects.</a:t>
+            </a:r>
           </a:p>
         </p:txBody>
       </p:sp>
@@ -1469,6 +1466,29 @@
                 <a:effectLst/>
                 <a:latin typeface="Studio-Feixen-Sans"/>
               </a:rPr>
+              <a:t>Ok, so one of the things you might want to be able to do in a report is of course creating a table.</a:t>
+            </a:r>
+          </a:p>
+          <a:p>
+            <a:pPr algn="l"/>
+            <a:endParaRPr lang="en-GB" b="0" i="0" dirty="0">
+              <a:solidFill>
+                <a:srgbClr val="05192D"/>
+              </a:solidFill>
+              <a:effectLst/>
+              <a:latin typeface="Studio-Feixen-Sans"/>
+            </a:endParaRPr>
+          </a:p>
+          <a:p>
+            <a:pPr algn="l"/>
+            <a:r>
+              <a:rPr lang="en-GB" b="0" i="0" dirty="0">
+                <a:solidFill>
+                  <a:srgbClr val="05192D"/>
+                </a:solidFill>
+                <a:effectLst/>
+                <a:latin typeface="Studio-Feixen-Sans"/>
+              </a:rPr>
               <a:t>You can dd a table manually very easily using dashes to separate the heading row from the content ones, and pipes to separate columns.</a:t>
             </a:r>
           </a:p>
@@ -2432,7 +2452,56 @@
           <a:bodyPr/>
           <a:lstStyle/>
           <a:p>
-            <a:endParaRPr lang="en-GB"/>
+            <a:r>
+              <a:rPr lang="en-GB" dirty="0"/>
+              <a:t>Unless you are aiming for very peculiar layouts, R markdown provides you with the tool to create doc and pdf files very easily.</a:t>
+            </a:r>
+          </a:p>
+          <a:p>
+            <a:r>
+              <a:rPr lang="en-GB" dirty="0"/>
+              <a:t>You just have to use the “</a:t>
+            </a:r>
+            <a:r>
+              <a:rPr lang="en-GB" dirty="0" err="1"/>
+              <a:t>word_document</a:t>
+            </a:r>
+            <a:r>
+              <a:rPr lang="en-GB" dirty="0"/>
+              <a:t>” or the “</a:t>
+            </a:r>
+            <a:r>
+              <a:rPr lang="en-GB" dirty="0" err="1"/>
+              <a:t>pdf_document</a:t>
+            </a:r>
+            <a:r>
+              <a:rPr lang="en-GB" dirty="0"/>
+              <a:t>” option in your output.</a:t>
+            </a:r>
+          </a:p>
+          <a:p>
+            <a:endParaRPr lang="en-GB" dirty="0"/>
+          </a:p>
+          <a:p>
+            <a:r>
+              <a:rPr lang="en-GB" dirty="0"/>
+              <a:t>Remember again that indentation is not flexible within the YAML.</a:t>
+            </a:r>
+          </a:p>
+          <a:p>
+            <a:endParaRPr lang="en-GB" dirty="0"/>
+          </a:p>
+          <a:p>
+            <a:r>
+              <a:rPr lang="en-GB" dirty="0"/>
+              <a:t>You can even have multiple output formats, and remember that you have to specify for each format the parameters you want to add to your output, such as whether or not you want a table of contents, whether you want your sections numbered and so on.</a:t>
+            </a:r>
+          </a:p>
+          <a:p>
+            <a:r>
+              <a:rPr lang="en-GB" dirty="0"/>
+              <a:t>In sum, be careful with the hierarchies. Once you get the grip on that you can’t be wrong. Also, R markdown will give you an error if there is a mistake, and the error message should contain information to where the error comes from.</a:t>
+            </a:r>
           </a:p>
         </p:txBody>
       </p:sp>
@@ -2463,6 +2532,105 @@
     <p:extLst>
       <p:ext uri="{BB962C8B-B14F-4D97-AF65-F5344CB8AC3E}">
         <p14:creationId xmlns:p14="http://schemas.microsoft.com/office/powerpoint/2010/main" val="2699895502"/>
+      </p:ext>
+    </p:extLst>
+  </p:cSld>
+  <p:clrMapOvr>
+    <a:masterClrMapping/>
+  </p:clrMapOvr>
+</p:notes>
+</file>
+
+<file path=ppt/notesSlides/notesSlide21.xml><?xml version="1.0" encoding="utf-8"?>
+<p:notes xmlns:a="http://schemas.openxmlformats.org/drawingml/2006/main" xmlns:r="http://schemas.openxmlformats.org/officeDocument/2006/relationships" xmlns:p="http://schemas.openxmlformats.org/presentationml/2006/main">
+  <p:cSld>
+    <p:spTree>
+      <p:nvGrpSpPr>
+        <p:cNvPr id="1" name=""/>
+        <p:cNvGrpSpPr/>
+        <p:nvPr/>
+      </p:nvGrpSpPr>
+      <p:grpSpPr>
+        <a:xfrm>
+          <a:off x="0" y="0"/>
+          <a:ext cx="0" cy="0"/>
+          <a:chOff x="0" y="0"/>
+          <a:chExt cx="0" cy="0"/>
+        </a:xfrm>
+      </p:grpSpPr>
+      <p:sp>
+        <p:nvSpPr>
+          <p:cNvPr id="2" name="Slide Image Placeholder 1"/>
+          <p:cNvSpPr>
+            <a:spLocks noGrp="1" noRot="1" noChangeAspect="1"/>
+          </p:cNvSpPr>
+          <p:nvPr>
+            <p:ph type="sldImg"/>
+          </p:nvPr>
+        </p:nvSpPr>
+        <p:spPr/>
+      </p:sp>
+      <p:sp>
+        <p:nvSpPr>
+          <p:cNvPr id="3" name="Notes Placeholder 2"/>
+          <p:cNvSpPr>
+            <a:spLocks noGrp="1"/>
+          </p:cNvSpPr>
+          <p:nvPr>
+            <p:ph type="body" idx="1"/>
+          </p:nvPr>
+        </p:nvSpPr>
+        <p:spPr/>
+        <p:txBody>
+          <a:bodyPr/>
+          <a:lstStyle/>
+          <a:p>
+            <a:r>
+              <a:rPr lang="en-GB" dirty="0"/>
+              <a:t>Ok, now keep going from where you left your practice 1.</a:t>
+            </a:r>
+          </a:p>
+          <a:p>
+            <a:r>
+              <a:rPr lang="en-GB" dirty="0"/>
+              <a:t>Again, please take notes and write down your questions.</a:t>
+            </a:r>
+          </a:p>
+          <a:p>
+            <a:r>
+              <a:rPr lang="en-GB" dirty="0"/>
+              <a:t>Like before I will be available to answer any of your questions. </a:t>
+            </a:r>
+          </a:p>
+        </p:txBody>
+      </p:sp>
+      <p:sp>
+        <p:nvSpPr>
+          <p:cNvPr id="4" name="Slide Number Placeholder 3"/>
+          <p:cNvSpPr>
+            <a:spLocks noGrp="1"/>
+          </p:cNvSpPr>
+          <p:nvPr>
+            <p:ph type="sldNum" sz="quarter" idx="5"/>
+          </p:nvPr>
+        </p:nvSpPr>
+        <p:spPr/>
+        <p:txBody>
+          <a:bodyPr/>
+          <a:lstStyle/>
+          <a:p>
+            <a:fld id="{4B57A0F3-40D9-41F5-93D3-4BB64EC0659B}" type="slidenum">
+              <a:rPr lang="en-GB" smtClean="0"/>
+              <a:t>21</a:t>
+            </a:fld>
+            <a:endParaRPr lang="en-GB"/>
+          </a:p>
+        </p:txBody>
+      </p:sp>
+    </p:spTree>
+    <p:extLst>
+      <p:ext uri="{BB962C8B-B14F-4D97-AF65-F5344CB8AC3E}">
+        <p14:creationId xmlns:p14="http://schemas.microsoft.com/office/powerpoint/2010/main" val="2691691341"/>
       </p:ext>
     </p:extLst>
   </p:cSld>
@@ -2954,7 +3122,7 @@
           <a:p>
             <a:r>
               <a:rPr lang="en-GB" dirty="0"/>
-              <a:t>## The YAML is followed by the content that make up your report, the actual body of your document.</a:t>
+              <a:t>The YAML is followed by the content that make up your report, the actual body of your document.</a:t>
             </a:r>
           </a:p>
           <a:p>
@@ -7286,7 +7454,7 @@
           <a:p>
             <a:r>
               <a:rPr lang="de-DE" dirty="0"/>
-              <a:t>And now... Practice!</a:t>
+              <a:t>And now... Practice! Please be back in ~15 minutes </a:t>
             </a:r>
             <a:endParaRPr lang="en-GB" dirty="0"/>
           </a:p>
@@ -10269,12 +10437,407 @@
           </a:p>
         </p:txBody>
       </p:sp>
+      <p:pic>
+        <p:nvPicPr>
+          <p:cNvPr id="7" name="Picture 6">
+            <a:extLst>
+              <a:ext uri="{FF2B5EF4-FFF2-40B4-BE49-F238E27FC236}">
+                <a16:creationId xmlns:a16="http://schemas.microsoft.com/office/drawing/2014/main" id="{EE9376C6-6890-4C53-BF57-279D311519D0}"/>
+              </a:ext>
+            </a:extLst>
+          </p:cNvPr>
+          <p:cNvPicPr>
+            <a:picLocks noChangeAspect="1"/>
+          </p:cNvPicPr>
+          <p:nvPr/>
+        </p:nvPicPr>
+        <p:blipFill>
+          <a:blip r:embed="rId3"/>
+          <a:stretch>
+            <a:fillRect/>
+          </a:stretch>
+        </p:blipFill>
+        <p:spPr>
+          <a:xfrm>
+            <a:off x="838199" y="1491255"/>
+            <a:ext cx="4245853" cy="1588829"/>
+          </a:xfrm>
+          <a:prstGeom prst="rect">
+            <a:avLst/>
+          </a:prstGeom>
+        </p:spPr>
+      </p:pic>
+      <p:pic>
+        <p:nvPicPr>
+          <p:cNvPr id="9" name="Picture 8">
+            <a:extLst>
+              <a:ext uri="{FF2B5EF4-FFF2-40B4-BE49-F238E27FC236}">
+                <a16:creationId xmlns:a16="http://schemas.microsoft.com/office/drawing/2014/main" id="{063C8936-2A14-48D2-9F6A-E9BFDD0FEE1B}"/>
+              </a:ext>
+            </a:extLst>
+          </p:cNvPr>
+          <p:cNvPicPr>
+            <a:picLocks noChangeAspect="1"/>
+          </p:cNvPicPr>
+          <p:nvPr/>
+        </p:nvPicPr>
+        <p:blipFill>
+          <a:blip r:embed="rId4"/>
+          <a:stretch>
+            <a:fillRect/>
+          </a:stretch>
+        </p:blipFill>
+        <p:spPr>
+          <a:xfrm>
+            <a:off x="6307238" y="1362283"/>
+            <a:ext cx="5046562" cy="2737413"/>
+          </a:xfrm>
+          <a:prstGeom prst="rect">
+            <a:avLst/>
+          </a:prstGeom>
+        </p:spPr>
+      </p:pic>
+      <p:pic>
+        <p:nvPicPr>
+          <p:cNvPr id="11" name="Picture 10">
+            <a:extLst>
+              <a:ext uri="{FF2B5EF4-FFF2-40B4-BE49-F238E27FC236}">
+                <a16:creationId xmlns:a16="http://schemas.microsoft.com/office/drawing/2014/main" id="{4F6AA947-FE59-46EA-9914-A01A11FCD221}"/>
+              </a:ext>
+            </a:extLst>
+          </p:cNvPr>
+          <p:cNvPicPr>
+            <a:picLocks noChangeAspect="1"/>
+          </p:cNvPicPr>
+          <p:nvPr/>
+        </p:nvPicPr>
+        <p:blipFill>
+          <a:blip r:embed="rId5"/>
+          <a:stretch>
+            <a:fillRect/>
+          </a:stretch>
+        </p:blipFill>
+        <p:spPr>
+          <a:xfrm>
+            <a:off x="5169567" y="2534255"/>
+            <a:ext cx="5249172" cy="3130881"/>
+          </a:xfrm>
+          <a:prstGeom prst="rect">
+            <a:avLst/>
+          </a:prstGeom>
+        </p:spPr>
+      </p:pic>
+      <p:pic>
+        <p:nvPicPr>
+          <p:cNvPr id="13" name="Picture 12">
+            <a:extLst>
+              <a:ext uri="{FF2B5EF4-FFF2-40B4-BE49-F238E27FC236}">
+                <a16:creationId xmlns:a16="http://schemas.microsoft.com/office/drawing/2014/main" id="{1713E85D-42B5-4B25-A03A-7ABEAEECD7C4}"/>
+              </a:ext>
+            </a:extLst>
+          </p:cNvPr>
+          <p:cNvPicPr>
+            <a:picLocks noChangeAspect="1"/>
+          </p:cNvPicPr>
+          <p:nvPr/>
+        </p:nvPicPr>
+        <p:blipFill rotWithShape="1">
+          <a:blip r:embed="rId6"/>
+          <a:srcRect r="25427"/>
+          <a:stretch/>
+        </p:blipFill>
+        <p:spPr>
+          <a:xfrm>
+            <a:off x="1028922" y="3958856"/>
+            <a:ext cx="3864406" cy="2560542"/>
+          </a:xfrm>
+          <a:prstGeom prst="rect">
+            <a:avLst/>
+          </a:prstGeom>
+        </p:spPr>
+      </p:pic>
+    </p:spTree>
+    <p:extLst>
+      <p:ext uri="{BB962C8B-B14F-4D97-AF65-F5344CB8AC3E}">
+        <p14:creationId xmlns:p14="http://schemas.microsoft.com/office/powerpoint/2010/main" val="3033371365"/>
+      </p:ext>
+    </p:extLst>
+  </p:cSld>
+  <p:clrMapOvr>
+    <a:masterClrMapping/>
+  </p:clrMapOvr>
+  <p:timing>
+    <p:tnLst>
+      <p:par>
+        <p:cTn id="1" dur="indefinite" restart="never" nodeType="tmRoot">
+          <p:childTnLst>
+            <p:seq concurrent="1" nextAc="seek">
+              <p:cTn id="2" dur="indefinite" nodeType="mainSeq">
+                <p:childTnLst>
+                  <p:par>
+                    <p:cTn id="3" fill="hold">
+                      <p:stCondLst>
+                        <p:cond delay="indefinite"/>
+                      </p:stCondLst>
+                      <p:childTnLst>
+                        <p:par>
+                          <p:cTn id="4" fill="hold">
+                            <p:stCondLst>
+                              <p:cond delay="0"/>
+                            </p:stCondLst>
+                            <p:childTnLst>
+                              <p:par>
+                                <p:cTn id="5" presetID="1" presetClass="entr" presetSubtype="0" fill="hold" nodeType="clickEffect">
+                                  <p:stCondLst>
+                                    <p:cond delay="0"/>
+                                  </p:stCondLst>
+                                  <p:childTnLst>
+                                    <p:set>
+                                      <p:cBhvr>
+                                        <p:cTn id="6" dur="1" fill="hold">
+                                          <p:stCondLst>
+                                            <p:cond delay="0"/>
+                                          </p:stCondLst>
+                                        </p:cTn>
+                                        <p:tgtEl>
+                                          <p:spTgt spid="7"/>
+                                        </p:tgtEl>
+                                        <p:attrNameLst>
+                                          <p:attrName>style.visibility</p:attrName>
+                                        </p:attrNameLst>
+                                      </p:cBhvr>
+                                      <p:to>
+                                        <p:strVal val="visible"/>
+                                      </p:to>
+                                    </p:set>
+                                  </p:childTnLst>
+                                </p:cTn>
+                              </p:par>
+                            </p:childTnLst>
+                          </p:cTn>
+                        </p:par>
+                      </p:childTnLst>
+                    </p:cTn>
+                  </p:par>
+                  <p:par>
+                    <p:cTn id="7" fill="hold">
+                      <p:stCondLst>
+                        <p:cond delay="indefinite"/>
+                      </p:stCondLst>
+                      <p:childTnLst>
+                        <p:par>
+                          <p:cTn id="8" fill="hold">
+                            <p:stCondLst>
+                              <p:cond delay="0"/>
+                            </p:stCondLst>
+                            <p:childTnLst>
+                              <p:par>
+                                <p:cTn id="9" presetID="1" presetClass="entr" presetSubtype="0" fill="hold" nodeType="clickEffect">
+                                  <p:stCondLst>
+                                    <p:cond delay="0"/>
+                                  </p:stCondLst>
+                                  <p:childTnLst>
+                                    <p:set>
+                                      <p:cBhvr>
+                                        <p:cTn id="10" dur="1" fill="hold">
+                                          <p:stCondLst>
+                                            <p:cond delay="0"/>
+                                          </p:stCondLst>
+                                        </p:cTn>
+                                        <p:tgtEl>
+                                          <p:spTgt spid="9"/>
+                                        </p:tgtEl>
+                                        <p:attrNameLst>
+                                          <p:attrName>style.visibility</p:attrName>
+                                        </p:attrNameLst>
+                                      </p:cBhvr>
+                                      <p:to>
+                                        <p:strVal val="visible"/>
+                                      </p:to>
+                                    </p:set>
+                                  </p:childTnLst>
+                                </p:cTn>
+                              </p:par>
+                            </p:childTnLst>
+                          </p:cTn>
+                        </p:par>
+                      </p:childTnLst>
+                    </p:cTn>
+                  </p:par>
+                  <p:par>
+                    <p:cTn id="11" fill="hold">
+                      <p:stCondLst>
+                        <p:cond delay="indefinite"/>
+                      </p:stCondLst>
+                      <p:childTnLst>
+                        <p:par>
+                          <p:cTn id="12" fill="hold">
+                            <p:stCondLst>
+                              <p:cond delay="0"/>
+                            </p:stCondLst>
+                            <p:childTnLst>
+                              <p:par>
+                                <p:cTn id="13" presetID="1" presetClass="entr" presetSubtype="0" fill="hold" nodeType="clickEffect">
+                                  <p:stCondLst>
+                                    <p:cond delay="0"/>
+                                  </p:stCondLst>
+                                  <p:childTnLst>
+                                    <p:set>
+                                      <p:cBhvr>
+                                        <p:cTn id="14" dur="1" fill="hold">
+                                          <p:stCondLst>
+                                            <p:cond delay="0"/>
+                                          </p:stCondLst>
+                                        </p:cTn>
+                                        <p:tgtEl>
+                                          <p:spTgt spid="11"/>
+                                        </p:tgtEl>
+                                        <p:attrNameLst>
+                                          <p:attrName>style.visibility</p:attrName>
+                                        </p:attrNameLst>
+                                      </p:cBhvr>
+                                      <p:to>
+                                        <p:strVal val="visible"/>
+                                      </p:to>
+                                    </p:set>
+                                  </p:childTnLst>
+                                </p:cTn>
+                              </p:par>
+                            </p:childTnLst>
+                          </p:cTn>
+                        </p:par>
+                      </p:childTnLst>
+                    </p:cTn>
+                  </p:par>
+                  <p:par>
+                    <p:cTn id="15" fill="hold">
+                      <p:stCondLst>
+                        <p:cond delay="indefinite"/>
+                      </p:stCondLst>
+                      <p:childTnLst>
+                        <p:par>
+                          <p:cTn id="16" fill="hold">
+                            <p:stCondLst>
+                              <p:cond delay="0"/>
+                            </p:stCondLst>
+                            <p:childTnLst>
+                              <p:par>
+                                <p:cTn id="17" presetID="1" presetClass="entr" presetSubtype="0" fill="hold" nodeType="clickEffect">
+                                  <p:stCondLst>
+                                    <p:cond delay="0"/>
+                                  </p:stCondLst>
+                                  <p:childTnLst>
+                                    <p:set>
+                                      <p:cBhvr>
+                                        <p:cTn id="18" dur="1" fill="hold">
+                                          <p:stCondLst>
+                                            <p:cond delay="0"/>
+                                          </p:stCondLst>
+                                        </p:cTn>
+                                        <p:tgtEl>
+                                          <p:spTgt spid="13"/>
+                                        </p:tgtEl>
+                                        <p:attrNameLst>
+                                          <p:attrName>style.visibility</p:attrName>
+                                        </p:attrNameLst>
+                                      </p:cBhvr>
+                                      <p:to>
+                                        <p:strVal val="visible"/>
+                                      </p:to>
+                                    </p:set>
+                                  </p:childTnLst>
+                                </p:cTn>
+                              </p:par>
+                            </p:childTnLst>
+                          </p:cTn>
+                        </p:par>
+                      </p:childTnLst>
+                    </p:cTn>
+                  </p:par>
+                </p:childTnLst>
+              </p:cTn>
+              <p:prevCondLst>
+                <p:cond evt="onPrev" delay="0">
+                  <p:tgtEl>
+                    <p:sldTgt/>
+                  </p:tgtEl>
+                </p:cond>
+              </p:prevCondLst>
+              <p:nextCondLst>
+                <p:cond evt="onNext" delay="0">
+                  <p:tgtEl>
+                    <p:sldTgt/>
+                  </p:tgtEl>
+                </p:cond>
+              </p:nextCondLst>
+            </p:seq>
+          </p:childTnLst>
+        </p:cTn>
+      </p:par>
+    </p:tnLst>
+  </p:timing>
+</p:sld>
+</file>
+
+<file path=ppt/slides/slide21.xml><?xml version="1.0" encoding="utf-8"?>
+<p:sld xmlns:a="http://schemas.openxmlformats.org/drawingml/2006/main" xmlns:r="http://schemas.openxmlformats.org/officeDocument/2006/relationships" xmlns:p="http://schemas.openxmlformats.org/presentationml/2006/main">
+  <p:cSld>
+    <p:spTree>
+      <p:nvGrpSpPr>
+        <p:cNvPr id="1" name=""/>
+        <p:cNvGrpSpPr/>
+        <p:nvPr/>
+      </p:nvGrpSpPr>
+      <p:grpSpPr>
+        <a:xfrm>
+          <a:off x="0" y="0"/>
+          <a:ext cx="0" cy="0"/>
+          <a:chOff x="0" y="0"/>
+          <a:chExt cx="0" cy="0"/>
+        </a:xfrm>
+      </p:grpSpPr>
+      <p:sp>
+        <p:nvSpPr>
+          <p:cNvPr id="2" name="Title 1">
+            <a:extLst>
+              <a:ext uri="{FF2B5EF4-FFF2-40B4-BE49-F238E27FC236}">
+                <a16:creationId xmlns:a16="http://schemas.microsoft.com/office/drawing/2014/main" id="{3D645098-D0D1-4252-928A-99ED38ABCA9F}"/>
+              </a:ext>
+            </a:extLst>
+          </p:cNvPr>
+          <p:cNvSpPr>
+            <a:spLocks noGrp="1"/>
+          </p:cNvSpPr>
+          <p:nvPr>
+            <p:ph type="title"/>
+          </p:nvPr>
+        </p:nvSpPr>
+        <p:spPr/>
+        <p:txBody>
+          <a:bodyPr/>
+          <a:lstStyle/>
+          <a:p>
+            <a:r>
+              <a:rPr lang="de-DE" dirty="0"/>
+              <a:t>And now.. practice again!</a:t>
+            </a:r>
+            <a:br>
+              <a:rPr lang="de-DE" dirty="0"/>
+            </a:br>
+            <a:r>
+              <a:rPr lang="de-DE" dirty="0"/>
+              <a:t>Please be back in ~15 minutes </a:t>
+            </a:r>
+            <a:endParaRPr lang="en-GB" dirty="0"/>
+          </a:p>
+        </p:txBody>
+      </p:sp>
       <p:sp>
         <p:nvSpPr>
           <p:cNvPr id="3" name="Content Placeholder 2">
             <a:extLst>
               <a:ext uri="{FF2B5EF4-FFF2-40B4-BE49-F238E27FC236}">
-                <a16:creationId xmlns:a16="http://schemas.microsoft.com/office/drawing/2014/main" id="{A3123E54-3392-4ECC-AE2A-3CD74A7D758F}"/>
+                <a16:creationId xmlns:a16="http://schemas.microsoft.com/office/drawing/2014/main" id="{46B91D0E-46A4-4B0C-8A06-C5C085A820D0}"/>
               </a:ext>
             </a:extLst>
           </p:cNvPr>
@@ -10290,6 +10853,24 @@
           <a:bodyPr/>
           <a:lstStyle/>
           <a:p>
+            <a:r>
+              <a:rPr lang="en-GB" dirty="0"/>
+              <a:t>You have </a:t>
+            </a:r>
+          </a:p>
+          <a:p>
+            <a:r>
+              <a:rPr lang="en-GB" dirty="0"/>
+              <a:t>Write down any questions for the final discussion!</a:t>
+            </a:r>
+          </a:p>
+          <a:p>
+            <a:endParaRPr lang="en-GB" dirty="0"/>
+          </a:p>
+          <a:p>
+            <a:pPr marL="0" indent="0">
+              <a:buNone/>
+            </a:pPr>
             <a:endParaRPr lang="en-GB" dirty="0"/>
           </a:p>
         </p:txBody>
@@ -10297,7 +10878,7 @@
     </p:spTree>
     <p:extLst>
       <p:ext uri="{BB962C8B-B14F-4D97-AF65-F5344CB8AC3E}">
-        <p14:creationId xmlns:p14="http://schemas.microsoft.com/office/powerpoint/2010/main" val="3033371365"/>
+        <p14:creationId xmlns:p14="http://schemas.microsoft.com/office/powerpoint/2010/main" val="2019919412"/>
       </p:ext>
     </p:extLst>
   </p:cSld>

--- a/rmarkdown_pres.pptx
+++ b/rmarkdown_pres.pptx
@@ -5,10 +5,10 @@
     <p:sldMasterId id="2147483684" r:id="rId1"/>
   </p:sldMasterIdLst>
   <p:notesMasterIdLst>
-    <p:notesMasterId r:id="rId23"/>
+    <p:notesMasterId r:id="rId24"/>
   </p:notesMasterIdLst>
   <p:handoutMasterIdLst>
-    <p:handoutMasterId r:id="rId24"/>
+    <p:handoutMasterId r:id="rId25"/>
   </p:handoutMasterIdLst>
   <p:sldIdLst>
     <p:sldId id="256" r:id="rId2"/>
@@ -32,6 +32,7 @@
     <p:sldId id="279" r:id="rId20"/>
     <p:sldId id="276" r:id="rId21"/>
     <p:sldId id="280" r:id="rId22"/>
+    <p:sldId id="281" r:id="rId23"/>
   </p:sldIdLst>
   <p:sldSz cx="12192000" cy="6858000"/>
   <p:notesSz cx="6858000" cy="9144000"/>
@@ -160,6 +161,7 @@
             <p14:sldId id="279"/>
             <p14:sldId id="276"/>
             <p14:sldId id="280"/>
+            <p14:sldId id="281"/>
           </p14:sldIdLst>
         </p14:section>
       </p14:sectionLst>
@@ -1466,7 +1468,7 @@
                 <a:effectLst/>
                 <a:latin typeface="Studio-Feixen-Sans"/>
               </a:rPr>
-              <a:t>Ok, so one of the things you might want to be able to do in a report is of course creating a table.</a:t>
+              <a:t>Ok, so one of the things you might want to do in a report, is of course to create a table.</a:t>
             </a:r>
           </a:p>
           <a:p>
@@ -1489,7 +1491,7 @@
                 <a:effectLst/>
                 <a:latin typeface="Studio-Feixen-Sans"/>
               </a:rPr>
-              <a:t>You can dd a table manually very easily using dashes to separate the heading row from the content ones, and pipes to separate columns.</a:t>
+              <a:t>You can add a table manually very easily using dashes to separate the heading row from the content ones, and pipes to separate columns.</a:t>
             </a:r>
           </a:p>
           <a:p>
@@ -2631,6 +2633,136 @@
     <p:extLst>
       <p:ext uri="{BB962C8B-B14F-4D97-AF65-F5344CB8AC3E}">
         <p14:creationId xmlns:p14="http://schemas.microsoft.com/office/powerpoint/2010/main" val="2691691341"/>
+      </p:ext>
+    </p:extLst>
+  </p:cSld>
+  <p:clrMapOvr>
+    <a:masterClrMapping/>
+  </p:clrMapOvr>
+</p:notes>
+</file>
+
+<file path=ppt/notesSlides/notesSlide22.xml><?xml version="1.0" encoding="utf-8"?>
+<p:notes xmlns:a="http://schemas.openxmlformats.org/drawingml/2006/main" xmlns:r="http://schemas.openxmlformats.org/officeDocument/2006/relationships" xmlns:p="http://schemas.openxmlformats.org/presentationml/2006/main">
+  <p:cSld>
+    <p:spTree>
+      <p:nvGrpSpPr>
+        <p:cNvPr id="1" name=""/>
+        <p:cNvGrpSpPr/>
+        <p:nvPr/>
+      </p:nvGrpSpPr>
+      <p:grpSpPr>
+        <a:xfrm>
+          <a:off x="0" y="0"/>
+          <a:ext cx="0" cy="0"/>
+          <a:chOff x="0" y="0"/>
+          <a:chExt cx="0" cy="0"/>
+        </a:xfrm>
+      </p:grpSpPr>
+      <p:sp>
+        <p:nvSpPr>
+          <p:cNvPr id="2" name="Slide Image Placeholder 1"/>
+          <p:cNvSpPr>
+            <a:spLocks noGrp="1" noRot="1" noChangeAspect="1"/>
+          </p:cNvSpPr>
+          <p:nvPr>
+            <p:ph type="sldImg"/>
+          </p:nvPr>
+        </p:nvSpPr>
+        <p:spPr/>
+      </p:sp>
+      <p:sp>
+        <p:nvSpPr>
+          <p:cNvPr id="3" name="Notes Placeholder 2"/>
+          <p:cNvSpPr>
+            <a:spLocks noGrp="1"/>
+          </p:cNvSpPr>
+          <p:nvPr>
+            <p:ph type="body" idx="1"/>
+          </p:nvPr>
+        </p:nvSpPr>
+        <p:spPr/>
+        <p:txBody>
+          <a:bodyPr/>
+          <a:lstStyle/>
+          <a:p>
+            <a:r>
+              <a:rPr lang="en-GB" dirty="0"/>
+              <a:t>One of the most functional features of </a:t>
+            </a:r>
+            <a:r>
+              <a:rPr lang="en-GB" dirty="0" err="1"/>
+              <a:t>Rmarkdown</a:t>
+            </a:r>
+            <a:r>
+              <a:rPr lang="en-GB" dirty="0"/>
+              <a:t>, is the possibility of creating parameters.</a:t>
+            </a:r>
+          </a:p>
+          <a:p>
+            <a:r>
+              <a:rPr lang="en-GB" dirty="0"/>
+              <a:t>Let’s imagine that you want to have a look at the influencing factors for math and reading results.</a:t>
+            </a:r>
+          </a:p>
+          <a:p>
+            <a:r>
+              <a:rPr lang="en-GB" dirty="0"/>
+              <a:t>You don’t have to repeat the same report with different factors multiple times.</a:t>
+            </a:r>
+          </a:p>
+          <a:p>
+            <a:endParaRPr lang="en-GB" dirty="0"/>
+          </a:p>
+          <a:p>
+            <a:r>
+              <a:rPr lang="en-GB" dirty="0"/>
+              <a:t>You can add the parameter: “</a:t>
+            </a:r>
+            <a:r>
+              <a:rPr lang="en-GB" dirty="0" err="1"/>
+              <a:t>exam_factor</a:t>
+            </a:r>
+            <a:r>
+              <a:rPr lang="en-GB" dirty="0"/>
+              <a:t>” and then simply specify which one you want to look at in your report.</a:t>
+            </a:r>
+          </a:p>
+          <a:p>
+            <a:endParaRPr lang="en-GB"/>
+          </a:p>
+          <a:p>
+            <a:endParaRPr lang="en-GB"/>
+          </a:p>
+        </p:txBody>
+      </p:sp>
+      <p:sp>
+        <p:nvSpPr>
+          <p:cNvPr id="4" name="Slide Number Placeholder 3"/>
+          <p:cNvSpPr>
+            <a:spLocks noGrp="1"/>
+          </p:cNvSpPr>
+          <p:nvPr>
+            <p:ph type="sldNum" sz="quarter" idx="5"/>
+          </p:nvPr>
+        </p:nvSpPr>
+        <p:spPr/>
+        <p:txBody>
+          <a:bodyPr/>
+          <a:lstStyle/>
+          <a:p>
+            <a:fld id="{4B57A0F3-40D9-41F5-93D3-4BB64EC0659B}" type="slidenum">
+              <a:rPr lang="en-GB" smtClean="0"/>
+              <a:t>22</a:t>
+            </a:fld>
+            <a:endParaRPr lang="en-GB"/>
+          </a:p>
+        </p:txBody>
+      </p:sp>
+    </p:spTree>
+    <p:extLst>
+      <p:ext uri="{BB962C8B-B14F-4D97-AF65-F5344CB8AC3E}">
+        <p14:creationId xmlns:p14="http://schemas.microsoft.com/office/powerpoint/2010/main" val="1575595181"/>
       </p:ext>
     </p:extLst>
   </p:cSld>
@@ -10879,6 +11011,89 @@
     <p:extLst>
       <p:ext uri="{BB962C8B-B14F-4D97-AF65-F5344CB8AC3E}">
         <p14:creationId xmlns:p14="http://schemas.microsoft.com/office/powerpoint/2010/main" val="2019919412"/>
+      </p:ext>
+    </p:extLst>
+  </p:cSld>
+  <p:clrMapOvr>
+    <a:masterClrMapping/>
+  </p:clrMapOvr>
+</p:sld>
+</file>
+
+<file path=ppt/slides/slide22.xml><?xml version="1.0" encoding="utf-8"?>
+<p:sld xmlns:a="http://schemas.openxmlformats.org/drawingml/2006/main" xmlns:r="http://schemas.openxmlformats.org/officeDocument/2006/relationships" xmlns:p="http://schemas.openxmlformats.org/presentationml/2006/main">
+  <p:cSld>
+    <p:spTree>
+      <p:nvGrpSpPr>
+        <p:cNvPr id="1" name=""/>
+        <p:cNvGrpSpPr/>
+        <p:nvPr/>
+      </p:nvGrpSpPr>
+      <p:grpSpPr>
+        <a:xfrm>
+          <a:off x="0" y="0"/>
+          <a:ext cx="0" cy="0"/>
+          <a:chOff x="0" y="0"/>
+          <a:chExt cx="0" cy="0"/>
+        </a:xfrm>
+      </p:grpSpPr>
+      <p:sp>
+        <p:nvSpPr>
+          <p:cNvPr id="2" name="Title 1">
+            <a:extLst>
+              <a:ext uri="{FF2B5EF4-FFF2-40B4-BE49-F238E27FC236}">
+                <a16:creationId xmlns:a16="http://schemas.microsoft.com/office/drawing/2014/main" id="{6842D9DC-2201-4744-9EF2-2542B2D0AF48}"/>
+              </a:ext>
+            </a:extLst>
+          </p:cNvPr>
+          <p:cNvSpPr>
+            <a:spLocks noGrp="1"/>
+          </p:cNvSpPr>
+          <p:nvPr>
+            <p:ph type="title"/>
+          </p:nvPr>
+        </p:nvSpPr>
+        <p:spPr/>
+        <p:txBody>
+          <a:bodyPr/>
+          <a:lstStyle/>
+          <a:p>
+            <a:r>
+              <a:rPr lang="en-GB" dirty="0"/>
+              <a:t>Parameters</a:t>
+            </a:r>
+          </a:p>
+        </p:txBody>
+      </p:sp>
+      <p:sp>
+        <p:nvSpPr>
+          <p:cNvPr id="3" name="Content Placeholder 2">
+            <a:extLst>
+              <a:ext uri="{FF2B5EF4-FFF2-40B4-BE49-F238E27FC236}">
+                <a16:creationId xmlns:a16="http://schemas.microsoft.com/office/drawing/2014/main" id="{50D33A6B-1374-40EF-BAA6-E678C4D96921}"/>
+              </a:ext>
+            </a:extLst>
+          </p:cNvPr>
+          <p:cNvSpPr>
+            <a:spLocks noGrp="1"/>
+          </p:cNvSpPr>
+          <p:nvPr>
+            <p:ph idx="1"/>
+          </p:nvPr>
+        </p:nvSpPr>
+        <p:spPr/>
+        <p:txBody>
+          <a:bodyPr/>
+          <a:lstStyle/>
+          <a:p>
+            <a:endParaRPr lang="en-GB" dirty="0"/>
+          </a:p>
+        </p:txBody>
+      </p:sp>
+    </p:spTree>
+    <p:extLst>
+      <p:ext uri="{BB962C8B-B14F-4D97-AF65-F5344CB8AC3E}">
+        <p14:creationId xmlns:p14="http://schemas.microsoft.com/office/powerpoint/2010/main" val="1779199652"/>
       </p:ext>
     </p:extLst>
   </p:cSld>

--- a/rmarkdown_pres.pptx
+++ b/rmarkdown_pres.pptx
@@ -5,10 +5,10 @@
     <p:sldMasterId id="2147483684" r:id="rId1"/>
   </p:sldMasterIdLst>
   <p:notesMasterIdLst>
-    <p:notesMasterId r:id="rId24"/>
+    <p:notesMasterId r:id="rId25"/>
   </p:notesMasterIdLst>
   <p:handoutMasterIdLst>
-    <p:handoutMasterId r:id="rId25"/>
+    <p:handoutMasterId r:id="rId26"/>
   </p:handoutMasterIdLst>
   <p:sldIdLst>
     <p:sldId id="256" r:id="rId2"/>
@@ -33,6 +33,7 @@
     <p:sldId id="276" r:id="rId21"/>
     <p:sldId id="280" r:id="rId22"/>
     <p:sldId id="281" r:id="rId23"/>
+    <p:sldId id="282" r:id="rId24"/>
   </p:sldIdLst>
   <p:sldSz cx="12192000" cy="6858000"/>
   <p:notesSz cx="6858000" cy="9144000"/>
@@ -162,6 +163,7 @@
             <p14:sldId id="276"/>
             <p14:sldId id="280"/>
             <p14:sldId id="281"/>
+            <p14:sldId id="282"/>
           </p14:sldIdLst>
         </p14:section>
       </p14:sectionLst>
@@ -270,7 +272,7 @@
           <a:p>
             <a:fld id="{9AFFF6BE-A819-4CD0-B1B8-631E75667E3F}" type="datetimeFigureOut">
               <a:rPr lang="en-GB" smtClean="0"/>
-              <a:t>22/02/2021</a:t>
+              <a:t>23/02/2021</a:t>
             </a:fld>
             <a:endParaRPr lang="en-GB"/>
           </a:p>
@@ -447,7 +449,7 @@
           <a:p>
             <a:fld id="{A09D4936-6FA4-4161-9530-A643D9D48A5E}" type="datetimeFigureOut">
               <a:rPr lang="en-GB" smtClean="0"/>
-              <a:t>22/02/2021</a:t>
+              <a:t>23/02/2021</a:t>
             </a:fld>
             <a:endParaRPr lang="en-GB"/>
           </a:p>
@@ -2712,6 +2714,12 @@
             </a:r>
           </a:p>
           <a:p>
+            <a:r>
+              <a:rPr lang="en-GB" dirty="0"/>
+              <a:t>In the YAML, add a line called “param”, </a:t>
+            </a:r>
+          </a:p>
+          <a:p>
             <a:endParaRPr lang="en-GB" dirty="0"/>
           </a:p>
           <a:p>
@@ -2729,10 +2737,42 @@
             </a:r>
           </a:p>
           <a:p>
-            <a:endParaRPr lang="en-GB"/>
-          </a:p>
-          <a:p>
-            <a:endParaRPr lang="en-GB"/>
+            <a:endParaRPr lang="en-GB" dirty="0"/>
+          </a:p>
+          <a:p>
+            <a:pPr marL="0" indent="0">
+              <a:lnSpc>
+                <a:spcPct val="120000"/>
+              </a:lnSpc>
+              <a:buNone/>
+            </a:pPr>
+            <a:r>
+              <a:rPr lang="en-GB" dirty="0"/>
+              <a:t>- just include a params: section in the YAML header at the top and include variables as key-value pairs:</a:t>
+            </a:r>
+          </a:p>
+          <a:p>
+            <a:pPr marL="0" indent="0">
+              <a:lnSpc>
+                <a:spcPct val="120000"/>
+              </a:lnSpc>
+              <a:buNone/>
+            </a:pPr>
+            <a:r>
+              <a:rPr lang="en-GB" dirty="0"/>
+              <a:t>Then, wherever you want to include the value for the variable named hashtag, simply use </a:t>
+            </a:r>
+            <a:r>
+              <a:rPr lang="en-GB" dirty="0" err="1"/>
+              <a:t>params$hashtag</a:t>
+            </a:r>
+            <a:r>
+              <a:rPr lang="en-GB" dirty="0"/>
+              <a:t>, as in the title shown here or in later code chunks.</a:t>
+            </a:r>
+          </a:p>
+          <a:p>
+            <a:endParaRPr lang="en-GB" dirty="0"/>
           </a:p>
         </p:txBody>
       </p:sp>
@@ -2765,6 +2805,31 @@
         <p14:creationId xmlns:p14="http://schemas.microsoft.com/office/powerpoint/2010/main" val="1575595181"/>
       </p:ext>
     </p:extLst>
+  </p:cSld>
+  <p:clrMapOvr>
+    <a:masterClrMapping/>
+  </p:clrMapOvr>
+</p:notes>
+</file>
+
+<file path=ppt/notesSlides/notesSlide23.xml><?xml version="1.0" encoding="utf-8"?>
+<p:notes xmlns:a="http://schemas.openxmlformats.org/drawingml/2006/main" xmlns:r="http://schemas.openxmlformats.org/officeDocument/2006/relationships" xmlns:p="http://schemas.openxmlformats.org/presentationml/2006/main">
+  <p:cSld>
+    <p:spTree>
+      <p:nvGrpSpPr>
+        <p:cNvPr id="1" name=""/>
+        <p:cNvGrpSpPr/>
+        <p:nvPr/>
+      </p:nvGrpSpPr>
+      <p:grpSpPr>
+        <a:xfrm>
+          <a:off x="0" y="0"/>
+          <a:ext cx="0" cy="0"/>
+          <a:chOff x="0" y="0"/>
+          <a:chExt cx="0" cy="0"/>
+        </a:xfrm>
+      </p:grpSpPr>
+    </p:spTree>
   </p:cSld>
   <p:clrMapOvr>
     <a:masterClrMapping/>
@@ -3769,7 +3834,7 @@
             <a:fld id="{FE5EC8D0-1F95-481B-AC0C-2A92D5B0D2AD}" type="datetimeFigureOut">
               <a:rPr lang="en-GB" smtClean="0"/>
               <a:pPr/>
-              <a:t>22/02/2021</a:t>
+              <a:t>23/02/2021</a:t>
             </a:fld>
             <a:endParaRPr lang="en-GB"/>
           </a:p>
@@ -3956,7 +4021,7 @@
           <a:p>
             <a:fld id="{FE5EC8D0-1F95-481B-AC0C-2A92D5B0D2AD}" type="datetimeFigureOut">
               <a:rPr lang="en-GB" smtClean="0"/>
-              <a:t>22/02/2021</a:t>
+              <a:t>23/02/2021</a:t>
             </a:fld>
             <a:endParaRPr lang="en-GB"/>
           </a:p>
@@ -4136,7 +4201,7 @@
           <a:p>
             <a:fld id="{FE5EC8D0-1F95-481B-AC0C-2A92D5B0D2AD}" type="datetimeFigureOut">
               <a:rPr lang="en-GB" smtClean="0"/>
-              <a:t>22/02/2021</a:t>
+              <a:t>23/02/2021</a:t>
             </a:fld>
             <a:endParaRPr lang="en-GB"/>
           </a:p>
@@ -4316,7 +4381,7 @@
           <a:p>
             <a:fld id="{FE5EC8D0-1F95-481B-AC0C-2A92D5B0D2AD}" type="datetimeFigureOut">
               <a:rPr lang="en-GB" smtClean="0"/>
-              <a:t>22/02/2021</a:t>
+              <a:t>23/02/2021</a:t>
             </a:fld>
             <a:endParaRPr lang="en-GB"/>
           </a:p>
@@ -4566,7 +4631,7 @@
           <a:p>
             <a:fld id="{FE5EC8D0-1F95-481B-AC0C-2A92D5B0D2AD}" type="datetimeFigureOut">
               <a:rPr lang="en-GB" smtClean="0"/>
-              <a:t>22/02/2021</a:t>
+              <a:t>23/02/2021</a:t>
             </a:fld>
             <a:endParaRPr lang="en-GB"/>
           </a:p>
@@ -4806,7 +4871,7 @@
           <a:p>
             <a:fld id="{FE5EC8D0-1F95-481B-AC0C-2A92D5B0D2AD}" type="datetimeFigureOut">
               <a:rPr lang="en-GB" smtClean="0"/>
-              <a:t>22/02/2021</a:t>
+              <a:t>23/02/2021</a:t>
             </a:fld>
             <a:endParaRPr lang="en-GB"/>
           </a:p>
@@ -5189,7 +5254,7 @@
           <a:p>
             <a:fld id="{FE5EC8D0-1F95-481B-AC0C-2A92D5B0D2AD}" type="datetimeFigureOut">
               <a:rPr lang="en-GB" smtClean="0"/>
-              <a:t>22/02/2021</a:t>
+              <a:t>23/02/2021</a:t>
             </a:fld>
             <a:endParaRPr lang="en-GB"/>
           </a:p>
@@ -5315,7 +5380,7 @@
           <a:p>
             <a:fld id="{FE5EC8D0-1F95-481B-AC0C-2A92D5B0D2AD}" type="datetimeFigureOut">
               <a:rPr lang="en-GB" smtClean="0"/>
-              <a:t>22/02/2021</a:t>
+              <a:t>23/02/2021</a:t>
             </a:fld>
             <a:endParaRPr lang="en-GB"/>
           </a:p>
@@ -5410,7 +5475,7 @@
           <a:p>
             <a:fld id="{FE5EC8D0-1F95-481B-AC0C-2A92D5B0D2AD}" type="datetimeFigureOut">
               <a:rPr lang="en-GB" smtClean="0"/>
-              <a:t>22/02/2021</a:t>
+              <a:t>23/02/2021</a:t>
             </a:fld>
             <a:endParaRPr lang="en-GB"/>
           </a:p>
@@ -5687,7 +5752,7 @@
           <a:p>
             <a:fld id="{FE5EC8D0-1F95-481B-AC0C-2A92D5B0D2AD}" type="datetimeFigureOut">
               <a:rPr lang="en-GB" smtClean="0"/>
-              <a:t>22/02/2021</a:t>
+              <a:t>23/02/2021</a:t>
             </a:fld>
             <a:endParaRPr lang="en-GB"/>
           </a:p>
@@ -5944,7 +6009,7 @@
           <a:p>
             <a:fld id="{FE5EC8D0-1F95-481B-AC0C-2A92D5B0D2AD}" type="datetimeFigureOut">
               <a:rPr lang="en-GB" smtClean="0"/>
-              <a:t>22/02/2021</a:t>
+              <a:t>23/02/2021</a:t>
             </a:fld>
             <a:endParaRPr lang="en-GB"/>
           </a:p>
@@ -6157,7 +6222,7 @@
           <a:p>
             <a:fld id="{FE5EC8D0-1F95-481B-AC0C-2A92D5B0D2AD}" type="datetimeFigureOut">
               <a:rPr lang="en-GB" smtClean="0"/>
-              <a:t>22/02/2021</a:t>
+              <a:t>23/02/2021</a:t>
             </a:fld>
             <a:endParaRPr lang="en-GB"/>
           </a:p>
@@ -11078,12 +11143,319 @@
             <a:spLocks noGrp="1"/>
           </p:cNvSpPr>
           <p:nvPr>
-            <p:ph idx="1"/>
+            <p:ph sz="half" idx="1"/>
           </p:nvPr>
         </p:nvSpPr>
-        <p:spPr/>
-        <p:txBody>
-          <a:bodyPr/>
+        <p:spPr>
+          <a:xfrm>
+            <a:off x="838199" y="1690690"/>
+            <a:ext cx="4948989" cy="1460497"/>
+          </a:xfrm>
+          <a:solidFill>
+            <a:srgbClr val="FFFFFF"/>
+          </a:solidFill>
+        </p:spPr>
+        <p:txBody>
+          <a:bodyPr>
+            <a:normAutofit fontScale="47500" lnSpcReduction="20000"/>
+          </a:bodyPr>
+          <a:lstStyle/>
+          <a:p>
+            <a:pPr marL="0" indent="0">
+              <a:lnSpc>
+                <a:spcPct val="120000"/>
+              </a:lnSpc>
+              <a:buNone/>
+            </a:pPr>
+            <a:r>
+              <a:rPr lang="en-GB" sz="3400" dirty="0"/>
+              <a:t>…</a:t>
+            </a:r>
+          </a:p>
+          <a:p>
+            <a:pPr marL="0" indent="0">
+              <a:lnSpc>
+                <a:spcPct val="120000"/>
+              </a:lnSpc>
+              <a:buNone/>
+            </a:pPr>
+            <a:r>
+              <a:rPr lang="en-GB" sz="3400" dirty="0">
+                <a:solidFill>
+                  <a:schemeClr val="accent5">
+                    <a:lumMod val="75000"/>
+                  </a:schemeClr>
+                </a:solidFill>
+                <a:highlight>
+                  <a:srgbClr val="00FF00"/>
+                </a:highlight>
+              </a:rPr>
+              <a:t>params</a:t>
+            </a:r>
+            <a:r>
+              <a:rPr lang="en-GB" sz="3400" dirty="0"/>
+              <a:t>:</a:t>
+            </a:r>
+          </a:p>
+          <a:p>
+            <a:pPr marL="0" indent="0">
+              <a:lnSpc>
+                <a:spcPct val="120000"/>
+              </a:lnSpc>
+              <a:buNone/>
+            </a:pPr>
+            <a:r>
+              <a:rPr lang="en-GB" sz="3400" dirty="0"/>
+              <a:t>  </a:t>
+            </a:r>
+            <a:r>
+              <a:rPr lang="en-GB" sz="3400" dirty="0" err="1">
+                <a:solidFill>
+                  <a:schemeClr val="accent5">
+                    <a:lumMod val="75000"/>
+                  </a:schemeClr>
+                </a:solidFill>
+                <a:highlight>
+                  <a:srgbClr val="FFFF00"/>
+                </a:highlight>
+              </a:rPr>
+              <a:t>exam_factor</a:t>
+            </a:r>
+            <a:r>
+              <a:rPr lang="en-GB" sz="3400" dirty="0"/>
+              <a:t>: “gender"</a:t>
+            </a:r>
+            <a:endParaRPr lang="en-GB" sz="3400" dirty="0">
+              <a:solidFill>
+                <a:schemeClr val="accent5">
+                  <a:lumMod val="75000"/>
+                </a:schemeClr>
+              </a:solidFill>
+            </a:endParaRPr>
+          </a:p>
+          <a:p>
+            <a:pPr marL="0" indent="0">
+              <a:lnSpc>
+                <a:spcPct val="120000"/>
+              </a:lnSpc>
+              <a:buNone/>
+            </a:pPr>
+            <a:r>
+              <a:rPr lang="en-GB" sz="3400" dirty="0"/>
+              <a:t>---</a:t>
+            </a:r>
+          </a:p>
+          <a:p>
+            <a:pPr marL="0" indent="0">
+              <a:lnSpc>
+                <a:spcPct val="120000"/>
+              </a:lnSpc>
+              <a:buNone/>
+            </a:pPr>
+            <a:endParaRPr lang="en-GB" dirty="0"/>
+          </a:p>
+        </p:txBody>
+      </p:sp>
+      <p:sp>
+        <p:nvSpPr>
+          <p:cNvPr id="4" name="Content Placeholder 3">
+            <a:extLst>
+              <a:ext uri="{FF2B5EF4-FFF2-40B4-BE49-F238E27FC236}">
+                <a16:creationId xmlns:a16="http://schemas.microsoft.com/office/drawing/2014/main" id="{22F4F0EA-F79D-48C6-9205-9F6BF64E6B34}"/>
+              </a:ext>
+            </a:extLst>
+          </p:cNvPr>
+          <p:cNvSpPr>
+            <a:spLocks noGrp="1"/>
+          </p:cNvSpPr>
+          <p:nvPr>
+            <p:ph sz="half" idx="2"/>
+          </p:nvPr>
+        </p:nvSpPr>
+        <p:spPr>
+          <a:xfrm>
+            <a:off x="838199" y="3286122"/>
+            <a:ext cx="9340517" cy="2597320"/>
+          </a:xfrm>
+          <a:solidFill>
+            <a:schemeClr val="bg1"/>
+          </a:solidFill>
+          <a:ln>
+            <a:solidFill>
+              <a:schemeClr val="tx1"/>
+            </a:solidFill>
+          </a:ln>
+        </p:spPr>
+        <p:txBody>
+          <a:bodyPr>
+            <a:noAutofit/>
+          </a:bodyPr>
+          <a:lstStyle/>
+          <a:p>
+            <a:pPr marL="0" indent="0">
+              <a:lnSpc>
+                <a:spcPct val="120000"/>
+              </a:lnSpc>
+              <a:buNone/>
+            </a:pPr>
+            <a:r>
+              <a:rPr lang="en-GB" sz="2000" dirty="0"/>
+              <a:t>library(</a:t>
+            </a:r>
+            <a:r>
+              <a:rPr lang="en-GB" sz="2000" dirty="0" err="1"/>
+              <a:t>tidyverse</a:t>
+            </a:r>
+            <a:r>
+              <a:rPr lang="en-GB" sz="2000" dirty="0"/>
+              <a:t>)</a:t>
+            </a:r>
+          </a:p>
+          <a:p>
+            <a:pPr marL="0" indent="0">
+              <a:lnSpc>
+                <a:spcPct val="120000"/>
+              </a:lnSpc>
+              <a:buNone/>
+            </a:pPr>
+            <a:r>
+              <a:rPr lang="en-GB" sz="2000" dirty="0"/>
+              <a:t>library(ggplot2)</a:t>
+            </a:r>
+          </a:p>
+          <a:p>
+            <a:pPr marL="0" indent="0">
+              <a:lnSpc>
+                <a:spcPct val="120000"/>
+              </a:lnSpc>
+              <a:buNone/>
+            </a:pPr>
+            <a:r>
+              <a:rPr lang="en-GB" sz="2000" dirty="0" err="1"/>
+              <a:t>students_performance</a:t>
+            </a:r>
+            <a:r>
+              <a:rPr lang="en-GB" sz="2000" dirty="0"/>
+              <a:t> %&gt;%</a:t>
+            </a:r>
+          </a:p>
+          <a:p>
+            <a:pPr marL="0" indent="0">
+              <a:lnSpc>
+                <a:spcPct val="120000"/>
+              </a:lnSpc>
+              <a:buNone/>
+            </a:pPr>
+            <a:r>
+              <a:rPr lang="en-GB" sz="2000" dirty="0"/>
+              <a:t>	ggplot2::</a:t>
+            </a:r>
+            <a:r>
+              <a:rPr lang="en-GB" sz="2000" dirty="0" err="1"/>
+              <a:t>ggplot</a:t>
+            </a:r>
+            <a:r>
+              <a:rPr lang="en-GB" sz="2000" dirty="0"/>
+              <a:t>(</a:t>
+            </a:r>
+            <a:r>
+              <a:rPr lang="en-GB" sz="2000" dirty="0" err="1"/>
+              <a:t>aes</a:t>
+            </a:r>
+            <a:r>
+              <a:rPr lang="en-GB" sz="2000" dirty="0"/>
+              <a:t>(</a:t>
+            </a:r>
+            <a:r>
+              <a:rPr lang="en-GB" sz="2000" dirty="0" err="1">
+                <a:highlight>
+                  <a:srgbClr val="00FF00"/>
+                </a:highlight>
+              </a:rPr>
+              <a:t>params</a:t>
+            </a:r>
+            <a:r>
+              <a:rPr lang="en-GB" sz="2000" dirty="0" err="1">
+                <a:highlight>
+                  <a:srgbClr val="C0C0C0"/>
+                </a:highlight>
+              </a:rPr>
+              <a:t>$</a:t>
+            </a:r>
+            <a:r>
+              <a:rPr lang="en-GB" sz="2000" dirty="0" err="1">
+                <a:highlight>
+                  <a:srgbClr val="FFFF00"/>
+                </a:highlight>
+              </a:rPr>
+              <a:t>exam_factor</a:t>
+            </a:r>
+            <a:r>
+              <a:rPr lang="en-GB" sz="2000" dirty="0"/>
+              <a:t>, </a:t>
+            </a:r>
+            <a:r>
+              <a:rPr lang="en-GB" sz="2000" dirty="0" err="1"/>
+              <a:t>math_score</a:t>
+            </a:r>
+            <a:r>
+              <a:rPr lang="en-GB" sz="2000" dirty="0"/>
+              <a:t>, fill=gender)) +</a:t>
+            </a:r>
+          </a:p>
+          <a:p>
+            <a:pPr marL="0" indent="0">
+              <a:lnSpc>
+                <a:spcPct val="120000"/>
+              </a:lnSpc>
+              <a:buNone/>
+            </a:pPr>
+            <a:r>
+              <a:rPr lang="en-GB" sz="2000" dirty="0"/>
+              <a:t>	</a:t>
+            </a:r>
+            <a:r>
+              <a:rPr lang="en-GB" sz="2000" dirty="0" err="1"/>
+              <a:t>geom_boxplot</a:t>
+            </a:r>
+            <a:r>
+              <a:rPr lang="en-GB" sz="2000" dirty="0"/>
+              <a:t>() </a:t>
+            </a:r>
+          </a:p>
+        </p:txBody>
+      </p:sp>
+      <p:sp>
+        <p:nvSpPr>
+          <p:cNvPr id="5" name="TextBox 4">
+            <a:extLst>
+              <a:ext uri="{FF2B5EF4-FFF2-40B4-BE49-F238E27FC236}">
+                <a16:creationId xmlns:a16="http://schemas.microsoft.com/office/drawing/2014/main" id="{CDF3D51A-CF85-4BA8-A123-2FD8076B7FB8}"/>
+              </a:ext>
+            </a:extLst>
+          </p:cNvPr>
+          <p:cNvSpPr txBox="1"/>
+          <p:nvPr/>
+        </p:nvSpPr>
+        <p:spPr>
+          <a:xfrm>
+            <a:off x="2153652" y="2213811"/>
+            <a:ext cx="9733547" cy="802442"/>
+          </a:xfrm>
+          <a:prstGeom prst="rect">
+            <a:avLst/>
+          </a:prstGeom>
+          <a:noFill/>
+          <a:ln w="38100">
+            <a:solidFill>
+              <a:srgbClr val="7030A0"/>
+            </a:solidFill>
+          </a:ln>
+        </p:spPr>
+        <p:txBody>
+          <a:bodyPr wrap="square" rtlCol="0">
+            <a:spAutoFit/>
+          </a:bodyPr>
           <a:lstStyle/>
           <a:p>
             <a:endParaRPr lang="en-GB" dirty="0"/>
@@ -11094,6 +11466,106 @@
     <p:extLst>
       <p:ext uri="{BB962C8B-B14F-4D97-AF65-F5344CB8AC3E}">
         <p14:creationId xmlns:p14="http://schemas.microsoft.com/office/powerpoint/2010/main" val="1779199652"/>
+      </p:ext>
+    </p:extLst>
+  </p:cSld>
+  <p:clrMapOvr>
+    <a:masterClrMapping/>
+  </p:clrMapOvr>
+</p:sld>
+</file>
+
+<file path=ppt/slides/slide23.xml><?xml version="1.0" encoding="utf-8"?>
+<p:sld xmlns:a="http://schemas.openxmlformats.org/drawingml/2006/main" xmlns:r="http://schemas.openxmlformats.org/officeDocument/2006/relationships" xmlns:p="http://schemas.openxmlformats.org/presentationml/2006/main">
+  <p:cSld>
+    <p:spTree>
+      <p:nvGrpSpPr>
+        <p:cNvPr id="1" name=""/>
+        <p:cNvGrpSpPr/>
+        <p:nvPr/>
+      </p:nvGrpSpPr>
+      <p:grpSpPr>
+        <a:xfrm>
+          <a:off x="0" y="0"/>
+          <a:ext cx="0" cy="0"/>
+          <a:chOff x="0" y="0"/>
+          <a:chExt cx="0" cy="0"/>
+        </a:xfrm>
+      </p:grpSpPr>
+      <p:sp>
+        <p:nvSpPr>
+          <p:cNvPr id="2" name="Title 1">
+            <a:extLst>
+              <a:ext uri="{FF2B5EF4-FFF2-40B4-BE49-F238E27FC236}">
+                <a16:creationId xmlns:a16="http://schemas.microsoft.com/office/drawing/2014/main" id="{6842D9DC-2201-4744-9EF2-2542B2D0AF48}"/>
+              </a:ext>
+            </a:extLst>
+          </p:cNvPr>
+          <p:cNvSpPr>
+            <a:spLocks noGrp="1"/>
+          </p:cNvSpPr>
+          <p:nvPr>
+            <p:ph type="title"/>
+          </p:nvPr>
+        </p:nvSpPr>
+        <p:spPr/>
+        <p:txBody>
+          <a:bodyPr/>
+          <a:lstStyle/>
+          <a:p>
+            <a:r>
+              <a:rPr lang="en-GB" dirty="0"/>
+              <a:t>Extra practice</a:t>
+            </a:r>
+          </a:p>
+        </p:txBody>
+      </p:sp>
+      <p:sp>
+        <p:nvSpPr>
+          <p:cNvPr id="10" name="Content Placeholder 9">
+            <a:extLst>
+              <a:ext uri="{FF2B5EF4-FFF2-40B4-BE49-F238E27FC236}">
+                <a16:creationId xmlns:a16="http://schemas.microsoft.com/office/drawing/2014/main" id="{9AAD20C5-7D9A-4692-8E28-1C91F47AFAE6}"/>
+              </a:ext>
+            </a:extLst>
+          </p:cNvPr>
+          <p:cNvSpPr>
+            <a:spLocks noGrp="1"/>
+          </p:cNvSpPr>
+          <p:nvPr>
+            <p:ph idx="1"/>
+          </p:nvPr>
+        </p:nvSpPr>
+        <p:spPr/>
+        <p:txBody>
+          <a:bodyPr/>
+          <a:lstStyle/>
+          <a:p>
+            <a:r>
+              <a:rPr lang="en-GB" dirty="0"/>
+              <a:t>Try and change the report adding a </a:t>
+            </a:r>
+            <a:r>
+              <a:rPr lang="en-GB" dirty="0" err="1"/>
+              <a:t>paramenter</a:t>
+            </a:r>
+            <a:r>
+              <a:rPr lang="en-GB" dirty="0"/>
+              <a:t> for exam_ and see a different factor influences students results!</a:t>
+            </a:r>
+          </a:p>
+          <a:p>
+            <a:pPr marL="0" indent="0">
+              <a:buNone/>
+            </a:pPr>
+            <a:endParaRPr lang="en-GB" dirty="0"/>
+          </a:p>
+        </p:txBody>
+      </p:sp>
+    </p:spTree>
+    <p:extLst>
+      <p:ext uri="{BB962C8B-B14F-4D97-AF65-F5344CB8AC3E}">
+        <p14:creationId xmlns:p14="http://schemas.microsoft.com/office/powerpoint/2010/main" val="3277352796"/>
       </p:ext>
     </p:extLst>
   </p:cSld>
